--- a/bin/cosa lecture.pptx
+++ b/bin/cosa lecture.pptx
@@ -5,82 +5,102 @@
     <p:sldMasterId id="2147483664" r:id="rId1"/>
   </p:sldMasterIdLst>
   <p:notesMasterIdLst>
-    <p:notesMasterId r:id="rId72"/>
+    <p:notesMasterId r:id="rId92"/>
   </p:notesMasterIdLst>
   <p:handoutMasterIdLst>
-    <p:handoutMasterId r:id="rId73"/>
+    <p:handoutMasterId r:id="rId93"/>
   </p:handoutMasterIdLst>
   <p:sldIdLst>
     <p:sldId id="256" r:id="rId2"/>
     <p:sldId id="258" r:id="rId3"/>
-    <p:sldId id="445" r:id="rId4"/>
-    <p:sldId id="446" r:id="rId5"/>
-    <p:sldId id="447" r:id="rId6"/>
-    <p:sldId id="448" r:id="rId7"/>
-    <p:sldId id="449" r:id="rId8"/>
-    <p:sldId id="450" r:id="rId9"/>
-    <p:sldId id="451" r:id="rId10"/>
-    <p:sldId id="452" r:id="rId11"/>
-    <p:sldId id="453" r:id="rId12"/>
-    <p:sldId id="454" r:id="rId13"/>
-    <p:sldId id="455" r:id="rId14"/>
-    <p:sldId id="456" r:id="rId15"/>
-    <p:sldId id="390" r:id="rId16"/>
-    <p:sldId id="392" r:id="rId17"/>
-    <p:sldId id="391" r:id="rId18"/>
-    <p:sldId id="393" r:id="rId19"/>
-    <p:sldId id="394" r:id="rId20"/>
-    <p:sldId id="395" r:id="rId21"/>
-    <p:sldId id="396" r:id="rId22"/>
-    <p:sldId id="397" r:id="rId23"/>
-    <p:sldId id="398" r:id="rId24"/>
-    <p:sldId id="399" r:id="rId25"/>
-    <p:sldId id="400" r:id="rId26"/>
-    <p:sldId id="389" r:id="rId27"/>
-    <p:sldId id="401" r:id="rId28"/>
-    <p:sldId id="402" r:id="rId29"/>
-    <p:sldId id="403" r:id="rId30"/>
-    <p:sldId id="404" r:id="rId31"/>
-    <p:sldId id="405" r:id="rId32"/>
-    <p:sldId id="406" r:id="rId33"/>
-    <p:sldId id="407" r:id="rId34"/>
-    <p:sldId id="408" r:id="rId35"/>
-    <p:sldId id="409" r:id="rId36"/>
-    <p:sldId id="410" r:id="rId37"/>
-    <p:sldId id="411" r:id="rId38"/>
-    <p:sldId id="412" r:id="rId39"/>
-    <p:sldId id="413" r:id="rId40"/>
-    <p:sldId id="414" r:id="rId41"/>
-    <p:sldId id="415" r:id="rId42"/>
-    <p:sldId id="416" r:id="rId43"/>
-    <p:sldId id="417" r:id="rId44"/>
-    <p:sldId id="418" r:id="rId45"/>
-    <p:sldId id="419" r:id="rId46"/>
-    <p:sldId id="420" r:id="rId47"/>
-    <p:sldId id="421" r:id="rId48"/>
-    <p:sldId id="422" r:id="rId49"/>
-    <p:sldId id="423" r:id="rId50"/>
-    <p:sldId id="424" r:id="rId51"/>
-    <p:sldId id="426" r:id="rId52"/>
-    <p:sldId id="427" r:id="rId53"/>
-    <p:sldId id="433" r:id="rId54"/>
-    <p:sldId id="428" r:id="rId55"/>
-    <p:sldId id="429" r:id="rId56"/>
-    <p:sldId id="430" r:id="rId57"/>
-    <p:sldId id="431" r:id="rId58"/>
-    <p:sldId id="432" r:id="rId59"/>
-    <p:sldId id="440" r:id="rId60"/>
-    <p:sldId id="441" r:id="rId61"/>
-    <p:sldId id="442" r:id="rId62"/>
-    <p:sldId id="434" r:id="rId63"/>
-    <p:sldId id="435" r:id="rId64"/>
-    <p:sldId id="436" r:id="rId65"/>
-    <p:sldId id="437" r:id="rId66"/>
-    <p:sldId id="438" r:id="rId67"/>
-    <p:sldId id="439" r:id="rId68"/>
-    <p:sldId id="443" r:id="rId69"/>
-    <p:sldId id="444" r:id="rId70"/>
-    <p:sldId id="342" r:id="rId71"/>
+    <p:sldId id="463" r:id="rId4"/>
+    <p:sldId id="464" r:id="rId5"/>
+    <p:sldId id="465" r:id="rId6"/>
+    <p:sldId id="466" r:id="rId7"/>
+    <p:sldId id="467" r:id="rId8"/>
+    <p:sldId id="468" r:id="rId9"/>
+    <p:sldId id="469" r:id="rId10"/>
+    <p:sldId id="470" r:id="rId11"/>
+    <p:sldId id="471" r:id="rId12"/>
+    <p:sldId id="472" r:id="rId13"/>
+    <p:sldId id="473" r:id="rId14"/>
+    <p:sldId id="474" r:id="rId15"/>
+    <p:sldId id="475" r:id="rId16"/>
+    <p:sldId id="476" r:id="rId17"/>
+    <p:sldId id="445" r:id="rId18"/>
+    <p:sldId id="446" r:id="rId19"/>
+    <p:sldId id="447" r:id="rId20"/>
+    <p:sldId id="448" r:id="rId21"/>
+    <p:sldId id="449" r:id="rId22"/>
+    <p:sldId id="450" r:id="rId23"/>
+    <p:sldId id="451" r:id="rId24"/>
+    <p:sldId id="452" r:id="rId25"/>
+    <p:sldId id="453" r:id="rId26"/>
+    <p:sldId id="454" r:id="rId27"/>
+    <p:sldId id="455" r:id="rId28"/>
+    <p:sldId id="456" r:id="rId29"/>
+    <p:sldId id="457" r:id="rId30"/>
+    <p:sldId id="458" r:id="rId31"/>
+    <p:sldId id="459" r:id="rId32"/>
+    <p:sldId id="460" r:id="rId33"/>
+    <p:sldId id="461" r:id="rId34"/>
+    <p:sldId id="462" r:id="rId35"/>
+    <p:sldId id="390" r:id="rId36"/>
+    <p:sldId id="392" r:id="rId37"/>
+    <p:sldId id="391" r:id="rId38"/>
+    <p:sldId id="393" r:id="rId39"/>
+    <p:sldId id="394" r:id="rId40"/>
+    <p:sldId id="395" r:id="rId41"/>
+    <p:sldId id="396" r:id="rId42"/>
+    <p:sldId id="397" r:id="rId43"/>
+    <p:sldId id="398" r:id="rId44"/>
+    <p:sldId id="399" r:id="rId45"/>
+    <p:sldId id="400" r:id="rId46"/>
+    <p:sldId id="389" r:id="rId47"/>
+    <p:sldId id="401" r:id="rId48"/>
+    <p:sldId id="402" r:id="rId49"/>
+    <p:sldId id="403" r:id="rId50"/>
+    <p:sldId id="404" r:id="rId51"/>
+    <p:sldId id="405" r:id="rId52"/>
+    <p:sldId id="406" r:id="rId53"/>
+    <p:sldId id="407" r:id="rId54"/>
+    <p:sldId id="408" r:id="rId55"/>
+    <p:sldId id="409" r:id="rId56"/>
+    <p:sldId id="410" r:id="rId57"/>
+    <p:sldId id="411" r:id="rId58"/>
+    <p:sldId id="412" r:id="rId59"/>
+    <p:sldId id="413" r:id="rId60"/>
+    <p:sldId id="414" r:id="rId61"/>
+    <p:sldId id="415" r:id="rId62"/>
+    <p:sldId id="416" r:id="rId63"/>
+    <p:sldId id="417" r:id="rId64"/>
+    <p:sldId id="418" r:id="rId65"/>
+    <p:sldId id="419" r:id="rId66"/>
+    <p:sldId id="420" r:id="rId67"/>
+    <p:sldId id="421" r:id="rId68"/>
+    <p:sldId id="422" r:id="rId69"/>
+    <p:sldId id="423" r:id="rId70"/>
+    <p:sldId id="424" r:id="rId71"/>
+    <p:sldId id="426" r:id="rId72"/>
+    <p:sldId id="427" r:id="rId73"/>
+    <p:sldId id="433" r:id="rId74"/>
+    <p:sldId id="428" r:id="rId75"/>
+    <p:sldId id="429" r:id="rId76"/>
+    <p:sldId id="430" r:id="rId77"/>
+    <p:sldId id="431" r:id="rId78"/>
+    <p:sldId id="432" r:id="rId79"/>
+    <p:sldId id="440" r:id="rId80"/>
+    <p:sldId id="441" r:id="rId81"/>
+    <p:sldId id="442" r:id="rId82"/>
+    <p:sldId id="434" r:id="rId83"/>
+    <p:sldId id="435" r:id="rId84"/>
+    <p:sldId id="436" r:id="rId85"/>
+    <p:sldId id="437" r:id="rId86"/>
+    <p:sldId id="438" r:id="rId87"/>
+    <p:sldId id="439" r:id="rId88"/>
+    <p:sldId id="443" r:id="rId89"/>
+    <p:sldId id="444" r:id="rId90"/>
+    <p:sldId id="342" r:id="rId91"/>
   </p:sldIdLst>
   <p:sldSz cx="9144000" cy="6858000" type="screen4x3"/>
   <p:notesSz cx="9601200" cy="7315200"/>
@@ -397,7 +417,7 @@
               <a:pPr>
                 <a:defRPr/>
               </a:pPr>
-              <a:t>7/9/2018</a:t>
+              <a:t>7/10/2018</a:t>
             </a:fld>
             <a:endParaRPr lang="en-US" altLang="en-US"/>
           </a:p>
@@ -705,7 +725,7 @@
               <a:pPr>
                 <a:defRPr/>
               </a:pPr>
-              <a:t>7/9/2018</a:t>
+              <a:t>7/10/2018</a:t>
             </a:fld>
             <a:endParaRPr lang="en-US" altLang="en-US"/>
           </a:p>
@@ -4102,6 +4122,75 @@
       </p:grpSpPr>
       <p:sp>
         <p:nvSpPr>
+          <p:cNvPr id="2" name="Title 1"/>
+          <p:cNvSpPr>
+            <a:spLocks noGrp="1"/>
+          </p:cNvSpPr>
+          <p:nvPr>
+            <p:ph type="title"/>
+          </p:nvPr>
+        </p:nvSpPr>
+        <p:spPr/>
+        <p:txBody>
+          <a:bodyPr/>
+          <a:lstStyle/>
+          <a:p>
+            <a:r>
+              <a:rPr lang="en-US" dirty="0"/>
+              <a:t>Fruit fly data (round 3)</a:t>
+            </a:r>
+          </a:p>
+        </p:txBody>
+      </p:sp>
+      <p:sp>
+        <p:nvSpPr>
+          <p:cNvPr id="3" name="Text Placeholder 2"/>
+          <p:cNvSpPr>
+            <a:spLocks noGrp="1"/>
+          </p:cNvSpPr>
+          <p:nvPr>
+            <p:ph type="body" idx="1"/>
+          </p:nvPr>
+        </p:nvSpPr>
+        <p:spPr/>
+        <p:txBody>
+          <a:bodyPr numCol="1"/>
+          <a:lstStyle/>
+          <a:p>
+            <a:r>
+              <a:rPr lang="en-US" dirty="0"/>
+              <a:t>Let's look at a third experiment, where the screen cover is left open and all but four of the remaining flies escape. It turns out that those four remaining flies who didn't bug out will allow us to still get reasonable estimates of survival probabilities beyond 70 days. Here is the data and the survival probabilities.</a:t>
+            </a:r>
+          </a:p>
+        </p:txBody>
+      </p:sp>
+      <p:sp>
+        <p:nvSpPr>
+          <p:cNvPr id="4" name="Footer Placeholder 3"/>
+          <p:cNvSpPr>
+            <a:spLocks noGrp="1"/>
+          </p:cNvSpPr>
+          <p:nvPr>
+            <p:ph type="ftr" sz="quarter" idx="10"/>
+          </p:nvPr>
+        </p:nvSpPr>
+        <p:spPr/>
+        <p:txBody>
+          <a:bodyPr/>
+          <a:lstStyle/>
+          <a:p>
+            <a:pPr>
+              <a:defRPr/>
+            </a:pPr>
+            <a:r>
+              <a:rPr lang="en-US" altLang="en-US" dirty="0"/>
+              <a:t>http://TheAnalysisFactor.com</a:t>
+            </a:r>
+          </a:p>
+        </p:txBody>
+      </p:sp>
+      <p:sp>
+        <p:nvSpPr>
           <p:cNvPr id="5" name="Slide Number Placeholder 4"/>
           <p:cNvSpPr>
             <a:spLocks noGrp="1"/>
@@ -4118,7 +4207,7 @@
             <a:pPr>
               <a:defRPr/>
             </a:pPr>
-            <a:endParaRPr lang="en-US" smtClean="0"/>
+            <a:endParaRPr lang="en-US"/>
           </a:p>
           <a:p>
             <a:pPr>
@@ -4130,6 +4219,2140 @@
                 <a:defRPr/>
               </a:pPr>
               <a:t>10</a:t>
+            </a:fld>
+            <a:endParaRPr lang="en-US"/>
+          </a:p>
+        </p:txBody>
+      </p:sp>
+      <p:sp>
+        <p:nvSpPr>
+          <p:cNvPr id="6" name="Text Placeholder 5"/>
+          <p:cNvSpPr>
+            <a:spLocks noGrp="1"/>
+          </p:cNvSpPr>
+          <p:nvPr>
+            <p:ph type="body" sz="quarter" idx="12"/>
+          </p:nvPr>
+        </p:nvSpPr>
+        <p:spPr/>
+        <p:txBody>
+          <a:bodyPr/>
+          <a:lstStyle/>
+          <a:p>
+            <a:r>
+              <a:rPr lang="en-US" dirty="0"/>
+              <a:t>Another change to the data</a:t>
+            </a:r>
+          </a:p>
+        </p:txBody>
+      </p:sp>
+    </p:spTree>
+    <p:extLst>
+      <p:ext uri="{BB962C8B-B14F-4D97-AF65-F5344CB8AC3E}">
+        <p14:creationId xmlns:p14="http://schemas.microsoft.com/office/powerpoint/2010/main" val="3501548953"/>
+      </p:ext>
+    </p:extLst>
+  </p:cSld>
+  <p:clrMapOvr>
+    <a:masterClrMapping/>
+  </p:clrMapOvr>
+  <p:timing>
+    <p:tnLst>
+      <p:par>
+        <p:cTn id="1" dur="indefinite" restart="never" nodeType="tmRoot"/>
+      </p:par>
+    </p:tnLst>
+  </p:timing>
+</p:sld>
+</file>
+
+<file path=ppt/slides/slide11.xml><?xml version="1.0" encoding="utf-8"?>
+<p:sld xmlns:a="http://schemas.openxmlformats.org/drawingml/2006/main" xmlns:r="http://schemas.openxmlformats.org/officeDocument/2006/relationships" xmlns:p="http://schemas.openxmlformats.org/presentationml/2006/main">
+  <p:cSld>
+    <p:spTree>
+      <p:nvGrpSpPr>
+        <p:cNvPr id="1" name=""/>
+        <p:cNvGrpSpPr/>
+        <p:nvPr/>
+      </p:nvGrpSpPr>
+      <p:grpSpPr>
+        <a:xfrm>
+          <a:off x="0" y="0"/>
+          <a:ext cx="0" cy="0"/>
+          <a:chOff x="0" y="0"/>
+          <a:chExt cx="0" cy="0"/>
+        </a:xfrm>
+      </p:grpSpPr>
+      <p:sp>
+        <p:nvSpPr>
+          <p:cNvPr id="2" name="Title 1"/>
+          <p:cNvSpPr>
+            <a:spLocks noGrp="1"/>
+          </p:cNvSpPr>
+          <p:nvPr>
+            <p:ph type="title"/>
+          </p:nvPr>
+        </p:nvSpPr>
+        <p:spPr/>
+        <p:txBody>
+          <a:bodyPr/>
+          <a:lstStyle/>
+          <a:p>
+            <a:r>
+              <a:rPr lang="en-US" dirty="0"/>
+              <a:t>Fruit fly data (round 3)</a:t>
+            </a:r>
+          </a:p>
+        </p:txBody>
+      </p:sp>
+      <p:sp>
+        <p:nvSpPr>
+          <p:cNvPr id="3" name="Text Placeholder 2"/>
+          <p:cNvSpPr>
+            <a:spLocks noGrp="1"/>
+          </p:cNvSpPr>
+          <p:nvPr>
+            <p:ph type="body" idx="1"/>
+          </p:nvPr>
+        </p:nvSpPr>
+        <p:spPr/>
+        <p:txBody>
+          <a:bodyPr numCol="4"/>
+          <a:lstStyle/>
+          <a:p>
+            <a:r>
+              <a:rPr lang="en-US" dirty="0"/>
+              <a:t> 37 96%</a:t>
+            </a:r>
+            <a:br>
+              <a:rPr lang="en-US" dirty="0"/>
+            </a:br>
+            <a:r>
+              <a:rPr lang="en-US" dirty="0"/>
+              <a:t> 40 92%</a:t>
+            </a:r>
+            <a:br>
+              <a:rPr lang="en-US" dirty="0"/>
+            </a:br>
+            <a:r>
+              <a:rPr lang="en-US" dirty="0"/>
+              <a:t> 43 88%</a:t>
+            </a:r>
+            <a:br>
+              <a:rPr lang="en-US" dirty="0"/>
+            </a:br>
+            <a:r>
+              <a:rPr lang="en-US" dirty="0"/>
+              <a:t> 44 84%</a:t>
+            </a:r>
+            <a:br>
+              <a:rPr lang="en-US" dirty="0"/>
+            </a:br>
+            <a:r>
+              <a:rPr lang="en-US" dirty="0"/>
+              <a:t> 45 80%</a:t>
+            </a:r>
+            <a:br>
+              <a:rPr lang="en-US" dirty="0"/>
+            </a:br>
+            <a:r>
+              <a:rPr lang="en-US" dirty="0"/>
+              <a:t> 47 76%</a:t>
+            </a:r>
+            <a:br>
+              <a:rPr lang="en-US" dirty="0"/>
+            </a:br>
+            <a:r>
+              <a:rPr lang="en-US" dirty="0"/>
+              <a:t> 49 72%</a:t>
+            </a:r>
+            <a:br>
+              <a:rPr lang="en-US" dirty="0"/>
+            </a:br>
+            <a:r>
+              <a:rPr lang="en-US" dirty="0"/>
+              <a:t> 54 68%</a:t>
+            </a:r>
+            <a:br>
+              <a:rPr lang="en-US" dirty="0"/>
+            </a:br>
+            <a:r>
+              <a:rPr lang="en-US" dirty="0"/>
+              <a:t> 56 64%</a:t>
+            </a:r>
+            <a:br>
+              <a:rPr lang="en-US" dirty="0"/>
+            </a:br>
+            <a:r>
+              <a:rPr lang="en-US" dirty="0"/>
+              <a:t> 58 60%</a:t>
+            </a:r>
+            <a:br>
+              <a:rPr lang="en-US" dirty="0"/>
+            </a:br>
+            <a:r>
+              <a:rPr lang="en-US" dirty="0"/>
+              <a:t> 59 56%</a:t>
+            </a:r>
+            <a:br>
+              <a:rPr lang="en-US" dirty="0"/>
+            </a:br>
+            <a:r>
+              <a:rPr lang="en-US" dirty="0"/>
+              <a:t> 60 52%</a:t>
+            </a:r>
+            <a:br>
+              <a:rPr lang="en-US" dirty="0"/>
+            </a:br>
+            <a:r>
+              <a:rPr lang="en-US" dirty="0"/>
+              <a:t> 61 48%</a:t>
+            </a:r>
+            <a:br>
+              <a:rPr lang="en-US" dirty="0"/>
+            </a:br>
+            <a:r>
+              <a:rPr lang="en-US" dirty="0"/>
+              <a:t> 62 44%</a:t>
+            </a:r>
+            <a:br>
+              <a:rPr lang="en-US" dirty="0"/>
+            </a:br>
+            <a:r>
+              <a:rPr lang="en-US" dirty="0"/>
+              <a:t> 68 40%</a:t>
+            </a:r>
+            <a:br>
+              <a:rPr lang="en-US" dirty="0"/>
+            </a:br>
+            <a:r>
+              <a:rPr lang="en-US" dirty="0"/>
+              <a:t> 70+ ?</a:t>
+            </a:r>
+            <a:br>
+              <a:rPr lang="en-US" dirty="0"/>
+            </a:br>
+            <a:r>
+              <a:rPr lang="en-US" dirty="0"/>
+              <a:t> 71 30%</a:t>
+            </a:r>
+            <a:br>
+              <a:rPr lang="en-US" dirty="0"/>
+            </a:br>
+            <a:r>
+              <a:rPr lang="en-US" dirty="0"/>
+              <a:t> 70+ ?</a:t>
+            </a:r>
+            <a:br>
+              <a:rPr lang="en-US" dirty="0"/>
+            </a:br>
+            <a:r>
+              <a:rPr lang="en-US" dirty="0"/>
+              <a:t> 70+ ?</a:t>
+            </a:r>
+            <a:br>
+              <a:rPr lang="en-US" dirty="0"/>
+            </a:br>
+            <a:r>
+              <a:rPr lang="en-US" dirty="0"/>
+              <a:t> 75 20%</a:t>
+            </a:r>
+            <a:br>
+              <a:rPr lang="en-US" dirty="0"/>
+            </a:br>
+            <a:r>
+              <a:rPr lang="en-US" dirty="0"/>
+              <a:t> 70+ ?</a:t>
+            </a:r>
+            <a:br>
+              <a:rPr lang="en-US" dirty="0"/>
+            </a:br>
+            <a:r>
+              <a:rPr lang="en-US" dirty="0"/>
+              <a:t> 70+ ?</a:t>
+            </a:r>
+            <a:br>
+              <a:rPr lang="en-US" dirty="0"/>
+            </a:br>
+            <a:r>
+              <a:rPr lang="en-US" dirty="0"/>
+              <a:t> 89 10%</a:t>
+            </a:r>
+            <a:br>
+              <a:rPr lang="en-US" dirty="0"/>
+            </a:br>
+            <a:r>
+              <a:rPr lang="en-US" dirty="0"/>
+              <a:t> 70+ ?</a:t>
+            </a:r>
+            <a:br>
+              <a:rPr lang="en-US" dirty="0"/>
+            </a:br>
+            <a:r>
+              <a:rPr lang="en-US" dirty="0"/>
+              <a:t> 96  0% </a:t>
+            </a:r>
+          </a:p>
+        </p:txBody>
+      </p:sp>
+      <p:sp>
+        <p:nvSpPr>
+          <p:cNvPr id="4" name="Footer Placeholder 3"/>
+          <p:cNvSpPr>
+            <a:spLocks noGrp="1"/>
+          </p:cNvSpPr>
+          <p:nvPr>
+            <p:ph type="ftr" sz="quarter" idx="10"/>
+          </p:nvPr>
+        </p:nvSpPr>
+        <p:spPr/>
+        <p:txBody>
+          <a:bodyPr/>
+          <a:lstStyle/>
+          <a:p>
+            <a:pPr>
+              <a:defRPr/>
+            </a:pPr>
+            <a:r>
+              <a:rPr lang="en-US" altLang="en-US" dirty="0"/>
+              <a:t>http://TheAnalysisFactor.com</a:t>
+            </a:r>
+          </a:p>
+        </p:txBody>
+      </p:sp>
+      <p:sp>
+        <p:nvSpPr>
+          <p:cNvPr id="5" name="Slide Number Placeholder 4"/>
+          <p:cNvSpPr>
+            <a:spLocks noGrp="1"/>
+          </p:cNvSpPr>
+          <p:nvPr>
+            <p:ph type="sldNum" sz="quarter" idx="11"/>
+          </p:nvPr>
+        </p:nvSpPr>
+        <p:spPr/>
+        <p:txBody>
+          <a:bodyPr/>
+          <a:lstStyle/>
+          <a:p>
+            <a:pPr>
+              <a:defRPr/>
+            </a:pPr>
+            <a:endParaRPr lang="en-US"/>
+          </a:p>
+          <a:p>
+            <a:pPr>
+              <a:defRPr/>
+            </a:pPr>
+            <a:fld id="{E9A8CBA3-AA2B-46A6-BFA3-DCEBEAAB3F0A}" type="slidenum">
+              <a:rPr lang="en-US" smtClean="0"/>
+              <a:pPr>
+                <a:defRPr/>
+              </a:pPr>
+              <a:t>11</a:t>
+            </a:fld>
+            <a:endParaRPr lang="en-US"/>
+          </a:p>
+        </p:txBody>
+      </p:sp>
+      <p:sp>
+        <p:nvSpPr>
+          <p:cNvPr id="6" name="Text Placeholder 5"/>
+          <p:cNvSpPr>
+            <a:spLocks noGrp="1"/>
+          </p:cNvSpPr>
+          <p:nvPr>
+            <p:ph type="body" sz="quarter" idx="12"/>
+          </p:nvPr>
+        </p:nvSpPr>
+        <p:spPr/>
+        <p:txBody>
+          <a:bodyPr/>
+          <a:lstStyle/>
+          <a:p>
+            <a:r>
+              <a:rPr lang="en-US" dirty="0"/>
+              <a:t>Here are the estimated survival probabilities</a:t>
+            </a:r>
+          </a:p>
+        </p:txBody>
+      </p:sp>
+    </p:spTree>
+    <p:extLst>
+      <p:ext uri="{BB962C8B-B14F-4D97-AF65-F5344CB8AC3E}">
+        <p14:creationId xmlns:p14="http://schemas.microsoft.com/office/powerpoint/2010/main" val="3021266412"/>
+      </p:ext>
+    </p:extLst>
+  </p:cSld>
+  <p:clrMapOvr>
+    <a:masterClrMapping/>
+  </p:clrMapOvr>
+  <p:timing>
+    <p:tnLst>
+      <p:par>
+        <p:cTn id="1" dur="indefinite" restart="never" nodeType="tmRoot"/>
+      </p:par>
+    </p:tnLst>
+  </p:timing>
+</p:sld>
+</file>
+
+<file path=ppt/slides/slide12.xml><?xml version="1.0" encoding="utf-8"?>
+<p:sld xmlns:a="http://schemas.openxmlformats.org/drawingml/2006/main" xmlns:r="http://schemas.openxmlformats.org/officeDocument/2006/relationships" xmlns:p="http://schemas.openxmlformats.org/presentationml/2006/main">
+  <p:cSld>
+    <p:spTree>
+      <p:nvGrpSpPr>
+        <p:cNvPr id="1" name=""/>
+        <p:cNvGrpSpPr/>
+        <p:nvPr/>
+      </p:nvGrpSpPr>
+      <p:grpSpPr>
+        <a:xfrm>
+          <a:off x="0" y="0"/>
+          <a:ext cx="0" cy="0"/>
+          <a:chOff x="0" y="0"/>
+          <a:chExt cx="0" cy="0"/>
+        </a:xfrm>
+      </p:grpSpPr>
+      <p:sp>
+        <p:nvSpPr>
+          <p:cNvPr id="2" name="Title 1"/>
+          <p:cNvSpPr>
+            <a:spLocks noGrp="1"/>
+          </p:cNvSpPr>
+          <p:nvPr>
+            <p:ph type="title"/>
+          </p:nvPr>
+        </p:nvSpPr>
+        <p:spPr/>
+        <p:txBody>
+          <a:bodyPr/>
+          <a:lstStyle/>
+          <a:p>
+            <a:r>
+              <a:rPr lang="en-US" dirty="0"/>
+              <a:t>Fruit fly data (round 3)</a:t>
+            </a:r>
+          </a:p>
+        </p:txBody>
+      </p:sp>
+      <p:sp>
+        <p:nvSpPr>
+          <p:cNvPr id="4" name="Footer Placeholder 3"/>
+          <p:cNvSpPr>
+            <a:spLocks noGrp="1"/>
+          </p:cNvSpPr>
+          <p:nvPr>
+            <p:ph type="ftr" sz="quarter" idx="10"/>
+          </p:nvPr>
+        </p:nvSpPr>
+        <p:spPr/>
+        <p:txBody>
+          <a:bodyPr/>
+          <a:lstStyle/>
+          <a:p>
+            <a:pPr>
+              <a:defRPr/>
+            </a:pPr>
+            <a:r>
+              <a:rPr lang="en-US" altLang="en-US" dirty="0"/>
+              <a:t>http://TheAnalysisFactor.com</a:t>
+            </a:r>
+          </a:p>
+        </p:txBody>
+      </p:sp>
+      <p:sp>
+        <p:nvSpPr>
+          <p:cNvPr id="5" name="Slide Number Placeholder 4"/>
+          <p:cNvSpPr>
+            <a:spLocks noGrp="1"/>
+          </p:cNvSpPr>
+          <p:nvPr>
+            <p:ph type="sldNum" sz="quarter" idx="11"/>
+          </p:nvPr>
+        </p:nvSpPr>
+        <p:spPr/>
+        <p:txBody>
+          <a:bodyPr/>
+          <a:lstStyle/>
+          <a:p>
+            <a:pPr>
+              <a:defRPr/>
+            </a:pPr>
+            <a:endParaRPr lang="en-US"/>
+          </a:p>
+          <a:p>
+            <a:pPr>
+              <a:defRPr/>
+            </a:pPr>
+            <a:fld id="{E9A8CBA3-AA2B-46A6-BFA3-DCEBEAAB3F0A}" type="slidenum">
+              <a:rPr lang="en-US" smtClean="0"/>
+              <a:pPr>
+                <a:defRPr/>
+              </a:pPr>
+              <a:t>12</a:t>
+            </a:fld>
+            <a:endParaRPr lang="en-US"/>
+          </a:p>
+        </p:txBody>
+      </p:sp>
+      <p:sp>
+        <p:nvSpPr>
+          <p:cNvPr id="6" name="Text Placeholder 5"/>
+          <p:cNvSpPr>
+            <a:spLocks noGrp="1"/>
+          </p:cNvSpPr>
+          <p:nvPr>
+            <p:ph type="body" sz="quarter" idx="12"/>
+          </p:nvPr>
+        </p:nvSpPr>
+        <p:spPr/>
+        <p:txBody>
+          <a:bodyPr/>
+          <a:lstStyle/>
+          <a:p>
+            <a:r>
+              <a:rPr lang="en-US" dirty="0"/>
+              <a:t>Here is a graph of the survival probabilities</a:t>
+            </a:r>
+          </a:p>
+        </p:txBody>
+      </p:sp>
+      <p:pic>
+        <p:nvPicPr>
+          <p:cNvPr id="3" name="Picture 2"/>
+          <p:cNvPicPr>
+            <a:picLocks noChangeAspect="1"/>
+          </p:cNvPicPr>
+          <p:nvPr/>
+        </p:nvPicPr>
+        <p:blipFill>
+          <a:blip r:embed="rId2"/>
+          <a:stretch>
+            <a:fillRect/>
+          </a:stretch>
+        </p:blipFill>
+        <p:spPr>
+          <a:xfrm>
+            <a:off x="469900" y="2286000"/>
+            <a:ext cx="4940300" cy="3705225"/>
+          </a:xfrm>
+          <a:prstGeom prst="rect">
+            <a:avLst/>
+          </a:prstGeom>
+        </p:spPr>
+      </p:pic>
+    </p:spTree>
+    <p:extLst>
+      <p:ext uri="{BB962C8B-B14F-4D97-AF65-F5344CB8AC3E}">
+        <p14:creationId xmlns:p14="http://schemas.microsoft.com/office/powerpoint/2010/main" val="347438548"/>
+      </p:ext>
+    </p:extLst>
+  </p:cSld>
+  <p:clrMapOvr>
+    <a:masterClrMapping/>
+  </p:clrMapOvr>
+  <p:timing>
+    <p:tnLst>
+      <p:par>
+        <p:cTn id="1" dur="indefinite" restart="never" nodeType="tmRoot"/>
+      </p:par>
+    </p:tnLst>
+  </p:timing>
+</p:sld>
+</file>
+
+<file path=ppt/slides/slide13.xml><?xml version="1.0" encoding="utf-8"?>
+<p:sld xmlns:a="http://schemas.openxmlformats.org/drawingml/2006/main" xmlns:r="http://schemas.openxmlformats.org/officeDocument/2006/relationships" xmlns:p="http://schemas.openxmlformats.org/presentationml/2006/main">
+  <p:cSld>
+    <p:spTree>
+      <p:nvGrpSpPr>
+        <p:cNvPr id="1" name=""/>
+        <p:cNvGrpSpPr/>
+        <p:nvPr/>
+      </p:nvGrpSpPr>
+      <p:grpSpPr>
+        <a:xfrm>
+          <a:off x="0" y="0"/>
+          <a:ext cx="0" cy="0"/>
+          <a:chOff x="0" y="0"/>
+          <a:chExt cx="0" cy="0"/>
+        </a:xfrm>
+      </p:grpSpPr>
+      <p:sp>
+        <p:nvSpPr>
+          <p:cNvPr id="2" name="Title 1"/>
+          <p:cNvSpPr>
+            <a:spLocks noGrp="1"/>
+          </p:cNvSpPr>
+          <p:nvPr>
+            <p:ph type="title"/>
+          </p:nvPr>
+        </p:nvSpPr>
+        <p:spPr/>
+        <p:txBody>
+          <a:bodyPr/>
+          <a:lstStyle/>
+          <a:p>
+            <a:r>
+              <a:rPr lang="en-US" dirty="0"/>
+              <a:t>An Introduction to Kaplan-Meier Curves</a:t>
+            </a:r>
+          </a:p>
+        </p:txBody>
+      </p:sp>
+      <p:sp>
+        <p:nvSpPr>
+          <p:cNvPr id="3" name="Text Placeholder 2"/>
+          <p:cNvSpPr>
+            <a:spLocks noGrp="1"/>
+          </p:cNvSpPr>
+          <p:nvPr>
+            <p:ph type="body" idx="1"/>
+          </p:nvPr>
+        </p:nvSpPr>
+        <p:spPr/>
+        <p:txBody>
+          <a:bodyPr numCol="1"/>
+          <a:lstStyle/>
+          <a:p>
+            <a:r>
+              <a:rPr lang="en-US" dirty="0"/>
+              <a:t>What you do with the six escaped flies is to allocate their survival probabilities equally among the four flies who didn't bug out. This places a great responsibility among each of those four remaining flies since each one is now responsible for 10% of the remaining survival probability, their original 4% plus 6% more which represents a fourth of the 24% survival probability that was lost with the six escaping flies.</a:t>
+            </a:r>
+          </a:p>
+        </p:txBody>
+      </p:sp>
+      <p:sp>
+        <p:nvSpPr>
+          <p:cNvPr id="4" name="Footer Placeholder 3"/>
+          <p:cNvSpPr>
+            <a:spLocks noGrp="1"/>
+          </p:cNvSpPr>
+          <p:nvPr>
+            <p:ph type="ftr" sz="quarter" idx="10"/>
+          </p:nvPr>
+        </p:nvSpPr>
+        <p:spPr/>
+        <p:txBody>
+          <a:bodyPr/>
+          <a:lstStyle/>
+          <a:p>
+            <a:pPr>
+              <a:defRPr/>
+            </a:pPr>
+            <a:r>
+              <a:rPr lang="en-US" altLang="en-US" dirty="0"/>
+              <a:t>http://TheAnalysisFactor.com</a:t>
+            </a:r>
+          </a:p>
+        </p:txBody>
+      </p:sp>
+      <p:sp>
+        <p:nvSpPr>
+          <p:cNvPr id="5" name="Slide Number Placeholder 4"/>
+          <p:cNvSpPr>
+            <a:spLocks noGrp="1"/>
+          </p:cNvSpPr>
+          <p:nvPr>
+            <p:ph type="sldNum" sz="quarter" idx="11"/>
+          </p:nvPr>
+        </p:nvSpPr>
+        <p:spPr/>
+        <p:txBody>
+          <a:bodyPr/>
+          <a:lstStyle/>
+          <a:p>
+            <a:pPr>
+              <a:defRPr/>
+            </a:pPr>
+            <a:endParaRPr lang="en-US"/>
+          </a:p>
+          <a:p>
+            <a:pPr>
+              <a:defRPr/>
+            </a:pPr>
+            <a:fld id="{E9A8CBA3-AA2B-46A6-BFA3-DCEBEAAB3F0A}" type="slidenum">
+              <a:rPr lang="en-US" smtClean="0"/>
+              <a:pPr>
+                <a:defRPr/>
+              </a:pPr>
+              <a:t>13</a:t>
+            </a:fld>
+            <a:endParaRPr lang="en-US"/>
+          </a:p>
+        </p:txBody>
+      </p:sp>
+      <p:sp>
+        <p:nvSpPr>
+          <p:cNvPr id="6" name="Text Placeholder 5"/>
+          <p:cNvSpPr>
+            <a:spLocks noGrp="1"/>
+          </p:cNvSpPr>
+          <p:nvPr>
+            <p:ph type="body" sz="quarter" idx="12"/>
+          </p:nvPr>
+        </p:nvSpPr>
+        <p:spPr/>
+        <p:txBody>
+          <a:bodyPr/>
+          <a:lstStyle/>
+          <a:p>
+            <a:r>
+              <a:rPr lang="en-US" dirty="0"/>
+              <a:t>Fruit fly data (round 3)</a:t>
+            </a:r>
+          </a:p>
+        </p:txBody>
+      </p:sp>
+    </p:spTree>
+    <p:extLst>
+      <p:ext uri="{BB962C8B-B14F-4D97-AF65-F5344CB8AC3E}">
+        <p14:creationId xmlns:p14="http://schemas.microsoft.com/office/powerpoint/2010/main" val="4007805503"/>
+      </p:ext>
+    </p:extLst>
+  </p:cSld>
+  <p:clrMapOvr>
+    <a:masterClrMapping/>
+  </p:clrMapOvr>
+  <p:timing>
+    <p:tnLst>
+      <p:par>
+        <p:cTn id="1" dur="indefinite" restart="never" nodeType="tmRoot"/>
+      </p:par>
+    </p:tnLst>
+  </p:timing>
+</p:sld>
+</file>
+
+<file path=ppt/slides/slide14.xml><?xml version="1.0" encoding="utf-8"?>
+<p:sld xmlns:a="http://schemas.openxmlformats.org/drawingml/2006/main" xmlns:r="http://schemas.openxmlformats.org/officeDocument/2006/relationships" xmlns:p="http://schemas.openxmlformats.org/presentationml/2006/main">
+  <p:cSld>
+    <p:spTree>
+      <p:nvGrpSpPr>
+        <p:cNvPr id="1" name=""/>
+        <p:cNvGrpSpPr/>
+        <p:nvPr/>
+      </p:nvGrpSpPr>
+      <p:grpSpPr>
+        <a:xfrm>
+          <a:off x="0" y="0"/>
+          <a:ext cx="0" cy="0"/>
+          <a:chOff x="0" y="0"/>
+          <a:chExt cx="0" cy="0"/>
+        </a:xfrm>
+      </p:grpSpPr>
+      <p:sp>
+        <p:nvSpPr>
+          <p:cNvPr id="2" name="Title 1"/>
+          <p:cNvSpPr>
+            <a:spLocks noGrp="1"/>
+          </p:cNvSpPr>
+          <p:nvPr>
+            <p:ph type="title"/>
+          </p:nvPr>
+        </p:nvSpPr>
+        <p:spPr/>
+        <p:txBody>
+          <a:bodyPr/>
+          <a:lstStyle/>
+          <a:p>
+            <a:r>
+              <a:rPr lang="en-US" dirty="0"/>
+              <a:t>Fruit fly data (round 3)</a:t>
+            </a:r>
+          </a:p>
+        </p:txBody>
+      </p:sp>
+      <p:sp>
+        <p:nvSpPr>
+          <p:cNvPr id="3" name="Text Placeholder 2"/>
+          <p:cNvSpPr>
+            <a:spLocks noGrp="1"/>
+          </p:cNvSpPr>
+          <p:nvPr>
+            <p:ph type="body" idx="1"/>
+          </p:nvPr>
+        </p:nvSpPr>
+        <p:spPr/>
+        <p:txBody>
+          <a:bodyPr numCol="1"/>
+          <a:lstStyle/>
+          <a:p>
+            <a:r>
+              <a:rPr lang="en-US" dirty="0"/>
+              <a:t>If the censoring mechanism were somehow related to survival prognosis, then you would have the possibility of serious bias in your estimates. Suppose for example, that only the toughest of flies (those with the most days left in their short lives) would have been able to escape. The flies destined to kick the bucket on days 70, 71, 72, and 73, were already on their deathbeds and unable to fly at all, much less make a difficult escape. Then these censored values would not be randomly interspersed among the remaining survival times, but would constitute some of the larger values. But since these larger values would remain unobserved, you would underestimate survival probabilities beyond the 70th day.</a:t>
+            </a:r>
+          </a:p>
+        </p:txBody>
+      </p:sp>
+      <p:sp>
+        <p:nvSpPr>
+          <p:cNvPr id="4" name="Footer Placeholder 3"/>
+          <p:cNvSpPr>
+            <a:spLocks noGrp="1"/>
+          </p:cNvSpPr>
+          <p:nvPr>
+            <p:ph type="ftr" sz="quarter" idx="10"/>
+          </p:nvPr>
+        </p:nvSpPr>
+        <p:spPr/>
+        <p:txBody>
+          <a:bodyPr/>
+          <a:lstStyle/>
+          <a:p>
+            <a:pPr>
+              <a:defRPr/>
+            </a:pPr>
+            <a:r>
+              <a:rPr lang="en-US" altLang="en-US" dirty="0"/>
+              <a:t>http://TheAnalysisFactor.com</a:t>
+            </a:r>
+          </a:p>
+        </p:txBody>
+      </p:sp>
+      <p:sp>
+        <p:nvSpPr>
+          <p:cNvPr id="5" name="Slide Number Placeholder 4"/>
+          <p:cNvSpPr>
+            <a:spLocks noGrp="1"/>
+          </p:cNvSpPr>
+          <p:nvPr>
+            <p:ph type="sldNum" sz="quarter" idx="11"/>
+          </p:nvPr>
+        </p:nvSpPr>
+        <p:spPr/>
+        <p:txBody>
+          <a:bodyPr/>
+          <a:lstStyle/>
+          <a:p>
+            <a:pPr>
+              <a:defRPr/>
+            </a:pPr>
+            <a:endParaRPr lang="en-US"/>
+          </a:p>
+          <a:p>
+            <a:pPr>
+              <a:defRPr/>
+            </a:pPr>
+            <a:fld id="{E9A8CBA3-AA2B-46A6-BFA3-DCEBEAAB3F0A}" type="slidenum">
+              <a:rPr lang="en-US" smtClean="0"/>
+              <a:pPr>
+                <a:defRPr/>
+              </a:pPr>
+              <a:t>14</a:t>
+            </a:fld>
+            <a:endParaRPr lang="en-US"/>
+          </a:p>
+        </p:txBody>
+      </p:sp>
+      <p:sp>
+        <p:nvSpPr>
+          <p:cNvPr id="6" name="Text Placeholder 5"/>
+          <p:cNvSpPr>
+            <a:spLocks noGrp="1"/>
+          </p:cNvSpPr>
+          <p:nvPr>
+            <p:ph type="body" sz="quarter" idx="12"/>
+          </p:nvPr>
+        </p:nvSpPr>
+        <p:spPr/>
+        <p:txBody>
+          <a:bodyPr/>
+          <a:lstStyle/>
+          <a:p>
+            <a:r>
+              <a:rPr lang="en-US" dirty="0"/>
+              <a:t>Informative censoring</a:t>
+            </a:r>
+          </a:p>
+        </p:txBody>
+      </p:sp>
+    </p:spTree>
+    <p:extLst>
+      <p:ext uri="{BB962C8B-B14F-4D97-AF65-F5344CB8AC3E}">
+        <p14:creationId xmlns:p14="http://schemas.microsoft.com/office/powerpoint/2010/main" val="4284020615"/>
+      </p:ext>
+    </p:extLst>
+  </p:cSld>
+  <p:clrMapOvr>
+    <a:masterClrMapping/>
+  </p:clrMapOvr>
+  <p:timing>
+    <p:tnLst>
+      <p:par>
+        <p:cTn id="1" dur="indefinite" restart="never" nodeType="tmRoot"/>
+      </p:par>
+    </p:tnLst>
+  </p:timing>
+</p:sld>
+</file>
+
+<file path=ppt/slides/slide15.xml><?xml version="1.0" encoding="utf-8"?>
+<p:sld xmlns:a="http://schemas.openxmlformats.org/drawingml/2006/main" xmlns:r="http://schemas.openxmlformats.org/officeDocument/2006/relationships" xmlns:p="http://schemas.openxmlformats.org/presentationml/2006/main">
+  <p:cSld>
+    <p:spTree>
+      <p:nvGrpSpPr>
+        <p:cNvPr id="1" name=""/>
+        <p:cNvGrpSpPr/>
+        <p:nvPr/>
+      </p:nvGrpSpPr>
+      <p:grpSpPr>
+        <a:xfrm>
+          <a:off x="0" y="0"/>
+          <a:ext cx="0" cy="0"/>
+          <a:chOff x="0" y="0"/>
+          <a:chExt cx="0" cy="0"/>
+        </a:xfrm>
+      </p:grpSpPr>
+      <p:sp>
+        <p:nvSpPr>
+          <p:cNvPr id="2" name="Title 1"/>
+          <p:cNvSpPr>
+            <a:spLocks noGrp="1"/>
+          </p:cNvSpPr>
+          <p:nvPr>
+            <p:ph type="title"/>
+          </p:nvPr>
+        </p:nvSpPr>
+        <p:spPr/>
+        <p:txBody>
+          <a:bodyPr/>
+          <a:lstStyle/>
+          <a:p>
+            <a:r>
+              <a:rPr lang="en-US" dirty="0"/>
+              <a:t>Fruit fly data (round 3)</a:t>
+            </a:r>
+          </a:p>
+        </p:txBody>
+      </p:sp>
+      <p:sp>
+        <p:nvSpPr>
+          <p:cNvPr id="4" name="Footer Placeholder 3"/>
+          <p:cNvSpPr>
+            <a:spLocks noGrp="1"/>
+          </p:cNvSpPr>
+          <p:nvPr>
+            <p:ph type="ftr" sz="quarter" idx="10"/>
+          </p:nvPr>
+        </p:nvSpPr>
+        <p:spPr/>
+        <p:txBody>
+          <a:bodyPr/>
+          <a:lstStyle/>
+          <a:p>
+            <a:pPr>
+              <a:defRPr/>
+            </a:pPr>
+            <a:r>
+              <a:rPr lang="en-US" altLang="en-US" dirty="0"/>
+              <a:t>http://TheAnalysisFactor.com</a:t>
+            </a:r>
+          </a:p>
+        </p:txBody>
+      </p:sp>
+      <p:sp>
+        <p:nvSpPr>
+          <p:cNvPr id="5" name="Slide Number Placeholder 4"/>
+          <p:cNvSpPr>
+            <a:spLocks noGrp="1"/>
+          </p:cNvSpPr>
+          <p:nvPr>
+            <p:ph type="sldNum" sz="quarter" idx="11"/>
+          </p:nvPr>
+        </p:nvSpPr>
+        <p:spPr/>
+        <p:txBody>
+          <a:bodyPr/>
+          <a:lstStyle/>
+          <a:p>
+            <a:pPr>
+              <a:defRPr/>
+            </a:pPr>
+            <a:endParaRPr lang="en-US"/>
+          </a:p>
+          <a:p>
+            <a:pPr>
+              <a:defRPr/>
+            </a:pPr>
+            <a:fld id="{E9A8CBA3-AA2B-46A6-BFA3-DCEBEAAB3F0A}" type="slidenum">
+              <a:rPr lang="en-US" smtClean="0"/>
+              <a:pPr>
+                <a:defRPr/>
+              </a:pPr>
+              <a:t>15</a:t>
+            </a:fld>
+            <a:endParaRPr lang="en-US"/>
+          </a:p>
+        </p:txBody>
+      </p:sp>
+      <p:sp>
+        <p:nvSpPr>
+          <p:cNvPr id="6" name="Text Placeholder 5"/>
+          <p:cNvSpPr>
+            <a:spLocks noGrp="1"/>
+          </p:cNvSpPr>
+          <p:nvPr>
+            <p:ph type="body" sz="quarter" idx="12"/>
+          </p:nvPr>
+        </p:nvSpPr>
+        <p:spPr/>
+        <p:txBody>
+          <a:bodyPr/>
+          <a:lstStyle/>
+          <a:p>
+            <a:r>
+              <a:rPr lang="en-US" dirty="0"/>
+              <a:t>Interpretation: 50th percentile = 61</a:t>
+            </a:r>
+          </a:p>
+        </p:txBody>
+      </p:sp>
+      <p:pic>
+        <p:nvPicPr>
+          <p:cNvPr id="4098" name="Picture 2" descr="http://www.pmean.com/08/images/Simple4.gif"/>
+          <p:cNvPicPr>
+            <a:picLocks noChangeAspect="1" noChangeArrowheads="1"/>
+          </p:cNvPicPr>
+          <p:nvPr/>
+        </p:nvPicPr>
+        <p:blipFill>
+          <a:blip r:embed="rId2">
+            <a:extLst>
+              <a:ext uri="{28A0092B-C50C-407E-A947-70E740481C1C}">
+                <a14:useLocalDpi xmlns:a14="http://schemas.microsoft.com/office/drawing/2010/main" val="0"/>
+              </a:ext>
+            </a:extLst>
+          </a:blip>
+          <a:srcRect/>
+          <a:stretch>
+            <a:fillRect/>
+          </a:stretch>
+        </p:blipFill>
+        <p:spPr bwMode="auto">
+          <a:xfrm>
+            <a:off x="1714500" y="2342569"/>
+            <a:ext cx="5181600" cy="3693686"/>
+          </a:xfrm>
+          <a:prstGeom prst="rect">
+            <a:avLst/>
+          </a:prstGeom>
+          <a:noFill/>
+          <a:extLst>
+            <a:ext uri="{909E8E84-426E-40DD-AFC4-6F175D3DCCD1}">
+              <a14:hiddenFill xmlns:a14="http://schemas.microsoft.com/office/drawing/2010/main">
+                <a:solidFill>
+                  <a:srgbClr val="FFFFFF"/>
+                </a:solidFill>
+              </a14:hiddenFill>
+            </a:ext>
+          </a:extLst>
+        </p:spPr>
+      </p:pic>
+    </p:spTree>
+    <p:extLst>
+      <p:ext uri="{BB962C8B-B14F-4D97-AF65-F5344CB8AC3E}">
+        <p14:creationId xmlns:p14="http://schemas.microsoft.com/office/powerpoint/2010/main" val="1294869222"/>
+      </p:ext>
+    </p:extLst>
+  </p:cSld>
+  <p:clrMapOvr>
+    <a:masterClrMapping/>
+  </p:clrMapOvr>
+  <p:timing>
+    <p:tnLst>
+      <p:par>
+        <p:cTn id="1" dur="indefinite" restart="never" nodeType="tmRoot"/>
+      </p:par>
+    </p:tnLst>
+  </p:timing>
+</p:sld>
+</file>
+
+<file path=ppt/slides/slide16.xml><?xml version="1.0" encoding="utf-8"?>
+<p:sld xmlns:a="http://schemas.openxmlformats.org/drawingml/2006/main" xmlns:r="http://schemas.openxmlformats.org/officeDocument/2006/relationships" xmlns:p="http://schemas.openxmlformats.org/presentationml/2006/main">
+  <p:cSld>
+    <p:spTree>
+      <p:nvGrpSpPr>
+        <p:cNvPr id="1" name=""/>
+        <p:cNvGrpSpPr/>
+        <p:nvPr/>
+      </p:nvGrpSpPr>
+      <p:grpSpPr>
+        <a:xfrm>
+          <a:off x="0" y="0"/>
+          <a:ext cx="0" cy="0"/>
+          <a:chOff x="0" y="0"/>
+          <a:chExt cx="0" cy="0"/>
+        </a:xfrm>
+      </p:grpSpPr>
+      <p:sp>
+        <p:nvSpPr>
+          <p:cNvPr id="2" name="Title 1"/>
+          <p:cNvSpPr>
+            <a:spLocks noGrp="1"/>
+          </p:cNvSpPr>
+          <p:nvPr>
+            <p:ph type="title"/>
+          </p:nvPr>
+        </p:nvSpPr>
+        <p:spPr/>
+        <p:txBody>
+          <a:bodyPr/>
+          <a:lstStyle/>
+          <a:p>
+            <a:r>
+              <a:rPr lang="en-US" dirty="0"/>
+              <a:t>Fruit fly data (round 3)</a:t>
+            </a:r>
+          </a:p>
+        </p:txBody>
+      </p:sp>
+      <p:sp>
+        <p:nvSpPr>
+          <p:cNvPr id="4" name="Footer Placeholder 3"/>
+          <p:cNvSpPr>
+            <a:spLocks noGrp="1"/>
+          </p:cNvSpPr>
+          <p:nvPr>
+            <p:ph type="ftr" sz="quarter" idx="10"/>
+          </p:nvPr>
+        </p:nvSpPr>
+        <p:spPr/>
+        <p:txBody>
+          <a:bodyPr/>
+          <a:lstStyle/>
+          <a:p>
+            <a:pPr>
+              <a:defRPr/>
+            </a:pPr>
+            <a:r>
+              <a:rPr lang="en-US" altLang="en-US" dirty="0"/>
+              <a:t>http://TheAnalysisFactor.com</a:t>
+            </a:r>
+          </a:p>
+        </p:txBody>
+      </p:sp>
+      <p:sp>
+        <p:nvSpPr>
+          <p:cNvPr id="5" name="Slide Number Placeholder 4"/>
+          <p:cNvSpPr>
+            <a:spLocks noGrp="1"/>
+          </p:cNvSpPr>
+          <p:nvPr>
+            <p:ph type="sldNum" sz="quarter" idx="11"/>
+          </p:nvPr>
+        </p:nvSpPr>
+        <p:spPr/>
+        <p:txBody>
+          <a:bodyPr/>
+          <a:lstStyle/>
+          <a:p>
+            <a:pPr>
+              <a:defRPr/>
+            </a:pPr>
+            <a:endParaRPr lang="en-US"/>
+          </a:p>
+          <a:p>
+            <a:pPr>
+              <a:defRPr/>
+            </a:pPr>
+            <a:fld id="{E9A8CBA3-AA2B-46A6-BFA3-DCEBEAAB3F0A}" type="slidenum">
+              <a:rPr lang="en-US" smtClean="0"/>
+              <a:pPr>
+                <a:defRPr/>
+              </a:pPr>
+              <a:t>16</a:t>
+            </a:fld>
+            <a:endParaRPr lang="en-US"/>
+          </a:p>
+        </p:txBody>
+      </p:sp>
+      <p:sp>
+        <p:nvSpPr>
+          <p:cNvPr id="6" name="Text Placeholder 5"/>
+          <p:cNvSpPr>
+            <a:spLocks noGrp="1"/>
+          </p:cNvSpPr>
+          <p:nvPr>
+            <p:ph type="body" sz="quarter" idx="12"/>
+          </p:nvPr>
+        </p:nvSpPr>
+        <p:spPr/>
+        <p:txBody>
+          <a:bodyPr/>
+          <a:lstStyle/>
+          <a:p>
+            <a:r>
+              <a:rPr lang="en-US" dirty="0"/>
+              <a:t>Interpretation: 80 week survival probability = 20%</a:t>
+            </a:r>
+          </a:p>
+        </p:txBody>
+      </p:sp>
+      <p:pic>
+        <p:nvPicPr>
+          <p:cNvPr id="5122" name="Picture 2" descr="http://www.pmean.com/08/images/Simple5.gif"/>
+          <p:cNvPicPr>
+            <a:picLocks noChangeAspect="1" noChangeArrowheads="1"/>
+          </p:cNvPicPr>
+          <p:nvPr/>
+        </p:nvPicPr>
+        <p:blipFill>
+          <a:blip r:embed="rId2">
+            <a:extLst>
+              <a:ext uri="{28A0092B-C50C-407E-A947-70E740481C1C}">
+                <a14:useLocalDpi xmlns:a14="http://schemas.microsoft.com/office/drawing/2010/main" val="0"/>
+              </a:ext>
+            </a:extLst>
+          </a:blip>
+          <a:srcRect/>
+          <a:stretch>
+            <a:fillRect/>
+          </a:stretch>
+        </p:blipFill>
+        <p:spPr bwMode="auto">
+          <a:xfrm>
+            <a:off x="1714500" y="2339941"/>
+            <a:ext cx="5181600" cy="3693686"/>
+          </a:xfrm>
+          <a:prstGeom prst="rect">
+            <a:avLst/>
+          </a:prstGeom>
+          <a:noFill/>
+          <a:extLst>
+            <a:ext uri="{909E8E84-426E-40DD-AFC4-6F175D3DCCD1}">
+              <a14:hiddenFill xmlns:a14="http://schemas.microsoft.com/office/drawing/2010/main">
+                <a:solidFill>
+                  <a:srgbClr val="FFFFFF"/>
+                </a:solidFill>
+              </a14:hiddenFill>
+            </a:ext>
+          </a:extLst>
+        </p:spPr>
+      </p:pic>
+    </p:spTree>
+    <p:extLst>
+      <p:ext uri="{BB962C8B-B14F-4D97-AF65-F5344CB8AC3E}">
+        <p14:creationId xmlns:p14="http://schemas.microsoft.com/office/powerpoint/2010/main" val="1992667240"/>
+      </p:ext>
+    </p:extLst>
+  </p:cSld>
+  <p:clrMapOvr>
+    <a:masterClrMapping/>
+  </p:clrMapOvr>
+  <p:timing>
+    <p:tnLst>
+      <p:par>
+        <p:cTn id="1" dur="indefinite" restart="never" nodeType="tmRoot"/>
+      </p:par>
+    </p:tnLst>
+  </p:timing>
+</p:sld>
+</file>
+
+<file path=ppt/slides/slide17.xml><?xml version="1.0" encoding="utf-8"?>
+<p:sld xmlns:a="http://schemas.openxmlformats.org/drawingml/2006/main" xmlns:r="http://schemas.openxmlformats.org/officeDocument/2006/relationships" xmlns:p="http://schemas.openxmlformats.org/presentationml/2006/main">
+  <p:cSld>
+    <p:spTree>
+      <p:nvGrpSpPr>
+        <p:cNvPr id="1" name=""/>
+        <p:cNvGrpSpPr/>
+        <p:nvPr/>
+      </p:nvGrpSpPr>
+      <p:grpSpPr>
+        <a:xfrm>
+          <a:off x="0" y="0"/>
+          <a:ext cx="0" cy="0"/>
+          <a:chOff x="0" y="0"/>
+          <a:chExt cx="0" cy="0"/>
+        </a:xfrm>
+      </p:grpSpPr>
+      <p:sp>
+        <p:nvSpPr>
+          <p:cNvPr id="5" name="Slide Number Placeholder 4"/>
+          <p:cNvSpPr>
+            <a:spLocks noGrp="1"/>
+          </p:cNvSpPr>
+          <p:nvPr>
+            <p:ph type="sldNum" sz="quarter" idx="11"/>
+          </p:nvPr>
+        </p:nvSpPr>
+        <p:spPr/>
+        <p:txBody>
+          <a:bodyPr/>
+          <a:lstStyle/>
+          <a:p>
+            <a:pPr>
+              <a:defRPr/>
+            </a:pPr>
+            <a:endParaRPr lang="en-US" smtClean="0"/>
+          </a:p>
+          <a:p>
+            <a:pPr>
+              <a:defRPr/>
+            </a:pPr>
+            <a:fld id="{E9A8CBA3-AA2B-46A6-BFA3-DCEBEAAB3F0A}" type="slidenum">
+              <a:rPr lang="en-US" smtClean="0"/>
+              <a:pPr>
+                <a:defRPr/>
+              </a:pPr>
+              <a:t>17</a:t>
+            </a:fld>
+            <a:endParaRPr lang="en-US"/>
+          </a:p>
+        </p:txBody>
+      </p:sp>
+      <p:pic>
+        <p:nvPicPr>
+          <p:cNvPr id="9" name="Picture 8"/>
+          <p:cNvPicPr>
+            <a:picLocks noChangeAspect="1"/>
+          </p:cNvPicPr>
+          <p:nvPr/>
+        </p:nvPicPr>
+        <p:blipFill>
+          <a:blip r:embed="rId2"/>
+          <a:stretch>
+            <a:fillRect/>
+          </a:stretch>
+        </p:blipFill>
+        <p:spPr>
+          <a:xfrm>
+            <a:off x="1543428" y="424238"/>
+            <a:ext cx="6057143" cy="6009524"/>
+          </a:xfrm>
+          <a:prstGeom prst="rect">
+            <a:avLst/>
+          </a:prstGeom>
+        </p:spPr>
+      </p:pic>
+    </p:spTree>
+    <p:extLst>
+      <p:ext uri="{BB962C8B-B14F-4D97-AF65-F5344CB8AC3E}">
+        <p14:creationId xmlns:p14="http://schemas.microsoft.com/office/powerpoint/2010/main" val="3792777369"/>
+      </p:ext>
+    </p:extLst>
+  </p:cSld>
+  <p:clrMapOvr>
+    <a:masterClrMapping/>
+  </p:clrMapOvr>
+  <p:timing>
+    <p:tnLst>
+      <p:par>
+        <p:cTn id="1" dur="indefinite" restart="never" nodeType="tmRoot"/>
+      </p:par>
+    </p:tnLst>
+  </p:timing>
+</p:sld>
+</file>
+
+<file path=ppt/slides/slide18.xml><?xml version="1.0" encoding="utf-8"?>
+<p:sld xmlns:a="http://schemas.openxmlformats.org/drawingml/2006/main" xmlns:r="http://schemas.openxmlformats.org/officeDocument/2006/relationships" xmlns:p="http://schemas.openxmlformats.org/presentationml/2006/main">
+  <p:cSld>
+    <p:spTree>
+      <p:nvGrpSpPr>
+        <p:cNvPr id="1" name=""/>
+        <p:cNvGrpSpPr/>
+        <p:nvPr/>
+      </p:nvGrpSpPr>
+      <p:grpSpPr>
+        <a:xfrm>
+          <a:off x="0" y="0"/>
+          <a:ext cx="0" cy="0"/>
+          <a:chOff x="0" y="0"/>
+          <a:chExt cx="0" cy="0"/>
+        </a:xfrm>
+      </p:grpSpPr>
+      <p:sp>
+        <p:nvSpPr>
+          <p:cNvPr id="5" name="Slide Number Placeholder 4"/>
+          <p:cNvSpPr>
+            <a:spLocks noGrp="1"/>
+          </p:cNvSpPr>
+          <p:nvPr>
+            <p:ph type="sldNum" sz="quarter" idx="11"/>
+          </p:nvPr>
+        </p:nvSpPr>
+        <p:spPr/>
+        <p:txBody>
+          <a:bodyPr/>
+          <a:lstStyle/>
+          <a:p>
+            <a:pPr>
+              <a:defRPr/>
+            </a:pPr>
+            <a:endParaRPr lang="en-US" smtClean="0"/>
+          </a:p>
+          <a:p>
+            <a:pPr>
+              <a:defRPr/>
+            </a:pPr>
+            <a:fld id="{E9A8CBA3-AA2B-46A6-BFA3-DCEBEAAB3F0A}" type="slidenum">
+              <a:rPr lang="en-US" smtClean="0"/>
+              <a:pPr>
+                <a:defRPr/>
+              </a:pPr>
+              <a:t>18</a:t>
+            </a:fld>
+            <a:endParaRPr lang="en-US"/>
+          </a:p>
+        </p:txBody>
+      </p:sp>
+      <p:pic>
+        <p:nvPicPr>
+          <p:cNvPr id="2" name="Picture 1"/>
+          <p:cNvPicPr>
+            <a:picLocks noChangeAspect="1"/>
+          </p:cNvPicPr>
+          <p:nvPr/>
+        </p:nvPicPr>
+        <p:blipFill>
+          <a:blip r:embed="rId2"/>
+          <a:stretch>
+            <a:fillRect/>
+          </a:stretch>
+        </p:blipFill>
+        <p:spPr>
+          <a:xfrm>
+            <a:off x="1867238" y="714714"/>
+            <a:ext cx="5409524" cy="5428571"/>
+          </a:xfrm>
+          <a:prstGeom prst="rect">
+            <a:avLst/>
+          </a:prstGeom>
+        </p:spPr>
+      </p:pic>
+    </p:spTree>
+    <p:extLst>
+      <p:ext uri="{BB962C8B-B14F-4D97-AF65-F5344CB8AC3E}">
+        <p14:creationId xmlns:p14="http://schemas.microsoft.com/office/powerpoint/2010/main" val="3496040819"/>
+      </p:ext>
+    </p:extLst>
+  </p:cSld>
+  <p:clrMapOvr>
+    <a:masterClrMapping/>
+  </p:clrMapOvr>
+  <p:timing>
+    <p:tnLst>
+      <p:par>
+        <p:cTn id="1" dur="indefinite" restart="never" nodeType="tmRoot"/>
+      </p:par>
+    </p:tnLst>
+  </p:timing>
+</p:sld>
+</file>
+
+<file path=ppt/slides/slide19.xml><?xml version="1.0" encoding="utf-8"?>
+<p:sld xmlns:a="http://schemas.openxmlformats.org/drawingml/2006/main" xmlns:r="http://schemas.openxmlformats.org/officeDocument/2006/relationships" xmlns:p="http://schemas.openxmlformats.org/presentationml/2006/main">
+  <p:cSld>
+    <p:spTree>
+      <p:nvGrpSpPr>
+        <p:cNvPr id="1" name=""/>
+        <p:cNvGrpSpPr/>
+        <p:nvPr/>
+      </p:nvGrpSpPr>
+      <p:grpSpPr>
+        <a:xfrm>
+          <a:off x="0" y="0"/>
+          <a:ext cx="0" cy="0"/>
+          <a:chOff x="0" y="0"/>
+          <a:chExt cx="0" cy="0"/>
+        </a:xfrm>
+      </p:grpSpPr>
+      <p:sp>
+        <p:nvSpPr>
+          <p:cNvPr id="5" name="Slide Number Placeholder 4"/>
+          <p:cNvSpPr>
+            <a:spLocks noGrp="1"/>
+          </p:cNvSpPr>
+          <p:nvPr>
+            <p:ph type="sldNum" sz="quarter" idx="11"/>
+          </p:nvPr>
+        </p:nvSpPr>
+        <p:spPr/>
+        <p:txBody>
+          <a:bodyPr/>
+          <a:lstStyle/>
+          <a:p>
+            <a:pPr>
+              <a:defRPr/>
+            </a:pPr>
+            <a:endParaRPr lang="en-US" smtClean="0"/>
+          </a:p>
+          <a:p>
+            <a:pPr>
+              <a:defRPr/>
+            </a:pPr>
+            <a:fld id="{E9A8CBA3-AA2B-46A6-BFA3-DCEBEAAB3F0A}" type="slidenum">
+              <a:rPr lang="en-US" smtClean="0"/>
+              <a:pPr>
+                <a:defRPr/>
+              </a:pPr>
+              <a:t>19</a:t>
+            </a:fld>
+            <a:endParaRPr lang="en-US"/>
+          </a:p>
+        </p:txBody>
+      </p:sp>
+      <p:pic>
+        <p:nvPicPr>
+          <p:cNvPr id="3" name="Picture 2"/>
+          <p:cNvPicPr>
+            <a:picLocks noChangeAspect="1"/>
+          </p:cNvPicPr>
+          <p:nvPr/>
+        </p:nvPicPr>
+        <p:blipFill>
+          <a:blip r:embed="rId2"/>
+          <a:stretch>
+            <a:fillRect/>
+          </a:stretch>
+        </p:blipFill>
+        <p:spPr>
+          <a:xfrm>
+            <a:off x="1248190" y="462333"/>
+            <a:ext cx="6647619" cy="5933333"/>
+          </a:xfrm>
+          <a:prstGeom prst="rect">
+            <a:avLst/>
+          </a:prstGeom>
+        </p:spPr>
+      </p:pic>
+    </p:spTree>
+    <p:extLst>
+      <p:ext uri="{BB962C8B-B14F-4D97-AF65-F5344CB8AC3E}">
+        <p14:creationId xmlns:p14="http://schemas.microsoft.com/office/powerpoint/2010/main" val="2588947854"/>
+      </p:ext>
+    </p:extLst>
+  </p:cSld>
+  <p:clrMapOvr>
+    <a:masterClrMapping/>
+  </p:clrMapOvr>
+  <p:timing>
+    <p:tnLst>
+      <p:par>
+        <p:cTn id="1" dur="indefinite" restart="never" nodeType="tmRoot"/>
+      </p:par>
+    </p:tnLst>
+  </p:timing>
+</p:sld>
+</file>
+
+<file path=ppt/slides/slide2.xml><?xml version="1.0" encoding="utf-8"?>
+<p:sld xmlns:a="http://schemas.openxmlformats.org/drawingml/2006/main" xmlns:r="http://schemas.openxmlformats.org/officeDocument/2006/relationships" xmlns:p="http://schemas.openxmlformats.org/presentationml/2006/main">
+  <p:cSld>
+    <p:spTree>
+      <p:nvGrpSpPr>
+        <p:cNvPr id="1" name=""/>
+        <p:cNvGrpSpPr/>
+        <p:nvPr/>
+      </p:nvGrpSpPr>
+      <p:grpSpPr>
+        <a:xfrm>
+          <a:off x="0" y="0"/>
+          <a:ext cx="0" cy="0"/>
+          <a:chOff x="0" y="0"/>
+          <a:chExt cx="0" cy="0"/>
+        </a:xfrm>
+      </p:grpSpPr>
+      <p:sp>
+        <p:nvSpPr>
+          <p:cNvPr id="2" name="Title 1"/>
+          <p:cNvSpPr>
+            <a:spLocks noGrp="1"/>
+          </p:cNvSpPr>
+          <p:nvPr>
+            <p:ph type="title"/>
+          </p:nvPr>
+        </p:nvSpPr>
+        <p:spPr/>
+        <p:txBody>
+          <a:bodyPr/>
+          <a:lstStyle/>
+          <a:p>
+            <a:r>
+              <a:rPr lang="en-US" dirty="0"/>
+              <a:t>Abstract</a:t>
+            </a:r>
+          </a:p>
+        </p:txBody>
+      </p:sp>
+      <p:sp>
+        <p:nvSpPr>
+          <p:cNvPr id="3" name="Text Placeholder 2"/>
+          <p:cNvSpPr>
+            <a:spLocks noGrp="1"/>
+          </p:cNvSpPr>
+          <p:nvPr>
+            <p:ph type="body" idx="1"/>
+          </p:nvPr>
+        </p:nvSpPr>
+        <p:spPr/>
+        <p:txBody>
+          <a:bodyPr/>
+          <a:lstStyle/>
+          <a:p>
+            <a:r>
+              <a:rPr lang="en-US" sz="1400" dirty="0"/>
+              <a:t>Survival analysis is a collection of statistical tools that were developed to assist with mortality studies. A common feature of these survival analysis tools is the ability to include censored data, data from people who drop out during the study. These tools allow you to use the information from these censored observations to help estimate survival probabilities up to and including the day that they dropped out. Although survival models were originally developed for mortality events, you can adapt them to many other outcomes, such as customer churn, restaurant closings, defoliation of plants, and metal fatigue. The outcomes do not necessarily have to be “bad” events. Survival analysis is also useful for successful completion of training for guide dogs and time to pregnancy in couples with fertility problems</a:t>
+            </a:r>
+            <a:r>
+              <a:rPr lang="en-US" sz="1400" dirty="0" smtClean="0"/>
+              <a:t>.</a:t>
+            </a:r>
+          </a:p>
+          <a:p>
+            <a:endParaRPr lang="en-US" sz="1400" dirty="0"/>
+          </a:p>
+          <a:p>
+            <a:r>
+              <a:rPr lang="en-US" sz="1400" dirty="0"/>
+              <a:t>In this talk you will see a variety of Kaplan-Meier curves, the fundamental graphical display for survival data and learn how to interpret these curves. You’ll also see the underlying calculations of a Kaplan-Meier curve and an advanced application of competing risks analysis using a Political Science example of duration of leadership in the world’s countries</a:t>
+            </a:r>
+            <a:r>
+              <a:rPr lang="en-US" sz="1400" dirty="0" smtClean="0"/>
+              <a:t>.</a:t>
+            </a:r>
+            <a:endParaRPr lang="en-US" sz="1400" dirty="0"/>
+          </a:p>
+        </p:txBody>
+      </p:sp>
+      <p:sp>
+        <p:nvSpPr>
+          <p:cNvPr id="4" name="Footer Placeholder 3"/>
+          <p:cNvSpPr>
+            <a:spLocks noGrp="1"/>
+          </p:cNvSpPr>
+          <p:nvPr>
+            <p:ph type="ftr" sz="quarter" idx="10"/>
+          </p:nvPr>
+        </p:nvSpPr>
+        <p:spPr/>
+        <p:txBody>
+          <a:bodyPr/>
+          <a:lstStyle/>
+          <a:p>
+            <a:pPr>
+              <a:defRPr/>
+            </a:pPr>
+            <a:r>
+              <a:rPr lang="en-US" altLang="en-US" dirty="0"/>
+              <a:t>©2018 Steve Simon    http://TheAnalysisFactor.com</a:t>
+            </a:r>
+          </a:p>
+        </p:txBody>
+      </p:sp>
+      <p:sp>
+        <p:nvSpPr>
+          <p:cNvPr id="5" name="Slide Number Placeholder 4"/>
+          <p:cNvSpPr>
+            <a:spLocks noGrp="1"/>
+          </p:cNvSpPr>
+          <p:nvPr>
+            <p:ph type="sldNum" sz="quarter" idx="11"/>
+          </p:nvPr>
+        </p:nvSpPr>
+        <p:spPr/>
+        <p:txBody>
+          <a:bodyPr/>
+          <a:lstStyle/>
+          <a:p>
+            <a:pPr>
+              <a:defRPr/>
+            </a:pPr>
+            <a:endParaRPr lang="en-US"/>
+          </a:p>
+          <a:p>
+            <a:pPr>
+              <a:defRPr/>
+            </a:pPr>
+            <a:fld id="{E9A8CBA3-AA2B-46A6-BFA3-DCEBEAAB3F0A}" type="slidenum">
+              <a:rPr lang="en-US" smtClean="0"/>
+              <a:pPr>
+                <a:defRPr/>
+              </a:pPr>
+              <a:t>2</a:t>
+            </a:fld>
+            <a:endParaRPr lang="en-US"/>
+          </a:p>
+        </p:txBody>
+      </p:sp>
+      <p:sp>
+        <p:nvSpPr>
+          <p:cNvPr id="6" name="Text Placeholder 5"/>
+          <p:cNvSpPr>
+            <a:spLocks noGrp="1"/>
+          </p:cNvSpPr>
+          <p:nvPr>
+            <p:ph type="body" sz="quarter" idx="12"/>
+          </p:nvPr>
+        </p:nvSpPr>
+        <p:spPr/>
+        <p:txBody>
+          <a:bodyPr/>
+          <a:lstStyle/>
+          <a:p>
+            <a:r>
+              <a:rPr lang="en-US" dirty="0" smtClean="0"/>
+              <a:t>Craft of Statistical Analysis</a:t>
+            </a:r>
+            <a:endParaRPr lang="en-US" dirty="0"/>
+          </a:p>
+        </p:txBody>
+      </p:sp>
+    </p:spTree>
+    <p:extLst>
+      <p:ext uri="{BB962C8B-B14F-4D97-AF65-F5344CB8AC3E}">
+        <p14:creationId xmlns:p14="http://schemas.microsoft.com/office/powerpoint/2010/main" val="3091858404"/>
+      </p:ext>
+    </p:extLst>
+  </p:cSld>
+  <p:clrMapOvr>
+    <a:masterClrMapping/>
+  </p:clrMapOvr>
+  <p:timing>
+    <p:tnLst>
+      <p:par>
+        <p:cTn id="1" dur="indefinite" restart="never" nodeType="tmRoot"/>
+      </p:par>
+    </p:tnLst>
+  </p:timing>
+</p:sld>
+</file>
+
+<file path=ppt/slides/slide20.xml><?xml version="1.0" encoding="utf-8"?>
+<p:sld xmlns:a="http://schemas.openxmlformats.org/drawingml/2006/main" xmlns:r="http://schemas.openxmlformats.org/officeDocument/2006/relationships" xmlns:p="http://schemas.openxmlformats.org/presentationml/2006/main">
+  <p:cSld>
+    <p:spTree>
+      <p:nvGrpSpPr>
+        <p:cNvPr id="1" name=""/>
+        <p:cNvGrpSpPr/>
+        <p:nvPr/>
+      </p:nvGrpSpPr>
+      <p:grpSpPr>
+        <a:xfrm>
+          <a:off x="0" y="0"/>
+          <a:ext cx="0" cy="0"/>
+          <a:chOff x="0" y="0"/>
+          <a:chExt cx="0" cy="0"/>
+        </a:xfrm>
+      </p:grpSpPr>
+      <p:sp>
+        <p:nvSpPr>
+          <p:cNvPr id="5" name="Slide Number Placeholder 4"/>
+          <p:cNvSpPr>
+            <a:spLocks noGrp="1"/>
+          </p:cNvSpPr>
+          <p:nvPr>
+            <p:ph type="sldNum" sz="quarter" idx="11"/>
+          </p:nvPr>
+        </p:nvSpPr>
+        <p:spPr/>
+        <p:txBody>
+          <a:bodyPr/>
+          <a:lstStyle/>
+          <a:p>
+            <a:pPr>
+              <a:defRPr/>
+            </a:pPr>
+            <a:endParaRPr lang="en-US" smtClean="0"/>
+          </a:p>
+          <a:p>
+            <a:pPr>
+              <a:defRPr/>
+            </a:pPr>
+            <a:fld id="{E9A8CBA3-AA2B-46A6-BFA3-DCEBEAAB3F0A}" type="slidenum">
+              <a:rPr lang="en-US" smtClean="0"/>
+              <a:pPr>
+                <a:defRPr/>
+              </a:pPr>
+              <a:t>20</a:t>
+            </a:fld>
+            <a:endParaRPr lang="en-US"/>
+          </a:p>
+        </p:txBody>
+      </p:sp>
+      <p:pic>
+        <p:nvPicPr>
+          <p:cNvPr id="4" name="Picture 3"/>
+          <p:cNvPicPr>
+            <a:picLocks noChangeAspect="1"/>
+          </p:cNvPicPr>
+          <p:nvPr/>
+        </p:nvPicPr>
+        <p:blipFill>
+          <a:blip r:embed="rId2"/>
+          <a:stretch>
+            <a:fillRect/>
+          </a:stretch>
+        </p:blipFill>
+        <p:spPr>
+          <a:xfrm>
+            <a:off x="1743428" y="495666"/>
+            <a:ext cx="5657143" cy="5866667"/>
+          </a:xfrm>
+          <a:prstGeom prst="rect">
+            <a:avLst/>
+          </a:prstGeom>
+        </p:spPr>
+      </p:pic>
+    </p:spTree>
+    <p:extLst>
+      <p:ext uri="{BB962C8B-B14F-4D97-AF65-F5344CB8AC3E}">
+        <p14:creationId xmlns:p14="http://schemas.microsoft.com/office/powerpoint/2010/main" val="4179388408"/>
+      </p:ext>
+    </p:extLst>
+  </p:cSld>
+  <p:clrMapOvr>
+    <a:masterClrMapping/>
+  </p:clrMapOvr>
+  <p:timing>
+    <p:tnLst>
+      <p:par>
+        <p:cTn id="1" dur="indefinite" restart="never" nodeType="tmRoot"/>
+      </p:par>
+    </p:tnLst>
+  </p:timing>
+</p:sld>
+</file>
+
+<file path=ppt/slides/slide21.xml><?xml version="1.0" encoding="utf-8"?>
+<p:sld xmlns:a="http://schemas.openxmlformats.org/drawingml/2006/main" xmlns:r="http://schemas.openxmlformats.org/officeDocument/2006/relationships" xmlns:p="http://schemas.openxmlformats.org/presentationml/2006/main">
+  <p:cSld>
+    <p:spTree>
+      <p:nvGrpSpPr>
+        <p:cNvPr id="1" name=""/>
+        <p:cNvGrpSpPr/>
+        <p:nvPr/>
+      </p:nvGrpSpPr>
+      <p:grpSpPr>
+        <a:xfrm>
+          <a:off x="0" y="0"/>
+          <a:ext cx="0" cy="0"/>
+          <a:chOff x="0" y="0"/>
+          <a:chExt cx="0" cy="0"/>
+        </a:xfrm>
+      </p:grpSpPr>
+      <p:sp>
+        <p:nvSpPr>
+          <p:cNvPr id="5" name="Slide Number Placeholder 4"/>
+          <p:cNvSpPr>
+            <a:spLocks noGrp="1"/>
+          </p:cNvSpPr>
+          <p:nvPr>
+            <p:ph type="sldNum" sz="quarter" idx="11"/>
+          </p:nvPr>
+        </p:nvSpPr>
+        <p:spPr/>
+        <p:txBody>
+          <a:bodyPr/>
+          <a:lstStyle/>
+          <a:p>
+            <a:pPr>
+              <a:defRPr/>
+            </a:pPr>
+            <a:endParaRPr lang="en-US" smtClean="0"/>
+          </a:p>
+          <a:p>
+            <a:pPr>
+              <a:defRPr/>
+            </a:pPr>
+            <a:fld id="{E9A8CBA3-AA2B-46A6-BFA3-DCEBEAAB3F0A}" type="slidenum">
+              <a:rPr lang="en-US" smtClean="0"/>
+              <a:pPr>
+                <a:defRPr/>
+              </a:pPr>
+              <a:t>21</a:t>
+            </a:fld>
+            <a:endParaRPr lang="en-US"/>
+          </a:p>
+        </p:txBody>
+      </p:sp>
+      <p:pic>
+        <p:nvPicPr>
+          <p:cNvPr id="2" name="Picture 1"/>
+          <p:cNvPicPr>
+            <a:picLocks noChangeAspect="1"/>
+          </p:cNvPicPr>
+          <p:nvPr/>
+        </p:nvPicPr>
+        <p:blipFill>
+          <a:blip r:embed="rId2"/>
+          <a:stretch>
+            <a:fillRect/>
+          </a:stretch>
+        </p:blipFill>
+        <p:spPr>
+          <a:xfrm>
+            <a:off x="1052952" y="419476"/>
+            <a:ext cx="7038095" cy="6019048"/>
+          </a:xfrm>
+          <a:prstGeom prst="rect">
+            <a:avLst/>
+          </a:prstGeom>
+        </p:spPr>
+      </p:pic>
+    </p:spTree>
+    <p:extLst>
+      <p:ext uri="{BB962C8B-B14F-4D97-AF65-F5344CB8AC3E}">
+        <p14:creationId xmlns:p14="http://schemas.microsoft.com/office/powerpoint/2010/main" val="2855825931"/>
+      </p:ext>
+    </p:extLst>
+  </p:cSld>
+  <p:clrMapOvr>
+    <a:masterClrMapping/>
+  </p:clrMapOvr>
+  <p:timing>
+    <p:tnLst>
+      <p:par>
+        <p:cTn id="1" dur="indefinite" restart="never" nodeType="tmRoot"/>
+      </p:par>
+    </p:tnLst>
+  </p:timing>
+</p:sld>
+</file>
+
+<file path=ppt/slides/slide22.xml><?xml version="1.0" encoding="utf-8"?>
+<p:sld xmlns:a="http://schemas.openxmlformats.org/drawingml/2006/main" xmlns:r="http://schemas.openxmlformats.org/officeDocument/2006/relationships" xmlns:p="http://schemas.openxmlformats.org/presentationml/2006/main">
+  <p:cSld>
+    <p:spTree>
+      <p:nvGrpSpPr>
+        <p:cNvPr id="1" name=""/>
+        <p:cNvGrpSpPr/>
+        <p:nvPr/>
+      </p:nvGrpSpPr>
+      <p:grpSpPr>
+        <a:xfrm>
+          <a:off x="0" y="0"/>
+          <a:ext cx="0" cy="0"/>
+          <a:chOff x="0" y="0"/>
+          <a:chExt cx="0" cy="0"/>
+        </a:xfrm>
+      </p:grpSpPr>
+      <p:sp>
+        <p:nvSpPr>
+          <p:cNvPr id="5" name="Slide Number Placeholder 4"/>
+          <p:cNvSpPr>
+            <a:spLocks noGrp="1"/>
+          </p:cNvSpPr>
+          <p:nvPr>
+            <p:ph type="sldNum" sz="quarter" idx="11"/>
+          </p:nvPr>
+        </p:nvSpPr>
+        <p:spPr/>
+        <p:txBody>
+          <a:bodyPr/>
+          <a:lstStyle/>
+          <a:p>
+            <a:pPr>
+              <a:defRPr/>
+            </a:pPr>
+            <a:endParaRPr lang="en-US" smtClean="0"/>
+          </a:p>
+          <a:p>
+            <a:pPr>
+              <a:defRPr/>
+            </a:pPr>
+            <a:fld id="{E9A8CBA3-AA2B-46A6-BFA3-DCEBEAAB3F0A}" type="slidenum">
+              <a:rPr lang="en-US" smtClean="0"/>
+              <a:pPr>
+                <a:defRPr/>
+              </a:pPr>
+              <a:t>22</a:t>
+            </a:fld>
+            <a:endParaRPr lang="en-US"/>
+          </a:p>
+        </p:txBody>
+      </p:sp>
+      <p:pic>
+        <p:nvPicPr>
+          <p:cNvPr id="3" name="Picture 2"/>
+          <p:cNvPicPr>
+            <a:picLocks noChangeAspect="1"/>
+          </p:cNvPicPr>
+          <p:nvPr/>
+        </p:nvPicPr>
+        <p:blipFill>
+          <a:blip r:embed="rId2"/>
+          <a:stretch>
+            <a:fillRect/>
+          </a:stretch>
+        </p:blipFill>
+        <p:spPr>
+          <a:xfrm>
+            <a:off x="1462476" y="1952809"/>
+            <a:ext cx="6219048" cy="2952381"/>
+          </a:xfrm>
+          <a:prstGeom prst="rect">
+            <a:avLst/>
+          </a:prstGeom>
+        </p:spPr>
+      </p:pic>
+    </p:spTree>
+    <p:extLst>
+      <p:ext uri="{BB962C8B-B14F-4D97-AF65-F5344CB8AC3E}">
+        <p14:creationId xmlns:p14="http://schemas.microsoft.com/office/powerpoint/2010/main" val="696612803"/>
+      </p:ext>
+    </p:extLst>
+  </p:cSld>
+  <p:clrMapOvr>
+    <a:masterClrMapping/>
+  </p:clrMapOvr>
+  <p:timing>
+    <p:tnLst>
+      <p:par>
+        <p:cTn id="1" dur="indefinite" restart="never" nodeType="tmRoot"/>
+      </p:par>
+    </p:tnLst>
+  </p:timing>
+</p:sld>
+</file>
+
+<file path=ppt/slides/slide23.xml><?xml version="1.0" encoding="utf-8"?>
+<p:sld xmlns:a="http://schemas.openxmlformats.org/drawingml/2006/main" xmlns:r="http://schemas.openxmlformats.org/officeDocument/2006/relationships" xmlns:p="http://schemas.openxmlformats.org/presentationml/2006/main">
+  <p:cSld>
+    <p:spTree>
+      <p:nvGrpSpPr>
+        <p:cNvPr id="1" name=""/>
+        <p:cNvGrpSpPr/>
+        <p:nvPr/>
+      </p:nvGrpSpPr>
+      <p:grpSpPr>
+        <a:xfrm>
+          <a:off x="0" y="0"/>
+          <a:ext cx="0" cy="0"/>
+          <a:chOff x="0" y="0"/>
+          <a:chExt cx="0" cy="0"/>
+        </a:xfrm>
+      </p:grpSpPr>
+      <p:sp>
+        <p:nvSpPr>
+          <p:cNvPr id="5" name="Slide Number Placeholder 4"/>
+          <p:cNvSpPr>
+            <a:spLocks noGrp="1"/>
+          </p:cNvSpPr>
+          <p:nvPr>
+            <p:ph type="sldNum" sz="quarter" idx="11"/>
+          </p:nvPr>
+        </p:nvSpPr>
+        <p:spPr/>
+        <p:txBody>
+          <a:bodyPr/>
+          <a:lstStyle/>
+          <a:p>
+            <a:pPr>
+              <a:defRPr/>
+            </a:pPr>
+            <a:endParaRPr lang="en-US" smtClean="0"/>
+          </a:p>
+          <a:p>
+            <a:pPr>
+              <a:defRPr/>
+            </a:pPr>
+            <a:fld id="{E9A8CBA3-AA2B-46A6-BFA3-DCEBEAAB3F0A}" type="slidenum">
+              <a:rPr lang="en-US" smtClean="0"/>
+              <a:pPr>
+                <a:defRPr/>
+              </a:pPr>
+              <a:t>23</a:t>
+            </a:fld>
+            <a:endParaRPr lang="en-US"/>
+          </a:p>
+        </p:txBody>
+      </p:sp>
+      <p:pic>
+        <p:nvPicPr>
+          <p:cNvPr id="2" name="Picture 1"/>
+          <p:cNvPicPr>
+            <a:picLocks noChangeAspect="1"/>
+          </p:cNvPicPr>
+          <p:nvPr/>
+        </p:nvPicPr>
+        <p:blipFill>
+          <a:blip r:embed="rId2"/>
+          <a:stretch>
+            <a:fillRect/>
+          </a:stretch>
+        </p:blipFill>
+        <p:spPr>
+          <a:xfrm>
+            <a:off x="1557714" y="595666"/>
+            <a:ext cx="6028571" cy="5666667"/>
+          </a:xfrm>
+          <a:prstGeom prst="rect">
+            <a:avLst/>
+          </a:prstGeom>
+        </p:spPr>
+      </p:pic>
+    </p:spTree>
+    <p:extLst>
+      <p:ext uri="{BB962C8B-B14F-4D97-AF65-F5344CB8AC3E}">
+        <p14:creationId xmlns:p14="http://schemas.microsoft.com/office/powerpoint/2010/main" val="4115380482"/>
+      </p:ext>
+    </p:extLst>
+  </p:cSld>
+  <p:clrMapOvr>
+    <a:masterClrMapping/>
+  </p:clrMapOvr>
+  <p:timing>
+    <p:tnLst>
+      <p:par>
+        <p:cTn id="1" dur="indefinite" restart="never" nodeType="tmRoot"/>
+      </p:par>
+    </p:tnLst>
+  </p:timing>
+</p:sld>
+</file>
+
+<file path=ppt/slides/slide24.xml><?xml version="1.0" encoding="utf-8"?>
+<p:sld xmlns:a="http://schemas.openxmlformats.org/drawingml/2006/main" xmlns:r="http://schemas.openxmlformats.org/officeDocument/2006/relationships" xmlns:p="http://schemas.openxmlformats.org/presentationml/2006/main">
+  <p:cSld>
+    <p:spTree>
+      <p:nvGrpSpPr>
+        <p:cNvPr id="1" name=""/>
+        <p:cNvGrpSpPr/>
+        <p:nvPr/>
+      </p:nvGrpSpPr>
+      <p:grpSpPr>
+        <a:xfrm>
+          <a:off x="0" y="0"/>
+          <a:ext cx="0" cy="0"/>
+          <a:chOff x="0" y="0"/>
+          <a:chExt cx="0" cy="0"/>
+        </a:xfrm>
+      </p:grpSpPr>
+      <p:sp>
+        <p:nvSpPr>
+          <p:cNvPr id="5" name="Slide Number Placeholder 4"/>
+          <p:cNvSpPr>
+            <a:spLocks noGrp="1"/>
+          </p:cNvSpPr>
+          <p:nvPr>
+            <p:ph type="sldNum" sz="quarter" idx="11"/>
+          </p:nvPr>
+        </p:nvSpPr>
+        <p:spPr/>
+        <p:txBody>
+          <a:bodyPr/>
+          <a:lstStyle/>
+          <a:p>
+            <a:pPr>
+              <a:defRPr/>
+            </a:pPr>
+            <a:endParaRPr lang="en-US" smtClean="0"/>
+          </a:p>
+          <a:p>
+            <a:pPr>
+              <a:defRPr/>
+            </a:pPr>
+            <a:fld id="{E9A8CBA3-AA2B-46A6-BFA3-DCEBEAAB3F0A}" type="slidenum">
+              <a:rPr lang="en-US" smtClean="0"/>
+              <a:pPr>
+                <a:defRPr/>
+              </a:pPr>
+              <a:t>24</a:t>
             </a:fld>
             <a:endParaRPr lang="en-US"/>
           </a:p>
@@ -4179,7 +6402,7 @@
 </p:sld>
 </file>
 
-<file path=ppt/slides/slide11.xml><?xml version="1.0" encoding="utf-8"?>
+<file path=ppt/slides/slide25.xml><?xml version="1.0" encoding="utf-8"?>
 <p:sld xmlns:a="http://schemas.openxmlformats.org/drawingml/2006/main" xmlns:r="http://schemas.openxmlformats.org/officeDocument/2006/relationships" xmlns:p="http://schemas.openxmlformats.org/presentationml/2006/main">
   <p:cSld>
     <p:spTree>
@@ -4225,7 +6448,7 @@
               <a:pPr>
                 <a:defRPr/>
               </a:pPr>
-              <a:t>11</a:t>
+              <a:t>25</a:t>
             </a:fld>
             <a:endParaRPr lang="en-US"/>
           </a:p>
@@ -4275,7 +6498,7 @@
 </p:sld>
 </file>
 
-<file path=ppt/slides/slide12.xml><?xml version="1.0" encoding="utf-8"?>
+<file path=ppt/slides/slide26.xml><?xml version="1.0" encoding="utf-8"?>
 <p:sld xmlns:a="http://schemas.openxmlformats.org/drawingml/2006/main" xmlns:r="http://schemas.openxmlformats.org/officeDocument/2006/relationships" xmlns:p="http://schemas.openxmlformats.org/presentationml/2006/main">
   <p:cSld>
     <p:spTree>
@@ -4321,7 +6544,7 @@
               <a:pPr>
                 <a:defRPr/>
               </a:pPr>
-              <a:t>12</a:t>
+              <a:t>26</a:t>
             </a:fld>
             <a:endParaRPr lang="en-US"/>
           </a:p>
@@ -4371,7 +6594,7 @@
 </p:sld>
 </file>
 
-<file path=ppt/slides/slide13.xml><?xml version="1.0" encoding="utf-8"?>
+<file path=ppt/slides/slide27.xml><?xml version="1.0" encoding="utf-8"?>
 <p:sld xmlns:a="http://schemas.openxmlformats.org/drawingml/2006/main" xmlns:r="http://schemas.openxmlformats.org/officeDocument/2006/relationships" xmlns:p="http://schemas.openxmlformats.org/presentationml/2006/main">
   <p:cSld>
     <p:spTree>
@@ -4417,7 +6640,7 @@
               <a:pPr>
                 <a:defRPr/>
               </a:pPr>
-              <a:t>13</a:t>
+              <a:t>27</a:t>
             </a:fld>
             <a:endParaRPr lang="en-US"/>
           </a:p>
@@ -4467,7 +6690,7 @@
 </p:sld>
 </file>
 
-<file path=ppt/slides/slide14.xml><?xml version="1.0" encoding="utf-8"?>
+<file path=ppt/slides/slide28.xml><?xml version="1.0" encoding="utf-8"?>
 <p:sld xmlns:a="http://schemas.openxmlformats.org/drawingml/2006/main" xmlns:r="http://schemas.openxmlformats.org/officeDocument/2006/relationships" xmlns:p="http://schemas.openxmlformats.org/presentationml/2006/main">
   <p:cSld>
     <p:spTree>
@@ -4513,7 +6736,7 @@
               <a:pPr>
                 <a:defRPr/>
               </a:pPr>
-              <a:t>14</a:t>
+              <a:t>28</a:t>
             </a:fld>
             <a:endParaRPr lang="en-US"/>
           </a:p>
@@ -4563,7 +6786,7 @@
 </p:sld>
 </file>
 
-<file path=ppt/slides/slide15.xml><?xml version="1.0" encoding="utf-8"?>
+<file path=ppt/slides/slide29.xml><?xml version="1.0" encoding="utf-8"?>
 <p:sld xmlns:a="http://schemas.openxmlformats.org/drawingml/2006/main" xmlns:r="http://schemas.openxmlformats.org/officeDocument/2006/relationships" xmlns:p="http://schemas.openxmlformats.org/presentationml/2006/main">
   <p:cSld>
     <p:spTree>
@@ -4582,83 +6805,6 @@
       </p:grpSpPr>
       <p:sp>
         <p:nvSpPr>
-          <p:cNvPr id="2" name="Title 1"/>
-          <p:cNvSpPr>
-            <a:spLocks noGrp="1"/>
-          </p:cNvSpPr>
-          <p:nvPr>
-            <p:ph type="title"/>
-          </p:nvPr>
-        </p:nvSpPr>
-        <p:spPr/>
-        <p:txBody>
-          <a:bodyPr/>
-          <a:lstStyle/>
-          <a:p>
-            <a:r>
-              <a:rPr lang="en-US" dirty="0"/>
-              <a:t>The leader data set</a:t>
-            </a:r>
-          </a:p>
-        </p:txBody>
-      </p:sp>
-      <p:sp>
-        <p:nvSpPr>
-          <p:cNvPr id="3" name="Text Placeholder 2"/>
-          <p:cNvSpPr>
-            <a:spLocks noGrp="1"/>
-          </p:cNvSpPr>
-          <p:nvPr>
-            <p:ph type="body" idx="1"/>
-          </p:nvPr>
-        </p:nvSpPr>
-        <p:spPr/>
-        <p:txBody>
-          <a:bodyPr/>
-          <a:lstStyle/>
-          <a:p>
-            <a:r>
-              <a:rPr lang="en-US" dirty="0"/>
-              <a:t>This data set tracks leaders of countries of the world and how long they stay in power. Leaders can be removed by constitutional means, by natural death, or by </a:t>
-            </a:r>
-            <a:r>
-              <a:rPr lang="en-US" dirty="0" err="1"/>
-              <a:t>nonconstitutional</a:t>
-            </a:r>
-            <a:r>
-              <a:rPr lang="en-US" dirty="0"/>
-              <a:t> means (military coup or assassination, for example). This data set is restricted to 1960 through 1987, and does not include North America.</a:t>
-            </a:r>
-          </a:p>
-        </p:txBody>
-      </p:sp>
-      <p:sp>
-        <p:nvSpPr>
-          <p:cNvPr id="4" name="Footer Placeholder 3"/>
-          <p:cNvSpPr>
-            <a:spLocks noGrp="1"/>
-          </p:cNvSpPr>
-          <p:nvPr>
-            <p:ph type="ftr" sz="quarter" idx="10"/>
-          </p:nvPr>
-        </p:nvSpPr>
-        <p:spPr/>
-        <p:txBody>
-          <a:bodyPr/>
-          <a:lstStyle/>
-          <a:p>
-            <a:pPr>
-              <a:defRPr/>
-            </a:pPr>
-            <a:r>
-              <a:rPr lang="en-US" altLang="en-US" dirty="0"/>
-              <a:t>©2018 Steve Simon    http://TheAnalysisFactor.com</a:t>
-            </a:r>
-          </a:p>
-        </p:txBody>
-      </p:sp>
-      <p:sp>
-        <p:nvSpPr>
           <p:cNvPr id="5" name="Slide Number Placeholder 4"/>
           <p:cNvSpPr>
             <a:spLocks noGrp="1"/>
@@ -4675,7 +6821,7 @@
             <a:pPr>
               <a:defRPr/>
             </a:pPr>
-            <a:endParaRPr lang="en-US"/>
+            <a:endParaRPr lang="en-US" smtClean="0"/>
           </a:p>
           <a:p>
             <a:pPr>
@@ -4686,7 +6832,845 @@
               <a:pPr>
                 <a:defRPr/>
               </a:pPr>
-              <a:t>15</a:t>
+              <a:t>29</a:t>
+            </a:fld>
+            <a:endParaRPr lang="en-US"/>
+          </a:p>
+        </p:txBody>
+      </p:sp>
+      <p:pic>
+        <p:nvPicPr>
+          <p:cNvPr id="2" name="Picture 1"/>
+          <p:cNvPicPr>
+            <a:picLocks noChangeAspect="1"/>
+          </p:cNvPicPr>
+          <p:nvPr/>
+        </p:nvPicPr>
+        <p:blipFill>
+          <a:blip r:embed="rId2"/>
+          <a:stretch>
+            <a:fillRect/>
+          </a:stretch>
+        </p:blipFill>
+        <p:spPr>
+          <a:xfrm>
+            <a:off x="1172000" y="271857"/>
+            <a:ext cx="6800000" cy="6314286"/>
+          </a:xfrm>
+          <a:prstGeom prst="rect">
+            <a:avLst/>
+          </a:prstGeom>
+        </p:spPr>
+      </p:pic>
+    </p:spTree>
+    <p:extLst>
+      <p:ext uri="{BB962C8B-B14F-4D97-AF65-F5344CB8AC3E}">
+        <p14:creationId xmlns:p14="http://schemas.microsoft.com/office/powerpoint/2010/main" val="1991382727"/>
+      </p:ext>
+    </p:extLst>
+  </p:cSld>
+  <p:clrMapOvr>
+    <a:masterClrMapping/>
+  </p:clrMapOvr>
+  <p:timing>
+    <p:tnLst>
+      <p:par>
+        <p:cTn id="1" dur="indefinite" restart="never" nodeType="tmRoot"/>
+      </p:par>
+    </p:tnLst>
+  </p:timing>
+</p:sld>
+</file>
+
+<file path=ppt/slides/slide3.xml><?xml version="1.0" encoding="utf-8"?>
+<p:sld xmlns:a="http://schemas.openxmlformats.org/drawingml/2006/main" xmlns:r="http://schemas.openxmlformats.org/officeDocument/2006/relationships" xmlns:p="http://schemas.openxmlformats.org/presentationml/2006/main">
+  <p:cSld>
+    <p:spTree>
+      <p:nvGrpSpPr>
+        <p:cNvPr id="1" name=""/>
+        <p:cNvGrpSpPr/>
+        <p:nvPr/>
+      </p:nvGrpSpPr>
+      <p:grpSpPr>
+        <a:xfrm>
+          <a:off x="0" y="0"/>
+          <a:ext cx="0" cy="0"/>
+          <a:chOff x="0" y="0"/>
+          <a:chExt cx="0" cy="0"/>
+        </a:xfrm>
+      </p:grpSpPr>
+      <p:sp>
+        <p:nvSpPr>
+          <p:cNvPr id="2" name="Title 1"/>
+          <p:cNvSpPr>
+            <a:spLocks noGrp="1"/>
+          </p:cNvSpPr>
+          <p:nvPr>
+            <p:ph type="title"/>
+          </p:nvPr>
+        </p:nvSpPr>
+        <p:spPr/>
+        <p:txBody>
+          <a:bodyPr/>
+          <a:lstStyle/>
+          <a:p>
+            <a:r>
+              <a:rPr lang="en-US" dirty="0"/>
+              <a:t>Fruit fly data (round 1)</a:t>
+            </a:r>
+          </a:p>
+        </p:txBody>
+      </p:sp>
+      <p:sp>
+        <p:nvSpPr>
+          <p:cNvPr id="3" name="Text Placeholder 2"/>
+          <p:cNvSpPr>
+            <a:spLocks noGrp="1"/>
+          </p:cNvSpPr>
+          <p:nvPr>
+            <p:ph type="body" idx="1"/>
+          </p:nvPr>
+        </p:nvSpPr>
+        <p:spPr/>
+        <p:txBody>
+          <a:bodyPr/>
+          <a:lstStyle/>
+          <a:p>
+            <a:r>
+              <a:rPr lang="en-US" dirty="0"/>
+              <a:t>The following data represents survival time for a group of fruit flies and is a subset of a larger data set found at the </a:t>
+            </a:r>
+            <a:r>
+              <a:rPr lang="en-US" dirty="0">
+                <a:hlinkClick r:id="rId2"/>
+              </a:rPr>
+              <a:t>Data and Story Library (DASL)</a:t>
+            </a:r>
+            <a:r>
+              <a:rPr lang="en-US" dirty="0"/>
+              <a:t>. The data set has been slightly modified to simplify some of these explanations.</a:t>
+            </a:r>
+          </a:p>
+          <a:p>
+            <a:r>
+              <a:rPr lang="en-US" dirty="0"/>
+              <a:t>There are 25 flies in the sample, with the first fly dying on day 37 and the last fly dying on day 96. If you wanted to estimate the survival probability for this data, you would draw a curve that decreases by 4% (1/25) every time a fly dies.</a:t>
+            </a:r>
+          </a:p>
+          <a:p>
+            <a:r>
+              <a:rPr lang="en-US" dirty="0"/>
+              <a:t>.</a:t>
+            </a:r>
+          </a:p>
+        </p:txBody>
+      </p:sp>
+      <p:sp>
+        <p:nvSpPr>
+          <p:cNvPr id="4" name="Footer Placeholder 3"/>
+          <p:cNvSpPr>
+            <a:spLocks noGrp="1"/>
+          </p:cNvSpPr>
+          <p:nvPr>
+            <p:ph type="ftr" sz="quarter" idx="10"/>
+          </p:nvPr>
+        </p:nvSpPr>
+        <p:spPr/>
+        <p:txBody>
+          <a:bodyPr/>
+          <a:lstStyle/>
+          <a:p>
+            <a:pPr>
+              <a:defRPr/>
+            </a:pPr>
+            <a:r>
+              <a:rPr lang="en-US" altLang="en-US" dirty="0"/>
+              <a:t>http://TheAnalysisFactor.com</a:t>
+            </a:r>
+          </a:p>
+        </p:txBody>
+      </p:sp>
+      <p:sp>
+        <p:nvSpPr>
+          <p:cNvPr id="5" name="Slide Number Placeholder 4"/>
+          <p:cNvSpPr>
+            <a:spLocks noGrp="1"/>
+          </p:cNvSpPr>
+          <p:nvPr>
+            <p:ph type="sldNum" sz="quarter" idx="11"/>
+          </p:nvPr>
+        </p:nvSpPr>
+        <p:spPr/>
+        <p:txBody>
+          <a:bodyPr/>
+          <a:lstStyle/>
+          <a:p>
+            <a:pPr>
+              <a:defRPr/>
+            </a:pPr>
+            <a:endParaRPr lang="en-US"/>
+          </a:p>
+          <a:p>
+            <a:pPr>
+              <a:defRPr/>
+            </a:pPr>
+            <a:fld id="{E9A8CBA3-AA2B-46A6-BFA3-DCEBEAAB3F0A}" type="slidenum">
+              <a:rPr lang="en-US" smtClean="0"/>
+              <a:pPr>
+                <a:defRPr/>
+              </a:pPr>
+              <a:t>3</a:t>
+            </a:fld>
+            <a:endParaRPr lang="en-US"/>
+          </a:p>
+        </p:txBody>
+      </p:sp>
+      <p:sp>
+        <p:nvSpPr>
+          <p:cNvPr id="6" name="Text Placeholder 5"/>
+          <p:cNvSpPr>
+            <a:spLocks noGrp="1"/>
+          </p:cNvSpPr>
+          <p:nvPr>
+            <p:ph type="body" sz="quarter" idx="12"/>
+          </p:nvPr>
+        </p:nvSpPr>
+        <p:spPr/>
+        <p:txBody>
+          <a:bodyPr/>
+          <a:lstStyle/>
+          <a:p>
+            <a:r>
+              <a:rPr lang="en-US" dirty="0"/>
+              <a:t>Where does this data come from?</a:t>
+            </a:r>
+          </a:p>
+        </p:txBody>
+      </p:sp>
+    </p:spTree>
+    <p:extLst>
+      <p:ext uri="{BB962C8B-B14F-4D97-AF65-F5344CB8AC3E}">
+        <p14:creationId xmlns:p14="http://schemas.microsoft.com/office/powerpoint/2010/main" val="3806170493"/>
+      </p:ext>
+    </p:extLst>
+  </p:cSld>
+  <p:clrMapOvr>
+    <a:masterClrMapping/>
+  </p:clrMapOvr>
+  <p:timing>
+    <p:tnLst>
+      <p:par>
+        <p:cTn id="1" dur="indefinite" restart="never" nodeType="tmRoot"/>
+      </p:par>
+    </p:tnLst>
+  </p:timing>
+</p:sld>
+</file>
+
+<file path=ppt/slides/slide30.xml><?xml version="1.0" encoding="utf-8"?>
+<p:sld xmlns:a="http://schemas.openxmlformats.org/drawingml/2006/main" xmlns:r="http://schemas.openxmlformats.org/officeDocument/2006/relationships" xmlns:p="http://schemas.openxmlformats.org/presentationml/2006/main">
+  <p:cSld>
+    <p:spTree>
+      <p:nvGrpSpPr>
+        <p:cNvPr id="1" name=""/>
+        <p:cNvGrpSpPr/>
+        <p:nvPr/>
+      </p:nvGrpSpPr>
+      <p:grpSpPr>
+        <a:xfrm>
+          <a:off x="0" y="0"/>
+          <a:ext cx="0" cy="0"/>
+          <a:chOff x="0" y="0"/>
+          <a:chExt cx="0" cy="0"/>
+        </a:xfrm>
+      </p:grpSpPr>
+      <p:sp>
+        <p:nvSpPr>
+          <p:cNvPr id="5" name="Slide Number Placeholder 4"/>
+          <p:cNvSpPr>
+            <a:spLocks noGrp="1"/>
+          </p:cNvSpPr>
+          <p:nvPr>
+            <p:ph type="sldNum" sz="quarter" idx="11"/>
+          </p:nvPr>
+        </p:nvSpPr>
+        <p:spPr/>
+        <p:txBody>
+          <a:bodyPr/>
+          <a:lstStyle/>
+          <a:p>
+            <a:pPr>
+              <a:defRPr/>
+            </a:pPr>
+            <a:endParaRPr lang="en-US" smtClean="0"/>
+          </a:p>
+          <a:p>
+            <a:pPr>
+              <a:defRPr/>
+            </a:pPr>
+            <a:fld id="{E9A8CBA3-AA2B-46A6-BFA3-DCEBEAAB3F0A}" type="slidenum">
+              <a:rPr lang="en-US" smtClean="0"/>
+              <a:pPr>
+                <a:defRPr/>
+              </a:pPr>
+              <a:t>30</a:t>
+            </a:fld>
+            <a:endParaRPr lang="en-US"/>
+          </a:p>
+        </p:txBody>
+      </p:sp>
+      <p:pic>
+        <p:nvPicPr>
+          <p:cNvPr id="3" name="Picture 2"/>
+          <p:cNvPicPr>
+            <a:picLocks noChangeAspect="1"/>
+          </p:cNvPicPr>
+          <p:nvPr/>
+        </p:nvPicPr>
+        <p:blipFill>
+          <a:blip r:embed="rId2"/>
+          <a:stretch>
+            <a:fillRect/>
+          </a:stretch>
+        </p:blipFill>
+        <p:spPr>
+          <a:xfrm>
+            <a:off x="1467238" y="1957571"/>
+            <a:ext cx="6209524" cy="2942857"/>
+          </a:xfrm>
+          <a:prstGeom prst="rect">
+            <a:avLst/>
+          </a:prstGeom>
+        </p:spPr>
+      </p:pic>
+    </p:spTree>
+    <p:extLst>
+      <p:ext uri="{BB962C8B-B14F-4D97-AF65-F5344CB8AC3E}">
+        <p14:creationId xmlns:p14="http://schemas.microsoft.com/office/powerpoint/2010/main" val="56058149"/>
+      </p:ext>
+    </p:extLst>
+  </p:cSld>
+  <p:clrMapOvr>
+    <a:masterClrMapping/>
+  </p:clrMapOvr>
+  <p:timing>
+    <p:tnLst>
+      <p:par>
+        <p:cTn id="1" dur="indefinite" restart="never" nodeType="tmRoot"/>
+      </p:par>
+    </p:tnLst>
+  </p:timing>
+</p:sld>
+</file>
+
+<file path=ppt/slides/slide31.xml><?xml version="1.0" encoding="utf-8"?>
+<p:sld xmlns:a="http://schemas.openxmlformats.org/drawingml/2006/main" xmlns:r="http://schemas.openxmlformats.org/officeDocument/2006/relationships" xmlns:p="http://schemas.openxmlformats.org/presentationml/2006/main">
+  <p:cSld>
+    <p:spTree>
+      <p:nvGrpSpPr>
+        <p:cNvPr id="1" name=""/>
+        <p:cNvGrpSpPr/>
+        <p:nvPr/>
+      </p:nvGrpSpPr>
+      <p:grpSpPr>
+        <a:xfrm>
+          <a:off x="0" y="0"/>
+          <a:ext cx="0" cy="0"/>
+          <a:chOff x="0" y="0"/>
+          <a:chExt cx="0" cy="0"/>
+        </a:xfrm>
+      </p:grpSpPr>
+      <p:sp>
+        <p:nvSpPr>
+          <p:cNvPr id="5" name="Slide Number Placeholder 4"/>
+          <p:cNvSpPr>
+            <a:spLocks noGrp="1"/>
+          </p:cNvSpPr>
+          <p:nvPr>
+            <p:ph type="sldNum" sz="quarter" idx="11"/>
+          </p:nvPr>
+        </p:nvSpPr>
+        <p:spPr/>
+        <p:txBody>
+          <a:bodyPr/>
+          <a:lstStyle/>
+          <a:p>
+            <a:pPr>
+              <a:defRPr/>
+            </a:pPr>
+            <a:endParaRPr lang="en-US" smtClean="0"/>
+          </a:p>
+          <a:p>
+            <a:pPr>
+              <a:defRPr/>
+            </a:pPr>
+            <a:fld id="{E9A8CBA3-AA2B-46A6-BFA3-DCEBEAAB3F0A}" type="slidenum">
+              <a:rPr lang="en-US" smtClean="0"/>
+              <a:pPr>
+                <a:defRPr/>
+              </a:pPr>
+              <a:t>31</a:t>
+            </a:fld>
+            <a:endParaRPr lang="en-US"/>
+          </a:p>
+        </p:txBody>
+      </p:sp>
+      <p:pic>
+        <p:nvPicPr>
+          <p:cNvPr id="2" name="Picture 1"/>
+          <p:cNvPicPr>
+            <a:picLocks noChangeAspect="1"/>
+          </p:cNvPicPr>
+          <p:nvPr/>
+        </p:nvPicPr>
+        <p:blipFill>
+          <a:blip r:embed="rId2"/>
+          <a:stretch>
+            <a:fillRect/>
+          </a:stretch>
+        </p:blipFill>
+        <p:spPr>
+          <a:xfrm>
+            <a:off x="1457714" y="338524"/>
+            <a:ext cx="6228571" cy="6180952"/>
+          </a:xfrm>
+          <a:prstGeom prst="rect">
+            <a:avLst/>
+          </a:prstGeom>
+        </p:spPr>
+      </p:pic>
+    </p:spTree>
+    <p:extLst>
+      <p:ext uri="{BB962C8B-B14F-4D97-AF65-F5344CB8AC3E}">
+        <p14:creationId xmlns:p14="http://schemas.microsoft.com/office/powerpoint/2010/main" val="2443803856"/>
+      </p:ext>
+    </p:extLst>
+  </p:cSld>
+  <p:clrMapOvr>
+    <a:masterClrMapping/>
+  </p:clrMapOvr>
+  <p:timing>
+    <p:tnLst>
+      <p:par>
+        <p:cTn id="1" dur="indefinite" restart="never" nodeType="tmRoot"/>
+      </p:par>
+    </p:tnLst>
+  </p:timing>
+</p:sld>
+</file>
+
+<file path=ppt/slides/slide32.xml><?xml version="1.0" encoding="utf-8"?>
+<p:sld xmlns:a="http://schemas.openxmlformats.org/drawingml/2006/main" xmlns:r="http://schemas.openxmlformats.org/officeDocument/2006/relationships" xmlns:p="http://schemas.openxmlformats.org/presentationml/2006/main">
+  <p:cSld>
+    <p:spTree>
+      <p:nvGrpSpPr>
+        <p:cNvPr id="1" name=""/>
+        <p:cNvGrpSpPr/>
+        <p:nvPr/>
+      </p:nvGrpSpPr>
+      <p:grpSpPr>
+        <a:xfrm>
+          <a:off x="0" y="0"/>
+          <a:ext cx="0" cy="0"/>
+          <a:chOff x="0" y="0"/>
+          <a:chExt cx="0" cy="0"/>
+        </a:xfrm>
+      </p:grpSpPr>
+      <p:sp>
+        <p:nvSpPr>
+          <p:cNvPr id="5" name="Slide Number Placeholder 4"/>
+          <p:cNvSpPr>
+            <a:spLocks noGrp="1"/>
+          </p:cNvSpPr>
+          <p:nvPr>
+            <p:ph type="sldNum" sz="quarter" idx="11"/>
+          </p:nvPr>
+        </p:nvSpPr>
+        <p:spPr/>
+        <p:txBody>
+          <a:bodyPr/>
+          <a:lstStyle/>
+          <a:p>
+            <a:pPr>
+              <a:defRPr/>
+            </a:pPr>
+            <a:endParaRPr lang="en-US" smtClean="0"/>
+          </a:p>
+          <a:p>
+            <a:pPr>
+              <a:defRPr/>
+            </a:pPr>
+            <a:fld id="{E9A8CBA3-AA2B-46A6-BFA3-DCEBEAAB3F0A}" type="slidenum">
+              <a:rPr lang="en-US" smtClean="0"/>
+              <a:pPr>
+                <a:defRPr/>
+              </a:pPr>
+              <a:t>32</a:t>
+            </a:fld>
+            <a:endParaRPr lang="en-US"/>
+          </a:p>
+        </p:txBody>
+      </p:sp>
+      <p:pic>
+        <p:nvPicPr>
+          <p:cNvPr id="3" name="Picture 2"/>
+          <p:cNvPicPr>
+            <a:picLocks noChangeAspect="1"/>
+          </p:cNvPicPr>
+          <p:nvPr/>
+        </p:nvPicPr>
+        <p:blipFill>
+          <a:blip r:embed="rId2"/>
+          <a:stretch>
+            <a:fillRect/>
+          </a:stretch>
+        </p:blipFill>
+        <p:spPr>
+          <a:xfrm>
+            <a:off x="1610095" y="2209952"/>
+            <a:ext cx="5923809" cy="2438095"/>
+          </a:xfrm>
+          <a:prstGeom prst="rect">
+            <a:avLst/>
+          </a:prstGeom>
+        </p:spPr>
+      </p:pic>
+    </p:spTree>
+    <p:extLst>
+      <p:ext uri="{BB962C8B-B14F-4D97-AF65-F5344CB8AC3E}">
+        <p14:creationId xmlns:p14="http://schemas.microsoft.com/office/powerpoint/2010/main" val="2945343784"/>
+      </p:ext>
+    </p:extLst>
+  </p:cSld>
+  <p:clrMapOvr>
+    <a:masterClrMapping/>
+  </p:clrMapOvr>
+  <p:timing>
+    <p:tnLst>
+      <p:par>
+        <p:cTn id="1" dur="indefinite" restart="never" nodeType="tmRoot"/>
+      </p:par>
+    </p:tnLst>
+  </p:timing>
+</p:sld>
+</file>
+
+<file path=ppt/slides/slide33.xml><?xml version="1.0" encoding="utf-8"?>
+<p:sld xmlns:a="http://schemas.openxmlformats.org/drawingml/2006/main" xmlns:r="http://schemas.openxmlformats.org/officeDocument/2006/relationships" xmlns:p="http://schemas.openxmlformats.org/presentationml/2006/main">
+  <p:cSld>
+    <p:spTree>
+      <p:nvGrpSpPr>
+        <p:cNvPr id="1" name=""/>
+        <p:cNvGrpSpPr/>
+        <p:nvPr/>
+      </p:nvGrpSpPr>
+      <p:grpSpPr>
+        <a:xfrm>
+          <a:off x="0" y="0"/>
+          <a:ext cx="0" cy="0"/>
+          <a:chOff x="0" y="0"/>
+          <a:chExt cx="0" cy="0"/>
+        </a:xfrm>
+      </p:grpSpPr>
+      <p:sp>
+        <p:nvSpPr>
+          <p:cNvPr id="5" name="Slide Number Placeholder 4"/>
+          <p:cNvSpPr>
+            <a:spLocks noGrp="1"/>
+          </p:cNvSpPr>
+          <p:nvPr>
+            <p:ph type="sldNum" sz="quarter" idx="11"/>
+          </p:nvPr>
+        </p:nvSpPr>
+        <p:spPr/>
+        <p:txBody>
+          <a:bodyPr/>
+          <a:lstStyle/>
+          <a:p>
+            <a:pPr>
+              <a:defRPr/>
+            </a:pPr>
+            <a:endParaRPr lang="en-US" smtClean="0"/>
+          </a:p>
+          <a:p>
+            <a:pPr>
+              <a:defRPr/>
+            </a:pPr>
+            <a:fld id="{E9A8CBA3-AA2B-46A6-BFA3-DCEBEAAB3F0A}" type="slidenum">
+              <a:rPr lang="en-US" smtClean="0"/>
+              <a:pPr>
+                <a:defRPr/>
+              </a:pPr>
+              <a:t>33</a:t>
+            </a:fld>
+            <a:endParaRPr lang="en-US"/>
+          </a:p>
+        </p:txBody>
+      </p:sp>
+      <p:pic>
+        <p:nvPicPr>
+          <p:cNvPr id="2" name="Picture 1"/>
+          <p:cNvPicPr>
+            <a:picLocks noChangeAspect="1"/>
+          </p:cNvPicPr>
+          <p:nvPr/>
+        </p:nvPicPr>
+        <p:blipFill>
+          <a:blip r:embed="rId2"/>
+          <a:stretch>
+            <a:fillRect/>
+          </a:stretch>
+        </p:blipFill>
+        <p:spPr>
+          <a:xfrm>
+            <a:off x="1195809" y="367095"/>
+            <a:ext cx="6752381" cy="6123809"/>
+          </a:xfrm>
+          <a:prstGeom prst="rect">
+            <a:avLst/>
+          </a:prstGeom>
+        </p:spPr>
+      </p:pic>
+    </p:spTree>
+    <p:extLst>
+      <p:ext uri="{BB962C8B-B14F-4D97-AF65-F5344CB8AC3E}">
+        <p14:creationId xmlns:p14="http://schemas.microsoft.com/office/powerpoint/2010/main" val="2368357277"/>
+      </p:ext>
+    </p:extLst>
+  </p:cSld>
+  <p:clrMapOvr>
+    <a:masterClrMapping/>
+  </p:clrMapOvr>
+  <p:timing>
+    <p:tnLst>
+      <p:par>
+        <p:cTn id="1" dur="indefinite" restart="never" nodeType="tmRoot"/>
+      </p:par>
+    </p:tnLst>
+  </p:timing>
+</p:sld>
+</file>
+
+<file path=ppt/slides/slide34.xml><?xml version="1.0" encoding="utf-8"?>
+<p:sld xmlns:a="http://schemas.openxmlformats.org/drawingml/2006/main" xmlns:r="http://schemas.openxmlformats.org/officeDocument/2006/relationships" xmlns:p="http://schemas.openxmlformats.org/presentationml/2006/main">
+  <p:cSld>
+    <p:spTree>
+      <p:nvGrpSpPr>
+        <p:cNvPr id="1" name=""/>
+        <p:cNvGrpSpPr/>
+        <p:nvPr/>
+      </p:nvGrpSpPr>
+      <p:grpSpPr>
+        <a:xfrm>
+          <a:off x="0" y="0"/>
+          <a:ext cx="0" cy="0"/>
+          <a:chOff x="0" y="0"/>
+          <a:chExt cx="0" cy="0"/>
+        </a:xfrm>
+      </p:grpSpPr>
+      <p:sp>
+        <p:nvSpPr>
+          <p:cNvPr id="5" name="Slide Number Placeholder 4"/>
+          <p:cNvSpPr>
+            <a:spLocks noGrp="1"/>
+          </p:cNvSpPr>
+          <p:nvPr>
+            <p:ph type="sldNum" sz="quarter" idx="11"/>
+          </p:nvPr>
+        </p:nvSpPr>
+        <p:spPr/>
+        <p:txBody>
+          <a:bodyPr/>
+          <a:lstStyle/>
+          <a:p>
+            <a:pPr>
+              <a:defRPr/>
+            </a:pPr>
+            <a:endParaRPr lang="en-US" smtClean="0"/>
+          </a:p>
+          <a:p>
+            <a:pPr>
+              <a:defRPr/>
+            </a:pPr>
+            <a:fld id="{E9A8CBA3-AA2B-46A6-BFA3-DCEBEAAB3F0A}" type="slidenum">
+              <a:rPr lang="en-US" smtClean="0"/>
+              <a:pPr>
+                <a:defRPr/>
+              </a:pPr>
+              <a:t>34</a:t>
+            </a:fld>
+            <a:endParaRPr lang="en-US"/>
+          </a:p>
+        </p:txBody>
+      </p:sp>
+      <p:pic>
+        <p:nvPicPr>
+          <p:cNvPr id="3" name="Picture 2"/>
+          <p:cNvPicPr>
+            <a:picLocks noChangeAspect="1"/>
+          </p:cNvPicPr>
+          <p:nvPr/>
+        </p:nvPicPr>
+        <p:blipFill>
+          <a:blip r:embed="rId2"/>
+          <a:stretch>
+            <a:fillRect/>
+          </a:stretch>
+        </p:blipFill>
+        <p:spPr>
+          <a:xfrm>
+            <a:off x="1038666" y="1195666"/>
+            <a:ext cx="7066667" cy="4466667"/>
+          </a:xfrm>
+          <a:prstGeom prst="rect">
+            <a:avLst/>
+          </a:prstGeom>
+        </p:spPr>
+      </p:pic>
+    </p:spTree>
+    <p:extLst>
+      <p:ext uri="{BB962C8B-B14F-4D97-AF65-F5344CB8AC3E}">
+        <p14:creationId xmlns:p14="http://schemas.microsoft.com/office/powerpoint/2010/main" val="243487154"/>
+      </p:ext>
+    </p:extLst>
+  </p:cSld>
+  <p:clrMapOvr>
+    <a:masterClrMapping/>
+  </p:clrMapOvr>
+  <p:timing>
+    <p:tnLst>
+      <p:par>
+        <p:cTn id="1" dur="indefinite" restart="never" nodeType="tmRoot"/>
+      </p:par>
+    </p:tnLst>
+  </p:timing>
+</p:sld>
+</file>
+
+<file path=ppt/slides/slide35.xml><?xml version="1.0" encoding="utf-8"?>
+<p:sld xmlns:a="http://schemas.openxmlformats.org/drawingml/2006/main" xmlns:r="http://schemas.openxmlformats.org/officeDocument/2006/relationships" xmlns:p="http://schemas.openxmlformats.org/presentationml/2006/main">
+  <p:cSld>
+    <p:spTree>
+      <p:nvGrpSpPr>
+        <p:cNvPr id="1" name=""/>
+        <p:cNvGrpSpPr/>
+        <p:nvPr/>
+      </p:nvGrpSpPr>
+      <p:grpSpPr>
+        <a:xfrm>
+          <a:off x="0" y="0"/>
+          <a:ext cx="0" cy="0"/>
+          <a:chOff x="0" y="0"/>
+          <a:chExt cx="0" cy="0"/>
+        </a:xfrm>
+      </p:grpSpPr>
+      <p:sp>
+        <p:nvSpPr>
+          <p:cNvPr id="2" name="Title 1"/>
+          <p:cNvSpPr>
+            <a:spLocks noGrp="1"/>
+          </p:cNvSpPr>
+          <p:nvPr>
+            <p:ph type="title"/>
+          </p:nvPr>
+        </p:nvSpPr>
+        <p:spPr/>
+        <p:txBody>
+          <a:bodyPr/>
+          <a:lstStyle/>
+          <a:p>
+            <a:r>
+              <a:rPr lang="en-US" dirty="0"/>
+              <a:t>The leader data set</a:t>
+            </a:r>
+          </a:p>
+        </p:txBody>
+      </p:sp>
+      <p:sp>
+        <p:nvSpPr>
+          <p:cNvPr id="3" name="Text Placeholder 2"/>
+          <p:cNvSpPr>
+            <a:spLocks noGrp="1"/>
+          </p:cNvSpPr>
+          <p:nvPr>
+            <p:ph type="body" idx="1"/>
+          </p:nvPr>
+        </p:nvSpPr>
+        <p:spPr/>
+        <p:txBody>
+          <a:bodyPr/>
+          <a:lstStyle/>
+          <a:p>
+            <a:r>
+              <a:rPr lang="en-US" dirty="0"/>
+              <a:t>This data set tracks leaders of countries of the world and how long they stay in power. Leaders can be removed by constitutional means, by natural death, or by </a:t>
+            </a:r>
+            <a:r>
+              <a:rPr lang="en-US" dirty="0" err="1"/>
+              <a:t>nonconstitutional</a:t>
+            </a:r>
+            <a:r>
+              <a:rPr lang="en-US" dirty="0"/>
+              <a:t> means (military coup or assassination, for example). This data set is restricted to 1960 through 1987, and does not include North America.</a:t>
+            </a:r>
+          </a:p>
+        </p:txBody>
+      </p:sp>
+      <p:sp>
+        <p:nvSpPr>
+          <p:cNvPr id="4" name="Footer Placeholder 3"/>
+          <p:cNvSpPr>
+            <a:spLocks noGrp="1"/>
+          </p:cNvSpPr>
+          <p:nvPr>
+            <p:ph type="ftr" sz="quarter" idx="10"/>
+          </p:nvPr>
+        </p:nvSpPr>
+        <p:spPr/>
+        <p:txBody>
+          <a:bodyPr/>
+          <a:lstStyle/>
+          <a:p>
+            <a:pPr>
+              <a:defRPr/>
+            </a:pPr>
+            <a:r>
+              <a:rPr lang="en-US" altLang="en-US" dirty="0"/>
+              <a:t>©2018 Steve Simon    http://TheAnalysisFactor.com</a:t>
+            </a:r>
+          </a:p>
+        </p:txBody>
+      </p:sp>
+      <p:sp>
+        <p:nvSpPr>
+          <p:cNvPr id="5" name="Slide Number Placeholder 4"/>
+          <p:cNvSpPr>
+            <a:spLocks noGrp="1"/>
+          </p:cNvSpPr>
+          <p:nvPr>
+            <p:ph type="sldNum" sz="quarter" idx="11"/>
+          </p:nvPr>
+        </p:nvSpPr>
+        <p:spPr/>
+        <p:txBody>
+          <a:bodyPr/>
+          <a:lstStyle/>
+          <a:p>
+            <a:pPr>
+              <a:defRPr/>
+            </a:pPr>
+            <a:endParaRPr lang="en-US"/>
+          </a:p>
+          <a:p>
+            <a:pPr>
+              <a:defRPr/>
+            </a:pPr>
+            <a:fld id="{E9A8CBA3-AA2B-46A6-BFA3-DCEBEAAB3F0A}" type="slidenum">
+              <a:rPr lang="en-US" smtClean="0"/>
+              <a:pPr>
+                <a:defRPr/>
+              </a:pPr>
+              <a:t>35</a:t>
             </a:fld>
             <a:endParaRPr lang="en-US"/>
           </a:p>
@@ -4734,7 +7718,7 @@
 </p:sld>
 </file>
 
-<file path=ppt/slides/slide16.xml><?xml version="1.0" encoding="utf-8"?>
+<file path=ppt/slides/slide36.xml><?xml version="1.0" encoding="utf-8"?>
 <p:sld xmlns:a="http://schemas.openxmlformats.org/drawingml/2006/main" xmlns:r="http://schemas.openxmlformats.org/officeDocument/2006/relationships" xmlns:p="http://schemas.openxmlformats.org/presentationml/2006/main">
   <p:cSld>
     <p:spTree>
@@ -4917,7 +7901,7 @@
               <a:pPr>
                 <a:defRPr/>
               </a:pPr>
-              <a:t>16</a:t>
+              <a:t>36</a:t>
             </a:fld>
             <a:endParaRPr lang="en-US"/>
           </a:p>
@@ -4955,10 +7939,17 @@
   <p:clrMapOvr>
     <a:masterClrMapping/>
   </p:clrMapOvr>
+  <p:timing>
+    <p:tnLst>
+      <p:par>
+        <p:cTn id="1" dur="indefinite" restart="never" nodeType="tmRoot"/>
+      </p:par>
+    </p:tnLst>
+  </p:timing>
 </p:sld>
 </file>
 
-<file path=ppt/slides/slide17.xml><?xml version="1.0" encoding="utf-8"?>
+<file path=ppt/slides/slide37.xml><?xml version="1.0" encoding="utf-8"?>
 <p:sld xmlns:a="http://schemas.openxmlformats.org/drawingml/2006/main" xmlns:r="http://schemas.openxmlformats.org/officeDocument/2006/relationships" xmlns:p="http://schemas.openxmlformats.org/presentationml/2006/main">
   <p:cSld>
     <p:spTree>
@@ -5171,7 +8162,7 @@
               <a:pPr>
                 <a:defRPr/>
               </a:pPr>
-              <a:t>17</a:t>
+              <a:t>37</a:t>
             </a:fld>
             <a:endParaRPr lang="en-US"/>
           </a:p>
@@ -5209,10 +8200,17 @@
   <p:clrMapOvr>
     <a:masterClrMapping/>
   </p:clrMapOvr>
+  <p:timing>
+    <p:tnLst>
+      <p:par>
+        <p:cTn id="1" dur="indefinite" restart="never" nodeType="tmRoot"/>
+      </p:par>
+    </p:tnLst>
+  </p:timing>
 </p:sld>
 </file>
 
-<file path=ppt/slides/slide18.xml><?xml version="1.0" encoding="utf-8"?>
+<file path=ppt/slides/slide38.xml><?xml version="1.0" encoding="utf-8"?>
 <p:sld xmlns:a="http://schemas.openxmlformats.org/drawingml/2006/main" xmlns:r="http://schemas.openxmlformats.org/officeDocument/2006/relationships" xmlns:p="http://schemas.openxmlformats.org/presentationml/2006/main">
   <p:cSld>
     <p:spTree>
@@ -5400,7 +8398,7 @@
               <a:pPr>
                 <a:defRPr/>
               </a:pPr>
-              <a:t>18</a:t>
+              <a:t>38</a:t>
             </a:fld>
             <a:endParaRPr lang="en-US"/>
           </a:p>
@@ -5438,10 +8436,17 @@
   <p:clrMapOvr>
     <a:masterClrMapping/>
   </p:clrMapOvr>
+  <p:timing>
+    <p:tnLst>
+      <p:par>
+        <p:cTn id="1" dur="indefinite" restart="never" nodeType="tmRoot"/>
+      </p:par>
+    </p:tnLst>
+  </p:timing>
 </p:sld>
 </file>
 
-<file path=ppt/slides/slide19.xml><?xml version="1.0" encoding="utf-8"?>
+<file path=ppt/slides/slide39.xml><?xml version="1.0" encoding="utf-8"?>
 <p:sld xmlns:a="http://schemas.openxmlformats.org/drawingml/2006/main" xmlns:r="http://schemas.openxmlformats.org/officeDocument/2006/relationships" xmlns:p="http://schemas.openxmlformats.org/presentationml/2006/main">
   <p:cSld>
     <p:spTree>
@@ -5616,7 +8621,7 @@
               <a:pPr>
                 <a:defRPr/>
               </a:pPr>
-              <a:t>19</a:t>
+              <a:t>39</a:t>
             </a:fld>
             <a:endParaRPr lang="en-US"/>
           </a:p>
@@ -5654,10 +8659,17 @@
   <p:clrMapOvr>
     <a:masterClrMapping/>
   </p:clrMapOvr>
+  <p:timing>
+    <p:tnLst>
+      <p:par>
+        <p:cTn id="1" dur="indefinite" restart="never" nodeType="tmRoot"/>
+      </p:par>
+    </p:tnLst>
+  </p:timing>
 </p:sld>
 </file>
 
-<file path=ppt/slides/slide2.xml><?xml version="1.0" encoding="utf-8"?>
+<file path=ppt/slides/slide4.xml><?xml version="1.0" encoding="utf-8"?>
 <p:sld xmlns:a="http://schemas.openxmlformats.org/drawingml/2006/main" xmlns:r="http://schemas.openxmlformats.org/officeDocument/2006/relationships" xmlns:p="http://schemas.openxmlformats.org/presentationml/2006/main">
   <p:cSld>
     <p:spTree>
@@ -5691,7 +8703,7 @@
           <a:p>
             <a:r>
               <a:rPr lang="en-US" dirty="0"/>
-              <a:t>Abstract</a:t>
+              <a:t>Fruit fly data (round 1)</a:t>
             </a:r>
           </a:p>
         </p:txBody>
@@ -5708,32 +8720,188 @@
         </p:nvSpPr>
         <p:spPr/>
         <p:txBody>
-          <a:bodyPr/>
-          <a:lstStyle/>
-          <a:p>
-            <a:r>
-              <a:rPr lang="en-US" sz="1400" dirty="0"/>
-              <a:t>Survival analysis is a collection of statistical tools that were developed to assist with mortality studies. A common feature of these survival analysis tools is the ability to include censored data, data from people who drop out during the study. These tools allow you to use the information from these censored observations to help estimate survival probabilities up to and including the day that they dropped out. Although survival models were originally developed for mortality events, you can adapt them to many other outcomes, such as customer churn, restaurant closings, defoliation of plants, and metal fatigue. The outcomes do not necessarily have to be “bad” events. Survival analysis is also useful for successful completion of training for guide dogs and time to pregnancy in couples with fertility problems</a:t>
-            </a:r>
-            <a:r>
-              <a:rPr lang="en-US" sz="1400" dirty="0" smtClean="0"/>
+          <a:bodyPr numCol="4"/>
+          <a:lstStyle/>
+          <a:p>
+            <a:r>
+              <a:rPr lang="en-US" dirty="0"/>
+              <a:t> 37 96%</a:t>
+            </a:r>
+            <a:br>
+              <a:rPr lang="en-US" dirty="0"/>
+            </a:br>
+            <a:r>
+              <a:rPr lang="en-US" dirty="0"/>
+              <a:t> 40 92%</a:t>
+            </a:r>
+            <a:br>
+              <a:rPr lang="en-US" dirty="0"/>
+            </a:br>
+            <a:r>
+              <a:rPr lang="en-US" dirty="0"/>
+              <a:t> 43 88%</a:t>
+            </a:r>
+            <a:br>
+              <a:rPr lang="en-US" dirty="0"/>
+            </a:br>
+            <a:r>
+              <a:rPr lang="en-US" dirty="0"/>
+              <a:t> 44 84%</a:t>
+            </a:r>
+            <a:br>
+              <a:rPr lang="en-US" dirty="0"/>
+            </a:br>
+            <a:r>
+              <a:rPr lang="en-US" dirty="0"/>
+              <a:t> 45 80%</a:t>
+            </a:r>
+            <a:br>
+              <a:rPr lang="en-US" dirty="0"/>
+            </a:br>
+            <a:r>
+              <a:rPr lang="en-US" dirty="0"/>
+              <a:t> 47 76%</a:t>
+            </a:r>
+            <a:br>
+              <a:rPr lang="en-US" dirty="0"/>
+            </a:br>
+            <a:r>
+              <a:rPr lang="en-US" dirty="0"/>
+              <a:t> 49 72%</a:t>
+            </a:r>
+            <a:br>
+              <a:rPr lang="en-US" dirty="0"/>
+            </a:br>
+            <a:r>
+              <a:rPr lang="en-US" dirty="0"/>
+              <a:t> 54 68%</a:t>
+            </a:r>
+            <a:br>
+              <a:rPr lang="en-US" dirty="0"/>
+            </a:br>
+            <a:r>
+              <a:rPr lang="en-US" dirty="0"/>
+              <a:t> 56 64%</a:t>
+            </a:r>
+            <a:br>
+              <a:rPr lang="en-US" dirty="0"/>
+            </a:br>
+            <a:r>
+              <a:rPr lang="en-US" dirty="0"/>
+              <a:t> 58 60%</a:t>
+            </a:r>
+            <a:br>
+              <a:rPr lang="en-US" dirty="0"/>
+            </a:br>
+            <a:r>
+              <a:rPr lang="en-US" dirty="0"/>
+              <a:t> 59 56%</a:t>
+            </a:r>
+            <a:br>
+              <a:rPr lang="en-US" dirty="0"/>
+            </a:br>
+            <a:r>
+              <a:rPr lang="en-US" dirty="0"/>
+              <a:t> 60 52%</a:t>
+            </a:r>
+            <a:br>
+              <a:rPr lang="en-US" dirty="0"/>
+            </a:br>
+            <a:r>
+              <a:rPr lang="en-US" dirty="0"/>
+              <a:t> 61 48%</a:t>
+            </a:r>
+            <a:br>
+              <a:rPr lang="en-US" dirty="0"/>
+            </a:br>
+            <a:r>
+              <a:rPr lang="en-US" dirty="0"/>
+              <a:t> 62 44%</a:t>
+            </a:r>
+            <a:br>
+              <a:rPr lang="en-US" dirty="0"/>
+            </a:br>
+            <a:r>
+              <a:rPr lang="en-US" dirty="0"/>
+              <a:t> 68 40%</a:t>
+            </a:r>
+            <a:br>
+              <a:rPr lang="en-US" dirty="0"/>
+            </a:br>
+            <a:r>
+              <a:rPr lang="en-US" dirty="0"/>
+              <a:t> 70 36%</a:t>
+            </a:r>
+            <a:br>
+              <a:rPr lang="en-US" dirty="0"/>
+            </a:br>
+            <a:r>
+              <a:rPr lang="en-US" dirty="0"/>
+              <a:t> 71 32%</a:t>
+            </a:r>
+            <a:br>
+              <a:rPr lang="en-US" dirty="0"/>
+            </a:br>
+            <a:r>
+              <a:rPr lang="en-US" dirty="0"/>
+              <a:t> 72 28%</a:t>
+            </a:r>
+            <a:br>
+              <a:rPr lang="en-US" dirty="0"/>
+            </a:br>
+            <a:r>
+              <a:rPr lang="en-US" dirty="0"/>
+              <a:t> 73 24%</a:t>
+            </a:r>
+            <a:br>
+              <a:rPr lang="en-US" dirty="0"/>
+            </a:br>
+            <a:r>
+              <a:rPr lang="en-US" dirty="0"/>
+              <a:t> 75 20%</a:t>
+            </a:r>
+            <a:br>
+              <a:rPr lang="en-US" dirty="0"/>
+            </a:br>
+            <a:r>
+              <a:rPr lang="en-US" dirty="0"/>
+              <a:t> 77 16%</a:t>
+            </a:r>
+            <a:br>
+              <a:rPr lang="en-US" dirty="0"/>
+            </a:br>
+            <a:r>
+              <a:rPr lang="en-US" dirty="0"/>
+              <a:t> 79 12%</a:t>
+            </a:r>
+            <a:br>
+              <a:rPr lang="en-US" dirty="0"/>
+            </a:br>
+            <a:r>
+              <a:rPr lang="en-US" dirty="0"/>
+              <a:t> 89  8%</a:t>
+            </a:r>
+            <a:br>
+              <a:rPr lang="en-US" dirty="0"/>
+            </a:br>
+            <a:r>
+              <a:rPr lang="en-US" dirty="0"/>
+              <a:t> 94  4%</a:t>
+            </a:r>
+            <a:br>
+              <a:rPr lang="en-US" dirty="0"/>
+            </a:br>
+            <a:r>
+              <a:rPr lang="en-US" dirty="0"/>
+              <a:t> 96  0%.</a:t>
+            </a:r>
+          </a:p>
+          <a:p>
+            <a:r>
+              <a:rPr lang="en-US" dirty="0"/>
               <a:t>.</a:t>
             </a:r>
           </a:p>
-          <a:p>
-            <a:endParaRPr lang="en-US" sz="1400" dirty="0"/>
-          </a:p>
-          <a:p>
-            <a:r>
-              <a:rPr lang="en-US" sz="1400" dirty="0"/>
-              <a:t>In this talk you will see a variety of Kaplan-Meier curves, the fundamental graphical display for survival data and learn how to interpret these curves. You’ll also see the underlying calculations of a Kaplan-Meier curve and an advanced application of competing risks analysis using a Political Science example of duration of leadership in the world’s countries</a:t>
-            </a:r>
-            <a:r>
-              <a:rPr lang="en-US" sz="1400" dirty="0" smtClean="0"/>
-              <a:t>.</a:t>
-            </a:r>
-            <a:endParaRPr lang="en-US" sz="1400" dirty="0"/>
-          </a:p>
         </p:txBody>
       </p:sp>
       <p:sp>
@@ -5756,7 +8924,7 @@
             </a:pPr>
             <a:r>
               <a:rPr lang="en-US" altLang="en-US" dirty="0"/>
-              <a:t>©2018 Steve Simon    http://TheAnalysisFactor.com</a:t>
+              <a:t>http://TheAnalysisFactor.com</a:t>
             </a:r>
           </a:p>
         </p:txBody>
@@ -5790,7 +8958,7 @@
               <a:pPr>
                 <a:defRPr/>
               </a:pPr>
-              <a:t>2</a:t>
+              <a:t>4</a:t>
             </a:fld>
             <a:endParaRPr lang="en-US"/>
           </a:p>
@@ -5812,17 +8980,16 @@
           <a:lstStyle/>
           <a:p>
             <a:r>
-              <a:rPr lang="en-US" dirty="0" smtClean="0"/>
-              <a:t>Craft of Statistical Analysis</a:t>
-            </a:r>
-            <a:endParaRPr lang="en-US" dirty="0"/>
+              <a:rPr lang="en-US" dirty="0"/>
+              <a:t>At each date, the survival probability drops by 1/25.</a:t>
+            </a:r>
           </a:p>
         </p:txBody>
       </p:sp>
     </p:spTree>
     <p:extLst>
       <p:ext uri="{BB962C8B-B14F-4D97-AF65-F5344CB8AC3E}">
-        <p14:creationId xmlns:p14="http://schemas.microsoft.com/office/powerpoint/2010/main" val="3091858404"/>
+        <p14:creationId xmlns:p14="http://schemas.microsoft.com/office/powerpoint/2010/main" val="3958186599"/>
       </p:ext>
     </p:extLst>
   </p:cSld>
@@ -5839,7 +9006,7 @@
 </p:sld>
 </file>
 
-<file path=ppt/slides/slide20.xml><?xml version="1.0" encoding="utf-8"?>
+<file path=ppt/slides/slide40.xml><?xml version="1.0" encoding="utf-8"?>
 <p:sld xmlns:a="http://schemas.openxmlformats.org/drawingml/2006/main" xmlns:r="http://schemas.openxmlformats.org/officeDocument/2006/relationships" xmlns:p="http://schemas.openxmlformats.org/presentationml/2006/main">
   <p:cSld>
     <p:spTree>
@@ -6061,7 +9228,7 @@
               <a:pPr>
                 <a:defRPr/>
               </a:pPr>
-              <a:t>20</a:t>
+              <a:t>40</a:t>
             </a:fld>
             <a:endParaRPr lang="en-US"/>
           </a:p>
@@ -6099,10 +9266,17 @@
   <p:clrMapOvr>
     <a:masterClrMapping/>
   </p:clrMapOvr>
+  <p:timing>
+    <p:tnLst>
+      <p:par>
+        <p:cTn id="1" dur="indefinite" restart="never" nodeType="tmRoot"/>
+      </p:par>
+    </p:tnLst>
+  </p:timing>
 </p:sld>
 </file>
 
-<file path=ppt/slides/slide21.xml><?xml version="1.0" encoding="utf-8"?>
+<file path=ppt/slides/slide41.xml><?xml version="1.0" encoding="utf-8"?>
 <p:sld xmlns:a="http://schemas.openxmlformats.org/drawingml/2006/main" xmlns:r="http://schemas.openxmlformats.org/officeDocument/2006/relationships" xmlns:p="http://schemas.openxmlformats.org/presentationml/2006/main">
   <p:cSld>
     <p:spTree>
@@ -6285,7 +9459,7 @@
               <a:pPr>
                 <a:defRPr/>
               </a:pPr>
-              <a:t>21</a:t>
+              <a:t>41</a:t>
             </a:fld>
             <a:endParaRPr lang="en-US"/>
           </a:p>
@@ -6323,10 +9497,17 @@
   <p:clrMapOvr>
     <a:masterClrMapping/>
   </p:clrMapOvr>
+  <p:timing>
+    <p:tnLst>
+      <p:par>
+        <p:cTn id="1" dur="indefinite" restart="never" nodeType="tmRoot"/>
+      </p:par>
+    </p:tnLst>
+  </p:timing>
 </p:sld>
 </file>
 
-<file path=ppt/slides/slide22.xml><?xml version="1.0" encoding="utf-8"?>
+<file path=ppt/slides/slide42.xml><?xml version="1.0" encoding="utf-8"?>
 <p:sld xmlns:a="http://schemas.openxmlformats.org/drawingml/2006/main" xmlns:r="http://schemas.openxmlformats.org/officeDocument/2006/relationships" xmlns:p="http://schemas.openxmlformats.org/presentationml/2006/main">
   <p:cSld>
     <p:spTree>
@@ -6575,7 +9756,7 @@
               <a:pPr>
                 <a:defRPr/>
               </a:pPr>
-              <a:t>22</a:t>
+              <a:t>42</a:t>
             </a:fld>
             <a:endParaRPr lang="en-US"/>
           </a:p>
@@ -6613,10 +9794,17 @@
   <p:clrMapOvr>
     <a:masterClrMapping/>
   </p:clrMapOvr>
+  <p:timing>
+    <p:tnLst>
+      <p:par>
+        <p:cTn id="1" dur="indefinite" restart="never" nodeType="tmRoot"/>
+      </p:par>
+    </p:tnLst>
+  </p:timing>
 </p:sld>
 </file>
 
-<file path=ppt/slides/slide23.xml><?xml version="1.0" encoding="utf-8"?>
+<file path=ppt/slides/slide43.xml><?xml version="1.0" encoding="utf-8"?>
 <p:sld xmlns:a="http://schemas.openxmlformats.org/drawingml/2006/main" xmlns:r="http://schemas.openxmlformats.org/officeDocument/2006/relationships" xmlns:p="http://schemas.openxmlformats.org/presentationml/2006/main">
   <p:cSld>
     <p:spTree>
@@ -6818,7 +10006,7 @@
               <a:pPr>
                 <a:defRPr/>
               </a:pPr>
-              <a:t>23</a:t>
+              <a:t>43</a:t>
             </a:fld>
             <a:endParaRPr lang="en-US"/>
           </a:p>
@@ -6856,10 +10044,17 @@
   <p:clrMapOvr>
     <a:masterClrMapping/>
   </p:clrMapOvr>
+  <p:timing>
+    <p:tnLst>
+      <p:par>
+        <p:cTn id="1" dur="indefinite" restart="never" nodeType="tmRoot"/>
+      </p:par>
+    </p:tnLst>
+  </p:timing>
 </p:sld>
 </file>
 
-<file path=ppt/slides/slide24.xml><?xml version="1.0" encoding="utf-8"?>
+<file path=ppt/slides/slide44.xml><?xml version="1.0" encoding="utf-8"?>
 <p:sld xmlns:a="http://schemas.openxmlformats.org/drawingml/2006/main" xmlns:r="http://schemas.openxmlformats.org/officeDocument/2006/relationships" xmlns:p="http://schemas.openxmlformats.org/presentationml/2006/main">
   <p:cSld>
     <p:spTree>
@@ -7030,7 +10225,7 @@
               <a:pPr>
                 <a:defRPr/>
               </a:pPr>
-              <a:t>24</a:t>
+              <a:t>44</a:t>
             </a:fld>
             <a:endParaRPr lang="en-US"/>
           </a:p>
@@ -7068,10 +10263,17 @@
   <p:clrMapOvr>
     <a:masterClrMapping/>
   </p:clrMapOvr>
+  <p:timing>
+    <p:tnLst>
+      <p:par>
+        <p:cTn id="1" dur="indefinite" restart="never" nodeType="tmRoot"/>
+      </p:par>
+    </p:tnLst>
+  </p:timing>
 </p:sld>
 </file>
 
-<file path=ppt/slides/slide25.xml><?xml version="1.0" encoding="utf-8"?>
+<file path=ppt/slides/slide45.xml><?xml version="1.0" encoding="utf-8"?>
 <p:sld xmlns:a="http://schemas.openxmlformats.org/drawingml/2006/main" xmlns:r="http://schemas.openxmlformats.org/officeDocument/2006/relationships" xmlns:p="http://schemas.openxmlformats.org/presentationml/2006/main">
   <p:cSld>
     <p:spTree>
@@ -7293,7 +10495,7 @@
               <a:pPr>
                 <a:defRPr/>
               </a:pPr>
-              <a:t>25</a:t>
+              <a:t>45</a:t>
             </a:fld>
             <a:endParaRPr lang="en-US"/>
           </a:p>
@@ -7331,10 +10533,17 @@
   <p:clrMapOvr>
     <a:masterClrMapping/>
   </p:clrMapOvr>
+  <p:timing>
+    <p:tnLst>
+      <p:par>
+        <p:cTn id="1" dur="indefinite" restart="never" nodeType="tmRoot"/>
+      </p:par>
+    </p:tnLst>
+  </p:timing>
 </p:sld>
 </file>
 
-<file path=ppt/slides/slide26.xml><?xml version="1.0" encoding="utf-8"?>
+<file path=ppt/slides/slide46.xml><?xml version="1.0" encoding="utf-8"?>
 <p:sld xmlns:a="http://schemas.openxmlformats.org/drawingml/2006/main" xmlns:r="http://schemas.openxmlformats.org/officeDocument/2006/relationships" xmlns:p="http://schemas.openxmlformats.org/presentationml/2006/main">
   <p:cSld>
     <p:spTree>
@@ -7427,7 +10636,7 @@
               <a:pPr>
                 <a:defRPr/>
               </a:pPr>
-              <a:t>26</a:t>
+              <a:t>46</a:t>
             </a:fld>
             <a:endParaRPr lang="en-US"/>
           </a:p>
@@ -7473,10 +10682,17 @@
   <p:clrMapOvr>
     <a:masterClrMapping/>
   </p:clrMapOvr>
+  <p:timing>
+    <p:tnLst>
+      <p:par>
+        <p:cTn id="1" dur="indefinite" restart="never" nodeType="tmRoot"/>
+      </p:par>
+    </p:tnLst>
+  </p:timing>
 </p:sld>
 </file>
 
-<file path=ppt/slides/slide27.xml><?xml version="1.0" encoding="utf-8"?>
+<file path=ppt/slides/slide47.xml><?xml version="1.0" encoding="utf-8"?>
 <p:sld xmlns:a="http://schemas.openxmlformats.org/drawingml/2006/main" xmlns:r="http://schemas.openxmlformats.org/officeDocument/2006/relationships" xmlns:p="http://schemas.openxmlformats.org/presentationml/2006/main">
   <p:cSld>
     <p:spTree>
@@ -7569,7 +10785,7 @@
               <a:pPr>
                 <a:defRPr/>
               </a:pPr>
-              <a:t>27</a:t>
+              <a:t>47</a:t>
             </a:fld>
             <a:endParaRPr lang="en-US"/>
           </a:p>
@@ -7615,10 +10831,17 @@
   <p:clrMapOvr>
     <a:masterClrMapping/>
   </p:clrMapOvr>
+  <p:timing>
+    <p:tnLst>
+      <p:par>
+        <p:cTn id="1" dur="indefinite" restart="never" nodeType="tmRoot"/>
+      </p:par>
+    </p:tnLst>
+  </p:timing>
 </p:sld>
 </file>
 
-<file path=ppt/slides/slide28.xml><?xml version="1.0" encoding="utf-8"?>
+<file path=ppt/slides/slide48.xml><?xml version="1.0" encoding="utf-8"?>
 <p:sld xmlns:a="http://schemas.openxmlformats.org/drawingml/2006/main" xmlns:r="http://schemas.openxmlformats.org/officeDocument/2006/relationships" xmlns:p="http://schemas.openxmlformats.org/presentationml/2006/main">
   <p:cSld>
     <p:spTree>
@@ -7711,7 +10934,7 @@
               <a:pPr>
                 <a:defRPr/>
               </a:pPr>
-              <a:t>28</a:t>
+              <a:t>48</a:t>
             </a:fld>
             <a:endParaRPr lang="en-US"/>
           </a:p>
@@ -7757,10 +10980,17 @@
   <p:clrMapOvr>
     <a:masterClrMapping/>
   </p:clrMapOvr>
+  <p:timing>
+    <p:tnLst>
+      <p:par>
+        <p:cTn id="1" dur="indefinite" restart="never" nodeType="tmRoot"/>
+      </p:par>
+    </p:tnLst>
+  </p:timing>
 </p:sld>
 </file>
 
-<file path=ppt/slides/slide29.xml><?xml version="1.0" encoding="utf-8"?>
+<file path=ppt/slides/slide49.xml><?xml version="1.0" encoding="utf-8"?>
 <p:sld xmlns:a="http://schemas.openxmlformats.org/drawingml/2006/main" xmlns:r="http://schemas.openxmlformats.org/officeDocument/2006/relationships" xmlns:p="http://schemas.openxmlformats.org/presentationml/2006/main">
   <p:cSld>
     <p:spTree>
@@ -7853,7 +11083,7 @@
               <a:pPr>
                 <a:defRPr/>
               </a:pPr>
-              <a:t>29</a:t>
+              <a:t>49</a:t>
             </a:fld>
             <a:endParaRPr lang="en-US"/>
           </a:p>
@@ -7899,10 +11129,17 @@
   <p:clrMapOvr>
     <a:masterClrMapping/>
   </p:clrMapOvr>
+  <p:timing>
+    <p:tnLst>
+      <p:par>
+        <p:cTn id="1" dur="indefinite" restart="never" nodeType="tmRoot"/>
+      </p:par>
+    </p:tnLst>
+  </p:timing>
 </p:sld>
 </file>
 
-<file path=ppt/slides/slide3.xml><?xml version="1.0" encoding="utf-8"?>
+<file path=ppt/slides/slide5.xml><?xml version="1.0" encoding="utf-8"?>
 <p:sld xmlns:a="http://schemas.openxmlformats.org/drawingml/2006/main" xmlns:r="http://schemas.openxmlformats.org/officeDocument/2006/relationships" xmlns:p="http://schemas.openxmlformats.org/presentationml/2006/main">
   <p:cSld>
     <p:spTree>
@@ -7921,6 +11158,53 @@
       </p:grpSpPr>
       <p:sp>
         <p:nvSpPr>
+          <p:cNvPr id="2" name="Title 1"/>
+          <p:cNvSpPr>
+            <a:spLocks noGrp="1"/>
+          </p:cNvSpPr>
+          <p:nvPr>
+            <p:ph type="title"/>
+          </p:nvPr>
+        </p:nvSpPr>
+        <p:spPr/>
+        <p:txBody>
+          <a:bodyPr/>
+          <a:lstStyle/>
+          <a:p>
+            <a:r>
+              <a:rPr lang="en-US" dirty="0"/>
+              <a:t>Fruit fly data (round 1)</a:t>
+            </a:r>
+          </a:p>
+        </p:txBody>
+      </p:sp>
+      <p:sp>
+        <p:nvSpPr>
+          <p:cNvPr id="4" name="Footer Placeholder 3"/>
+          <p:cNvSpPr>
+            <a:spLocks noGrp="1"/>
+          </p:cNvSpPr>
+          <p:nvPr>
+            <p:ph type="ftr" sz="quarter" idx="10"/>
+          </p:nvPr>
+        </p:nvSpPr>
+        <p:spPr/>
+        <p:txBody>
+          <a:bodyPr/>
+          <a:lstStyle/>
+          <a:p>
+            <a:pPr>
+              <a:defRPr/>
+            </a:pPr>
+            <a:r>
+              <a:rPr lang="en-US" altLang="en-US" dirty="0"/>
+              <a:t>http://TheAnalysisFactor.com</a:t>
+            </a:r>
+          </a:p>
+        </p:txBody>
+      </p:sp>
+      <p:sp>
+        <p:nvSpPr>
           <p:cNvPr id="5" name="Slide Number Placeholder 4"/>
           <p:cNvSpPr>
             <a:spLocks noGrp="1"/>
@@ -7937,7 +11221,7 @@
             <a:pPr>
               <a:defRPr/>
             </a:pPr>
-            <a:endParaRPr lang="en-US" smtClean="0"/>
+            <a:endParaRPr lang="en-US"/>
           </a:p>
           <a:p>
             <a:pPr>
@@ -7948,30 +11232,58 @@
               <a:pPr>
                 <a:defRPr/>
               </a:pPr>
-              <a:t>3</a:t>
+              <a:t>5</a:t>
             </a:fld>
             <a:endParaRPr lang="en-US"/>
           </a:p>
         </p:txBody>
       </p:sp>
+      <p:sp>
+        <p:nvSpPr>
+          <p:cNvPr id="6" name="Text Placeholder 5"/>
+          <p:cNvSpPr>
+            <a:spLocks noGrp="1"/>
+          </p:cNvSpPr>
+          <p:nvPr>
+            <p:ph type="body" sz="quarter" idx="12"/>
+          </p:nvPr>
+        </p:nvSpPr>
+        <p:spPr/>
+        <p:txBody>
+          <a:bodyPr/>
+          <a:lstStyle/>
+          <a:p>
+            <a:r>
+              <a:rPr lang="en-US" dirty="0"/>
+              <a:t>A graphical depiction of the survival probability</a:t>
+            </a:r>
+          </a:p>
+        </p:txBody>
+      </p:sp>
       <p:pic>
         <p:nvPicPr>
-          <p:cNvPr id="9" name="Picture 8"/>
+          <p:cNvPr id="3" name="Picture 2"/>
           <p:cNvPicPr>
             <a:picLocks noChangeAspect="1"/>
           </p:cNvPicPr>
           <p:nvPr/>
         </p:nvPicPr>
         <p:blipFill>
-          <a:blip r:embed="rId2"/>
+          <a:blip r:embed="rId2">
+            <a:extLst>
+              <a:ext uri="{28A0092B-C50C-407E-A947-70E740481C1C}">
+                <a14:useLocalDpi xmlns:a14="http://schemas.microsoft.com/office/drawing/2010/main" val="0"/>
+              </a:ext>
+            </a:extLst>
+          </a:blip>
           <a:stretch>
             <a:fillRect/>
           </a:stretch>
         </p:blipFill>
         <p:spPr>
           <a:xfrm>
-            <a:off x="1543428" y="424238"/>
-            <a:ext cx="6057143" cy="6009524"/>
+            <a:off x="457201" y="2355850"/>
+            <a:ext cx="5181600" cy="3886200"/>
           </a:xfrm>
           <a:prstGeom prst="rect">
             <a:avLst/>
@@ -7981,7 +11293,7 @@
     </p:spTree>
     <p:extLst>
       <p:ext uri="{BB962C8B-B14F-4D97-AF65-F5344CB8AC3E}">
-        <p14:creationId xmlns:p14="http://schemas.microsoft.com/office/powerpoint/2010/main" val="3792777369"/>
+        <p14:creationId xmlns:p14="http://schemas.microsoft.com/office/powerpoint/2010/main" val="1001239532"/>
       </p:ext>
     </p:extLst>
   </p:cSld>
@@ -7998,7 +11310,7 @@
 </p:sld>
 </file>
 
-<file path=ppt/slides/slide30.xml><?xml version="1.0" encoding="utf-8"?>
+<file path=ppt/slides/slide50.xml><?xml version="1.0" encoding="utf-8"?>
 <p:sld xmlns:a="http://schemas.openxmlformats.org/drawingml/2006/main" xmlns:r="http://schemas.openxmlformats.org/officeDocument/2006/relationships" xmlns:p="http://schemas.openxmlformats.org/presentationml/2006/main">
   <p:cSld>
     <p:spTree>
@@ -8091,7 +11403,7 @@
               <a:pPr>
                 <a:defRPr/>
               </a:pPr>
-              <a:t>30</a:t>
+              <a:t>50</a:t>
             </a:fld>
             <a:endParaRPr lang="en-US"/>
           </a:p>
@@ -8137,10 +11449,17 @@
   <p:clrMapOvr>
     <a:masterClrMapping/>
   </p:clrMapOvr>
+  <p:timing>
+    <p:tnLst>
+      <p:par>
+        <p:cTn id="1" dur="indefinite" restart="never" nodeType="tmRoot"/>
+      </p:par>
+    </p:tnLst>
+  </p:timing>
 </p:sld>
 </file>
 
-<file path=ppt/slides/slide31.xml><?xml version="1.0" encoding="utf-8"?>
+<file path=ppt/slides/slide51.xml><?xml version="1.0" encoding="utf-8"?>
 <p:sld xmlns:a="http://schemas.openxmlformats.org/drawingml/2006/main" xmlns:r="http://schemas.openxmlformats.org/officeDocument/2006/relationships" xmlns:p="http://schemas.openxmlformats.org/presentationml/2006/main">
   <p:cSld>
     <p:spTree>
@@ -8233,7 +11552,7 @@
               <a:pPr>
                 <a:defRPr/>
               </a:pPr>
-              <a:t>31</a:t>
+              <a:t>51</a:t>
             </a:fld>
             <a:endParaRPr lang="en-US"/>
           </a:p>
@@ -8279,10 +11598,17 @@
   <p:clrMapOvr>
     <a:masterClrMapping/>
   </p:clrMapOvr>
+  <p:timing>
+    <p:tnLst>
+      <p:par>
+        <p:cTn id="1" dur="indefinite" restart="never" nodeType="tmRoot"/>
+      </p:par>
+    </p:tnLst>
+  </p:timing>
 </p:sld>
 </file>
 
-<file path=ppt/slides/slide32.xml><?xml version="1.0" encoding="utf-8"?>
+<file path=ppt/slides/slide52.xml><?xml version="1.0" encoding="utf-8"?>
 <p:sld xmlns:a="http://schemas.openxmlformats.org/drawingml/2006/main" xmlns:r="http://schemas.openxmlformats.org/officeDocument/2006/relationships" xmlns:p="http://schemas.openxmlformats.org/presentationml/2006/main">
   <p:cSld>
     <p:spTree>
@@ -8375,7 +11701,7 @@
               <a:pPr>
                 <a:defRPr/>
               </a:pPr>
-              <a:t>32</a:t>
+              <a:t>52</a:t>
             </a:fld>
             <a:endParaRPr lang="en-US"/>
           </a:p>
@@ -8421,10 +11747,17 @@
   <p:clrMapOvr>
     <a:masterClrMapping/>
   </p:clrMapOvr>
+  <p:timing>
+    <p:tnLst>
+      <p:par>
+        <p:cTn id="1" dur="indefinite" restart="never" nodeType="tmRoot"/>
+      </p:par>
+    </p:tnLst>
+  </p:timing>
 </p:sld>
 </file>
 
-<file path=ppt/slides/slide33.xml><?xml version="1.0" encoding="utf-8"?>
+<file path=ppt/slides/slide53.xml><?xml version="1.0" encoding="utf-8"?>
 <p:sld xmlns:a="http://schemas.openxmlformats.org/drawingml/2006/main" xmlns:r="http://schemas.openxmlformats.org/officeDocument/2006/relationships" xmlns:p="http://schemas.openxmlformats.org/presentationml/2006/main">
   <p:cSld>
     <p:spTree>
@@ -8517,7 +11850,7 @@
               <a:pPr>
                 <a:defRPr/>
               </a:pPr>
-              <a:t>33</a:t>
+              <a:t>53</a:t>
             </a:fld>
             <a:endParaRPr lang="en-US"/>
           </a:p>
@@ -8563,10 +11896,17 @@
   <p:clrMapOvr>
     <a:masterClrMapping/>
   </p:clrMapOvr>
+  <p:timing>
+    <p:tnLst>
+      <p:par>
+        <p:cTn id="1" dur="indefinite" restart="never" nodeType="tmRoot"/>
+      </p:par>
+    </p:tnLst>
+  </p:timing>
 </p:sld>
 </file>
 
-<file path=ppt/slides/slide34.xml><?xml version="1.0" encoding="utf-8"?>
+<file path=ppt/slides/slide54.xml><?xml version="1.0" encoding="utf-8"?>
 <p:sld xmlns:a="http://schemas.openxmlformats.org/drawingml/2006/main" xmlns:r="http://schemas.openxmlformats.org/officeDocument/2006/relationships" xmlns:p="http://schemas.openxmlformats.org/presentationml/2006/main">
   <p:cSld>
     <p:spTree>
@@ -8659,7 +11999,7 @@
               <a:pPr>
                 <a:defRPr/>
               </a:pPr>
-              <a:t>34</a:t>
+              <a:t>54</a:t>
             </a:fld>
             <a:endParaRPr lang="en-US"/>
           </a:p>
@@ -8705,10 +12045,17 @@
   <p:clrMapOvr>
     <a:masterClrMapping/>
   </p:clrMapOvr>
+  <p:timing>
+    <p:tnLst>
+      <p:par>
+        <p:cTn id="1" dur="indefinite" restart="never" nodeType="tmRoot"/>
+      </p:par>
+    </p:tnLst>
+  </p:timing>
 </p:sld>
 </file>
 
-<file path=ppt/slides/slide35.xml><?xml version="1.0" encoding="utf-8"?>
+<file path=ppt/slides/slide55.xml><?xml version="1.0" encoding="utf-8"?>
 <p:sld xmlns:a="http://schemas.openxmlformats.org/drawingml/2006/main" xmlns:r="http://schemas.openxmlformats.org/officeDocument/2006/relationships" xmlns:p="http://schemas.openxmlformats.org/presentationml/2006/main">
   <p:cSld>
     <p:spTree>
@@ -8801,7 +12148,7 @@
               <a:pPr>
                 <a:defRPr/>
               </a:pPr>
-              <a:t>35</a:t>
+              <a:t>55</a:t>
             </a:fld>
             <a:endParaRPr lang="en-US"/>
           </a:p>
@@ -8847,10 +12194,17 @@
   <p:clrMapOvr>
     <a:masterClrMapping/>
   </p:clrMapOvr>
+  <p:timing>
+    <p:tnLst>
+      <p:par>
+        <p:cTn id="1" dur="indefinite" restart="never" nodeType="tmRoot"/>
+      </p:par>
+    </p:tnLst>
+  </p:timing>
 </p:sld>
 </file>
 
-<file path=ppt/slides/slide36.xml><?xml version="1.0" encoding="utf-8"?>
+<file path=ppt/slides/slide56.xml><?xml version="1.0" encoding="utf-8"?>
 <p:sld xmlns:a="http://schemas.openxmlformats.org/drawingml/2006/main" xmlns:r="http://schemas.openxmlformats.org/officeDocument/2006/relationships" xmlns:p="http://schemas.openxmlformats.org/presentationml/2006/main">
   <p:cSld>
     <p:spTree>
@@ -8943,7 +12297,7 @@
               <a:pPr>
                 <a:defRPr/>
               </a:pPr>
-              <a:t>36</a:t>
+              <a:t>56</a:t>
             </a:fld>
             <a:endParaRPr lang="en-US"/>
           </a:p>
@@ -8989,10 +12343,17 @@
   <p:clrMapOvr>
     <a:masterClrMapping/>
   </p:clrMapOvr>
+  <p:timing>
+    <p:tnLst>
+      <p:par>
+        <p:cTn id="1" dur="indefinite" restart="never" nodeType="tmRoot"/>
+      </p:par>
+    </p:tnLst>
+  </p:timing>
 </p:sld>
 </file>
 
-<file path=ppt/slides/slide37.xml><?xml version="1.0" encoding="utf-8"?>
+<file path=ppt/slides/slide57.xml><?xml version="1.0" encoding="utf-8"?>
 <p:sld xmlns:a="http://schemas.openxmlformats.org/drawingml/2006/main" xmlns:r="http://schemas.openxmlformats.org/officeDocument/2006/relationships" xmlns:p="http://schemas.openxmlformats.org/presentationml/2006/main">
   <p:cSld>
     <p:spTree>
@@ -9293,7 +12654,7 @@
               <a:pPr>
                 <a:defRPr/>
               </a:pPr>
-              <a:t>37</a:t>
+              <a:t>57</a:t>
             </a:fld>
             <a:endParaRPr lang="en-US"/>
           </a:p>
@@ -9331,10 +12692,17 @@
   <p:clrMapOvr>
     <a:masterClrMapping/>
   </p:clrMapOvr>
+  <p:timing>
+    <p:tnLst>
+      <p:par>
+        <p:cTn id="1" dur="indefinite" restart="never" nodeType="tmRoot"/>
+      </p:par>
+    </p:tnLst>
+  </p:timing>
 </p:sld>
 </file>
 
-<file path=ppt/slides/slide38.xml><?xml version="1.0" encoding="utf-8"?>
+<file path=ppt/slides/slide58.xml><?xml version="1.0" encoding="utf-8"?>
 <p:sld xmlns:a="http://schemas.openxmlformats.org/drawingml/2006/main" xmlns:r="http://schemas.openxmlformats.org/officeDocument/2006/relationships" xmlns:p="http://schemas.openxmlformats.org/presentationml/2006/main">
   <p:cSld>
     <p:spTree>
@@ -9503,7 +12871,7 @@
               <a:pPr>
                 <a:defRPr/>
               </a:pPr>
-              <a:t>38</a:t>
+              <a:t>58</a:t>
             </a:fld>
             <a:endParaRPr lang="en-US"/>
           </a:p>
@@ -9541,10 +12909,17 @@
   <p:clrMapOvr>
     <a:masterClrMapping/>
   </p:clrMapOvr>
+  <p:timing>
+    <p:tnLst>
+      <p:par>
+        <p:cTn id="1" dur="indefinite" restart="never" nodeType="tmRoot"/>
+      </p:par>
+    </p:tnLst>
+  </p:timing>
 </p:sld>
 </file>
 
-<file path=ppt/slides/slide39.xml><?xml version="1.0" encoding="utf-8"?>
+<file path=ppt/slides/slide59.xml><?xml version="1.0" encoding="utf-8"?>
 <p:sld xmlns:a="http://schemas.openxmlformats.org/drawingml/2006/main" xmlns:r="http://schemas.openxmlformats.org/officeDocument/2006/relationships" xmlns:p="http://schemas.openxmlformats.org/presentationml/2006/main">
   <p:cSld>
     <p:spTree>
@@ -9637,7 +13012,7 @@
               <a:pPr>
                 <a:defRPr/>
               </a:pPr>
-              <a:t>39</a:t>
+              <a:t>59</a:t>
             </a:fld>
             <a:endParaRPr lang="en-US"/>
           </a:p>
@@ -9683,10 +13058,17 @@
   <p:clrMapOvr>
     <a:masterClrMapping/>
   </p:clrMapOvr>
+  <p:timing>
+    <p:tnLst>
+      <p:par>
+        <p:cTn id="1" dur="indefinite" restart="never" nodeType="tmRoot"/>
+      </p:par>
+    </p:tnLst>
+  </p:timing>
 </p:sld>
 </file>
 
-<file path=ppt/slides/slide4.xml><?xml version="1.0" encoding="utf-8"?>
+<file path=ppt/slides/slide6.xml><?xml version="1.0" encoding="utf-8"?>
 <p:sld xmlns:a="http://schemas.openxmlformats.org/drawingml/2006/main" xmlns:r="http://schemas.openxmlformats.org/officeDocument/2006/relationships" xmlns:p="http://schemas.openxmlformats.org/presentationml/2006/main">
   <p:cSld>
     <p:spTree>
@@ -9705,6 +13087,78 @@
       </p:grpSpPr>
       <p:sp>
         <p:nvSpPr>
+          <p:cNvPr id="2" name="Title 1"/>
+          <p:cNvSpPr>
+            <a:spLocks noGrp="1"/>
+          </p:cNvSpPr>
+          <p:nvPr>
+            <p:ph type="title"/>
+          </p:nvPr>
+        </p:nvSpPr>
+        <p:spPr/>
+        <p:txBody>
+          <a:bodyPr/>
+          <a:lstStyle/>
+          <a:p>
+            <a:r>
+              <a:rPr lang="en-US" dirty="0"/>
+              <a:t>Fruit fly data (round 2)</a:t>
+            </a:r>
+          </a:p>
+        </p:txBody>
+      </p:sp>
+      <p:sp>
+        <p:nvSpPr>
+          <p:cNvPr id="3" name="Text Placeholder 2"/>
+          <p:cNvSpPr>
+            <a:spLocks noGrp="1"/>
+          </p:cNvSpPr>
+          <p:nvPr>
+            <p:ph type="body" idx="1"/>
+          </p:nvPr>
+        </p:nvSpPr>
+        <p:spPr/>
+        <p:txBody>
+          <a:bodyPr numCol="1"/>
+          <a:lstStyle/>
+          <a:p>
+            <a:r>
+              <a:rPr lang="en-US" dirty="0"/>
+              <a:t>Now let's alter the experiment. Suppose that totally by accident, a technician leaves the screen cover open on day 70 and all the flies escape. You're probably worried that the whole experiment has been ruined. But don't be so pessimistic. You still have complete information on survival of the fruit flies up to their 70th day of life. Here's how you would present the data and estimate the survival probabilities.</a:t>
+            </a:r>
+          </a:p>
+          <a:p>
+            <a:endParaRPr lang="en-US" dirty="0"/>
+          </a:p>
+        </p:txBody>
+      </p:sp>
+      <p:sp>
+        <p:nvSpPr>
+          <p:cNvPr id="4" name="Footer Placeholder 3"/>
+          <p:cNvSpPr>
+            <a:spLocks noGrp="1"/>
+          </p:cNvSpPr>
+          <p:nvPr>
+            <p:ph type="ftr" sz="quarter" idx="10"/>
+          </p:nvPr>
+        </p:nvSpPr>
+        <p:spPr/>
+        <p:txBody>
+          <a:bodyPr/>
+          <a:lstStyle/>
+          <a:p>
+            <a:pPr>
+              <a:defRPr/>
+            </a:pPr>
+            <a:r>
+              <a:rPr lang="en-US" altLang="en-US" dirty="0"/>
+              <a:t>http://TheAnalysisFactor.com</a:t>
+            </a:r>
+          </a:p>
+        </p:txBody>
+      </p:sp>
+      <p:sp>
+        <p:nvSpPr>
           <p:cNvPr id="5" name="Slide Number Placeholder 4"/>
           <p:cNvSpPr>
             <a:spLocks noGrp="1"/>
@@ -9721,7 +13175,7 @@
             <a:pPr>
               <a:defRPr/>
             </a:pPr>
-            <a:endParaRPr lang="en-US" smtClean="0"/>
+            <a:endParaRPr lang="en-US"/>
           </a:p>
           <a:p>
             <a:pPr>
@@ -9732,40 +13186,38 @@
               <a:pPr>
                 <a:defRPr/>
               </a:pPr>
-              <a:t>4</a:t>
+              <a:t>6</a:t>
             </a:fld>
             <a:endParaRPr lang="en-US"/>
           </a:p>
         </p:txBody>
       </p:sp>
-      <p:pic>
-        <p:nvPicPr>
-          <p:cNvPr id="2" name="Picture 1"/>
-          <p:cNvPicPr>
-            <a:picLocks noChangeAspect="1"/>
-          </p:cNvPicPr>
-          <p:nvPr/>
-        </p:nvPicPr>
-        <p:blipFill>
-          <a:blip r:embed="rId2"/>
-          <a:stretch>
-            <a:fillRect/>
-          </a:stretch>
-        </p:blipFill>
-        <p:spPr>
-          <a:xfrm>
-            <a:off x="1867238" y="714714"/>
-            <a:ext cx="5409524" cy="5428571"/>
-          </a:xfrm>
-          <a:prstGeom prst="rect">
-            <a:avLst/>
-          </a:prstGeom>
-        </p:spPr>
-      </p:pic>
+      <p:sp>
+        <p:nvSpPr>
+          <p:cNvPr id="6" name="Text Placeholder 5"/>
+          <p:cNvSpPr>
+            <a:spLocks noGrp="1"/>
+          </p:cNvSpPr>
+          <p:nvPr>
+            <p:ph type="body" sz="quarter" idx="12"/>
+          </p:nvPr>
+        </p:nvSpPr>
+        <p:spPr/>
+        <p:txBody>
+          <a:bodyPr/>
+          <a:lstStyle/>
+          <a:p>
+            <a:r>
+              <a:rPr lang="en-US" dirty="0"/>
+              <a:t>Let’s alter the experiment</a:t>
+            </a:r>
+          </a:p>
+        </p:txBody>
+      </p:sp>
     </p:spTree>
     <p:extLst>
       <p:ext uri="{BB962C8B-B14F-4D97-AF65-F5344CB8AC3E}">
-        <p14:creationId xmlns:p14="http://schemas.microsoft.com/office/powerpoint/2010/main" val="3496040819"/>
+        <p14:creationId xmlns:p14="http://schemas.microsoft.com/office/powerpoint/2010/main" val="458290867"/>
       </p:ext>
     </p:extLst>
   </p:cSld>
@@ -9782,7 +13234,7 @@
 </p:sld>
 </file>
 
-<file path=ppt/slides/slide40.xml><?xml version="1.0" encoding="utf-8"?>
+<file path=ppt/slides/slide60.xml><?xml version="1.0" encoding="utf-8"?>
 <p:sld xmlns:a="http://schemas.openxmlformats.org/drawingml/2006/main" xmlns:r="http://schemas.openxmlformats.org/officeDocument/2006/relationships" xmlns:p="http://schemas.openxmlformats.org/presentationml/2006/main">
   <p:cSld>
     <p:spTree>
@@ -9875,7 +13327,7 @@
               <a:pPr>
                 <a:defRPr/>
               </a:pPr>
-              <a:t>40</a:t>
+              <a:t>60</a:t>
             </a:fld>
             <a:endParaRPr lang="en-US"/>
           </a:p>
@@ -9921,10 +13373,17 @@
   <p:clrMapOvr>
     <a:masterClrMapping/>
   </p:clrMapOvr>
+  <p:timing>
+    <p:tnLst>
+      <p:par>
+        <p:cTn id="1" dur="indefinite" restart="never" nodeType="tmRoot"/>
+      </p:par>
+    </p:tnLst>
+  </p:timing>
 </p:sld>
 </file>
 
-<file path=ppt/slides/slide41.xml><?xml version="1.0" encoding="utf-8"?>
+<file path=ppt/slides/slide61.xml><?xml version="1.0" encoding="utf-8"?>
 <p:sld xmlns:a="http://schemas.openxmlformats.org/drawingml/2006/main" xmlns:r="http://schemas.openxmlformats.org/officeDocument/2006/relationships" xmlns:p="http://schemas.openxmlformats.org/presentationml/2006/main">
   <p:cSld>
     <p:spTree>
@@ -10017,7 +13476,7 @@
               <a:pPr>
                 <a:defRPr/>
               </a:pPr>
-              <a:t>41</a:t>
+              <a:t>61</a:t>
             </a:fld>
             <a:endParaRPr lang="en-US"/>
           </a:p>
@@ -10063,10 +13522,17 @@
   <p:clrMapOvr>
     <a:masterClrMapping/>
   </p:clrMapOvr>
+  <p:timing>
+    <p:tnLst>
+      <p:par>
+        <p:cTn id="1" dur="indefinite" restart="never" nodeType="tmRoot"/>
+      </p:par>
+    </p:tnLst>
+  </p:timing>
 </p:sld>
 </file>
 
-<file path=ppt/slides/slide42.xml><?xml version="1.0" encoding="utf-8"?>
+<file path=ppt/slides/slide62.xml><?xml version="1.0" encoding="utf-8"?>
 <p:sld xmlns:a="http://schemas.openxmlformats.org/drawingml/2006/main" xmlns:r="http://schemas.openxmlformats.org/officeDocument/2006/relationships" xmlns:p="http://schemas.openxmlformats.org/presentationml/2006/main">
   <p:cSld>
     <p:spTree>
@@ -10159,7 +13625,7 @@
               <a:pPr>
                 <a:defRPr/>
               </a:pPr>
-              <a:t>42</a:t>
+              <a:t>62</a:t>
             </a:fld>
             <a:endParaRPr lang="en-US"/>
           </a:p>
@@ -10205,10 +13671,17 @@
   <p:clrMapOvr>
     <a:masterClrMapping/>
   </p:clrMapOvr>
+  <p:timing>
+    <p:tnLst>
+      <p:par>
+        <p:cTn id="1" dur="indefinite" restart="never" nodeType="tmRoot"/>
+      </p:par>
+    </p:tnLst>
+  </p:timing>
 </p:sld>
 </file>
 
-<file path=ppt/slides/slide43.xml><?xml version="1.0" encoding="utf-8"?>
+<file path=ppt/slides/slide63.xml><?xml version="1.0" encoding="utf-8"?>
 <p:sld xmlns:a="http://schemas.openxmlformats.org/drawingml/2006/main" xmlns:r="http://schemas.openxmlformats.org/officeDocument/2006/relationships" xmlns:p="http://schemas.openxmlformats.org/presentationml/2006/main">
   <p:cSld>
     <p:spTree>
@@ -10301,7 +13774,7 @@
               <a:pPr>
                 <a:defRPr/>
               </a:pPr>
-              <a:t>43</a:t>
+              <a:t>63</a:t>
             </a:fld>
             <a:endParaRPr lang="en-US"/>
           </a:p>
@@ -10347,10 +13820,17 @@
   <p:clrMapOvr>
     <a:masterClrMapping/>
   </p:clrMapOvr>
+  <p:timing>
+    <p:tnLst>
+      <p:par>
+        <p:cTn id="1" dur="indefinite" restart="never" nodeType="tmRoot"/>
+      </p:par>
+    </p:tnLst>
+  </p:timing>
 </p:sld>
 </file>
 
-<file path=ppt/slides/slide44.xml><?xml version="1.0" encoding="utf-8"?>
+<file path=ppt/slides/slide64.xml><?xml version="1.0" encoding="utf-8"?>
 <p:sld xmlns:a="http://schemas.openxmlformats.org/drawingml/2006/main" xmlns:r="http://schemas.openxmlformats.org/officeDocument/2006/relationships" xmlns:p="http://schemas.openxmlformats.org/presentationml/2006/main">
   <p:cSld>
     <p:spTree>
@@ -10443,7 +13923,7 @@
               <a:pPr>
                 <a:defRPr/>
               </a:pPr>
-              <a:t>44</a:t>
+              <a:t>64</a:t>
             </a:fld>
             <a:endParaRPr lang="en-US"/>
           </a:p>
@@ -10489,10 +13969,17 @@
   <p:clrMapOvr>
     <a:masterClrMapping/>
   </p:clrMapOvr>
+  <p:timing>
+    <p:tnLst>
+      <p:par>
+        <p:cTn id="1" dur="indefinite" restart="never" nodeType="tmRoot"/>
+      </p:par>
+    </p:tnLst>
+  </p:timing>
 </p:sld>
 </file>
 
-<file path=ppt/slides/slide45.xml><?xml version="1.0" encoding="utf-8"?>
+<file path=ppt/slides/slide65.xml><?xml version="1.0" encoding="utf-8"?>
 <p:sld xmlns:a="http://schemas.openxmlformats.org/drawingml/2006/main" xmlns:r="http://schemas.openxmlformats.org/officeDocument/2006/relationships" xmlns:p="http://schemas.openxmlformats.org/presentationml/2006/main">
   <p:cSld>
     <p:spTree>
@@ -10585,7 +14072,7 @@
               <a:pPr>
                 <a:defRPr/>
               </a:pPr>
-              <a:t>45</a:t>
+              <a:t>65</a:t>
             </a:fld>
             <a:endParaRPr lang="en-US"/>
           </a:p>
@@ -10631,10 +14118,17 @@
   <p:clrMapOvr>
     <a:masterClrMapping/>
   </p:clrMapOvr>
+  <p:timing>
+    <p:tnLst>
+      <p:par>
+        <p:cTn id="1" dur="indefinite" restart="never" nodeType="tmRoot"/>
+      </p:par>
+    </p:tnLst>
+  </p:timing>
 </p:sld>
 </file>
 
-<file path=ppt/slides/slide46.xml><?xml version="1.0" encoding="utf-8"?>
+<file path=ppt/slides/slide66.xml><?xml version="1.0" encoding="utf-8"?>
 <p:sld xmlns:a="http://schemas.openxmlformats.org/drawingml/2006/main" xmlns:r="http://schemas.openxmlformats.org/officeDocument/2006/relationships" xmlns:p="http://schemas.openxmlformats.org/presentationml/2006/main">
   <p:cSld>
     <p:spTree>
@@ -10727,7 +14221,7 @@
               <a:pPr>
                 <a:defRPr/>
               </a:pPr>
-              <a:t>46</a:t>
+              <a:t>66</a:t>
             </a:fld>
             <a:endParaRPr lang="en-US"/>
           </a:p>
@@ -10773,10 +14267,17 @@
   <p:clrMapOvr>
     <a:masterClrMapping/>
   </p:clrMapOvr>
+  <p:timing>
+    <p:tnLst>
+      <p:par>
+        <p:cTn id="1" dur="indefinite" restart="never" nodeType="tmRoot"/>
+      </p:par>
+    </p:tnLst>
+  </p:timing>
 </p:sld>
 </file>
 
-<file path=ppt/slides/slide47.xml><?xml version="1.0" encoding="utf-8"?>
+<file path=ppt/slides/slide67.xml><?xml version="1.0" encoding="utf-8"?>
 <p:sld xmlns:a="http://schemas.openxmlformats.org/drawingml/2006/main" xmlns:r="http://schemas.openxmlformats.org/officeDocument/2006/relationships" xmlns:p="http://schemas.openxmlformats.org/presentationml/2006/main">
   <p:cSld>
     <p:spTree>
@@ -10869,7 +14370,7 @@
               <a:pPr>
                 <a:defRPr/>
               </a:pPr>
-              <a:t>47</a:t>
+              <a:t>67</a:t>
             </a:fld>
             <a:endParaRPr lang="en-US"/>
           </a:p>
@@ -10915,10 +14416,17 @@
   <p:clrMapOvr>
     <a:masterClrMapping/>
   </p:clrMapOvr>
+  <p:timing>
+    <p:tnLst>
+      <p:par>
+        <p:cTn id="1" dur="indefinite" restart="never" nodeType="tmRoot"/>
+      </p:par>
+    </p:tnLst>
+  </p:timing>
 </p:sld>
 </file>
 
-<file path=ppt/slides/slide48.xml><?xml version="1.0" encoding="utf-8"?>
+<file path=ppt/slides/slide68.xml><?xml version="1.0" encoding="utf-8"?>
 <p:sld xmlns:a="http://schemas.openxmlformats.org/drawingml/2006/main" xmlns:r="http://schemas.openxmlformats.org/officeDocument/2006/relationships" xmlns:p="http://schemas.openxmlformats.org/presentationml/2006/main">
   <p:cSld>
     <p:spTree>
@@ -11011,7 +14519,7 @@
               <a:pPr>
                 <a:defRPr/>
               </a:pPr>
-              <a:t>48</a:t>
+              <a:t>68</a:t>
             </a:fld>
             <a:endParaRPr lang="en-US"/>
           </a:p>
@@ -11057,10 +14565,17 @@
   <p:clrMapOvr>
     <a:masterClrMapping/>
   </p:clrMapOvr>
+  <p:timing>
+    <p:tnLst>
+      <p:par>
+        <p:cTn id="1" dur="indefinite" restart="never" nodeType="tmRoot"/>
+      </p:par>
+    </p:tnLst>
+  </p:timing>
 </p:sld>
 </file>
 
-<file path=ppt/slides/slide49.xml><?xml version="1.0" encoding="utf-8"?>
+<file path=ppt/slides/slide69.xml><?xml version="1.0" encoding="utf-8"?>
 <p:sld xmlns:a="http://schemas.openxmlformats.org/drawingml/2006/main" xmlns:r="http://schemas.openxmlformats.org/officeDocument/2006/relationships" xmlns:p="http://schemas.openxmlformats.org/presentationml/2006/main">
   <p:cSld>
     <p:spTree>
@@ -11153,7 +14668,7 @@
               <a:pPr>
                 <a:defRPr/>
               </a:pPr>
-              <a:t>49</a:t>
+              <a:t>69</a:t>
             </a:fld>
             <a:endParaRPr lang="en-US"/>
           </a:p>
@@ -11199,10 +14714,17 @@
   <p:clrMapOvr>
     <a:masterClrMapping/>
   </p:clrMapOvr>
+  <p:timing>
+    <p:tnLst>
+      <p:par>
+        <p:cTn id="1" dur="indefinite" restart="never" nodeType="tmRoot"/>
+      </p:par>
+    </p:tnLst>
+  </p:timing>
 </p:sld>
 </file>
 
-<file path=ppt/slides/slide5.xml><?xml version="1.0" encoding="utf-8"?>
+<file path=ppt/slides/slide7.xml><?xml version="1.0" encoding="utf-8"?>
 <p:sld xmlns:a="http://schemas.openxmlformats.org/drawingml/2006/main" xmlns:r="http://schemas.openxmlformats.org/officeDocument/2006/relationships" xmlns:p="http://schemas.openxmlformats.org/presentationml/2006/main">
   <p:cSld>
     <p:spTree>
@@ -11221,6 +14743,249 @@
       </p:grpSpPr>
       <p:sp>
         <p:nvSpPr>
+          <p:cNvPr id="2" name="Title 1"/>
+          <p:cNvSpPr>
+            <a:spLocks noGrp="1"/>
+          </p:cNvSpPr>
+          <p:nvPr>
+            <p:ph type="title"/>
+          </p:nvPr>
+        </p:nvSpPr>
+        <p:spPr/>
+        <p:txBody>
+          <a:bodyPr/>
+          <a:lstStyle/>
+          <a:p>
+            <a:r>
+              <a:rPr lang="en-US" dirty="0"/>
+              <a:t>Fruit fly data (round 2)</a:t>
+            </a:r>
+          </a:p>
+        </p:txBody>
+      </p:sp>
+      <p:sp>
+        <p:nvSpPr>
+          <p:cNvPr id="3" name="Text Placeholder 2"/>
+          <p:cNvSpPr>
+            <a:spLocks noGrp="1"/>
+          </p:cNvSpPr>
+          <p:nvPr>
+            <p:ph type="body" idx="1"/>
+          </p:nvPr>
+        </p:nvSpPr>
+        <p:spPr/>
+        <p:txBody>
+          <a:bodyPr numCol="4"/>
+          <a:lstStyle/>
+          <a:p>
+            <a:r>
+              <a:rPr lang="en-US" dirty="0"/>
+              <a:t> 37 96%</a:t>
+            </a:r>
+            <a:br>
+              <a:rPr lang="en-US" dirty="0"/>
+            </a:br>
+            <a:r>
+              <a:rPr lang="en-US" dirty="0"/>
+              <a:t> 40 92%</a:t>
+            </a:r>
+            <a:br>
+              <a:rPr lang="en-US" dirty="0"/>
+            </a:br>
+            <a:r>
+              <a:rPr lang="en-US" dirty="0"/>
+              <a:t> 43 88%</a:t>
+            </a:r>
+            <a:br>
+              <a:rPr lang="en-US" dirty="0"/>
+            </a:br>
+            <a:r>
+              <a:rPr lang="en-US" dirty="0"/>
+              <a:t> 44 84%</a:t>
+            </a:r>
+            <a:br>
+              <a:rPr lang="en-US" dirty="0"/>
+            </a:br>
+            <a:r>
+              <a:rPr lang="en-US" dirty="0"/>
+              <a:t> 45 80%</a:t>
+            </a:r>
+            <a:br>
+              <a:rPr lang="en-US" dirty="0"/>
+            </a:br>
+            <a:r>
+              <a:rPr lang="en-US" dirty="0"/>
+              <a:t> 47 76%</a:t>
+            </a:r>
+            <a:br>
+              <a:rPr lang="en-US" dirty="0"/>
+            </a:br>
+            <a:r>
+              <a:rPr lang="en-US" dirty="0"/>
+              <a:t> 49 72%</a:t>
+            </a:r>
+            <a:br>
+              <a:rPr lang="en-US" dirty="0"/>
+            </a:br>
+            <a:r>
+              <a:rPr lang="en-US" dirty="0"/>
+              <a:t> 54 68%</a:t>
+            </a:r>
+            <a:br>
+              <a:rPr lang="en-US" dirty="0"/>
+            </a:br>
+            <a:r>
+              <a:rPr lang="en-US" dirty="0"/>
+              <a:t> 56 64%</a:t>
+            </a:r>
+            <a:br>
+              <a:rPr lang="en-US" dirty="0"/>
+            </a:br>
+            <a:r>
+              <a:rPr lang="en-US" dirty="0"/>
+              <a:t> 58 60%</a:t>
+            </a:r>
+            <a:br>
+              <a:rPr lang="en-US" dirty="0"/>
+            </a:br>
+            <a:r>
+              <a:rPr lang="en-US" dirty="0"/>
+              <a:t> 59 56%</a:t>
+            </a:r>
+            <a:br>
+              <a:rPr lang="en-US" dirty="0"/>
+            </a:br>
+            <a:r>
+              <a:rPr lang="en-US" dirty="0"/>
+              <a:t> 60 52%</a:t>
+            </a:r>
+            <a:br>
+              <a:rPr lang="en-US" dirty="0"/>
+            </a:br>
+            <a:r>
+              <a:rPr lang="en-US" dirty="0"/>
+              <a:t> 61 48%</a:t>
+            </a:r>
+            <a:br>
+              <a:rPr lang="en-US" dirty="0"/>
+            </a:br>
+            <a:r>
+              <a:rPr lang="en-US" dirty="0"/>
+              <a:t> 62 44%</a:t>
+            </a:r>
+            <a:br>
+              <a:rPr lang="en-US" dirty="0"/>
+            </a:br>
+            <a:r>
+              <a:rPr lang="en-US" dirty="0"/>
+              <a:t> 68 40%</a:t>
+            </a:r>
+            <a:br>
+              <a:rPr lang="en-US" dirty="0"/>
+            </a:br>
+            <a:r>
+              <a:rPr lang="en-US" dirty="0"/>
+              <a:t> 70+ ?</a:t>
+            </a:r>
+            <a:br>
+              <a:rPr lang="en-US" dirty="0"/>
+            </a:br>
+            <a:r>
+              <a:rPr lang="en-US" dirty="0"/>
+              <a:t> 70+ ?</a:t>
+            </a:r>
+            <a:br>
+              <a:rPr lang="en-US" dirty="0"/>
+            </a:br>
+            <a:r>
+              <a:rPr lang="en-US" dirty="0"/>
+              <a:t> 70+ ?</a:t>
+            </a:r>
+            <a:br>
+              <a:rPr lang="en-US" dirty="0"/>
+            </a:br>
+            <a:r>
+              <a:rPr lang="en-US" dirty="0"/>
+              <a:t> 70+ ?</a:t>
+            </a:r>
+            <a:br>
+              <a:rPr lang="en-US" dirty="0"/>
+            </a:br>
+            <a:r>
+              <a:rPr lang="en-US" dirty="0"/>
+              <a:t> 70+ ?</a:t>
+            </a:r>
+            <a:br>
+              <a:rPr lang="en-US" dirty="0"/>
+            </a:br>
+            <a:r>
+              <a:rPr lang="en-US" dirty="0"/>
+              <a:t> 70+ ?</a:t>
+            </a:r>
+            <a:br>
+              <a:rPr lang="en-US" dirty="0"/>
+            </a:br>
+            <a:r>
+              <a:rPr lang="en-US" dirty="0"/>
+              <a:t>  70+ ?</a:t>
+            </a:r>
+            <a:br>
+              <a:rPr lang="en-US" dirty="0"/>
+            </a:br>
+            <a:r>
+              <a:rPr lang="en-US" dirty="0"/>
+              <a:t>  70+ ?</a:t>
+            </a:r>
+            <a:br>
+              <a:rPr lang="en-US" dirty="0"/>
+            </a:br>
+            <a:r>
+              <a:rPr lang="en-US" dirty="0"/>
+              <a:t>  70+ ?</a:t>
+            </a:r>
+            <a:br>
+              <a:rPr lang="en-US" dirty="0"/>
+            </a:br>
+            <a:r>
+              <a:rPr lang="en-US" dirty="0"/>
+              <a:t>  70+ ?</a:t>
+            </a:r>
+          </a:p>
+          <a:p>
+            <a:r>
+              <a:rPr lang="en-US" dirty="0"/>
+              <a:t>.</a:t>
+            </a:r>
+          </a:p>
+        </p:txBody>
+      </p:sp>
+      <p:sp>
+        <p:nvSpPr>
+          <p:cNvPr id="4" name="Footer Placeholder 3"/>
+          <p:cNvSpPr>
+            <a:spLocks noGrp="1"/>
+          </p:cNvSpPr>
+          <p:nvPr>
+            <p:ph type="ftr" sz="quarter" idx="10"/>
+          </p:nvPr>
+        </p:nvSpPr>
+        <p:spPr/>
+        <p:txBody>
+          <a:bodyPr/>
+          <a:lstStyle/>
+          <a:p>
+            <a:pPr>
+              <a:defRPr/>
+            </a:pPr>
+            <a:r>
+              <a:rPr lang="en-US" altLang="en-US" dirty="0"/>
+              <a:t>http://TheAnalysisFactor.com</a:t>
+            </a:r>
+          </a:p>
+        </p:txBody>
+      </p:sp>
+      <p:sp>
+        <p:nvSpPr>
           <p:cNvPr id="5" name="Slide Number Placeholder 4"/>
           <p:cNvSpPr>
             <a:spLocks noGrp="1"/>
@@ -11237,7 +15002,7 @@
             <a:pPr>
               <a:defRPr/>
             </a:pPr>
-            <a:endParaRPr lang="en-US" smtClean="0"/>
+            <a:endParaRPr lang="en-US"/>
           </a:p>
           <a:p>
             <a:pPr>
@@ -11248,40 +15013,38 @@
               <a:pPr>
                 <a:defRPr/>
               </a:pPr>
-              <a:t>5</a:t>
+              <a:t>7</a:t>
             </a:fld>
             <a:endParaRPr lang="en-US"/>
           </a:p>
         </p:txBody>
       </p:sp>
-      <p:pic>
-        <p:nvPicPr>
-          <p:cNvPr id="3" name="Picture 2"/>
-          <p:cNvPicPr>
-            <a:picLocks noChangeAspect="1"/>
-          </p:cNvPicPr>
-          <p:nvPr/>
-        </p:nvPicPr>
-        <p:blipFill>
-          <a:blip r:embed="rId2"/>
-          <a:stretch>
-            <a:fillRect/>
-          </a:stretch>
-        </p:blipFill>
-        <p:spPr>
-          <a:xfrm>
-            <a:off x="1248190" y="462333"/>
-            <a:ext cx="6647619" cy="5933333"/>
-          </a:xfrm>
-          <a:prstGeom prst="rect">
-            <a:avLst/>
-          </a:prstGeom>
-        </p:spPr>
-      </p:pic>
+      <p:sp>
+        <p:nvSpPr>
+          <p:cNvPr id="6" name="Text Placeholder 5"/>
+          <p:cNvSpPr>
+            <a:spLocks noGrp="1"/>
+          </p:cNvSpPr>
+          <p:nvPr>
+            <p:ph type="body" sz="quarter" idx="12"/>
+          </p:nvPr>
+        </p:nvSpPr>
+        <p:spPr/>
+        <p:txBody>
+          <a:bodyPr/>
+          <a:lstStyle/>
+          <a:p>
+            <a:r>
+              <a:rPr lang="en-US" dirty="0"/>
+              <a:t>You can still estimate some survival probabilities</a:t>
+            </a:r>
+          </a:p>
+        </p:txBody>
+      </p:sp>
     </p:spTree>
     <p:extLst>
       <p:ext uri="{BB962C8B-B14F-4D97-AF65-F5344CB8AC3E}">
-        <p14:creationId xmlns:p14="http://schemas.microsoft.com/office/powerpoint/2010/main" val="2588947854"/>
+        <p14:creationId xmlns:p14="http://schemas.microsoft.com/office/powerpoint/2010/main" val="891234036"/>
       </p:ext>
     </p:extLst>
   </p:cSld>
@@ -11298,7 +15061,7 @@
 </p:sld>
 </file>
 
-<file path=ppt/slides/slide50.xml><?xml version="1.0" encoding="utf-8"?>
+<file path=ppt/slides/slide70.xml><?xml version="1.0" encoding="utf-8"?>
 <p:sld xmlns:a="http://schemas.openxmlformats.org/drawingml/2006/main" xmlns:r="http://schemas.openxmlformats.org/officeDocument/2006/relationships" xmlns:p="http://schemas.openxmlformats.org/presentationml/2006/main">
   <p:cSld>
     <p:spTree>
@@ -11391,7 +15154,7 @@
               <a:pPr>
                 <a:defRPr/>
               </a:pPr>
-              <a:t>50</a:t>
+              <a:t>70</a:t>
             </a:fld>
             <a:endParaRPr lang="en-US"/>
           </a:p>
@@ -11437,10 +15200,17 @@
   <p:clrMapOvr>
     <a:masterClrMapping/>
   </p:clrMapOvr>
+  <p:timing>
+    <p:tnLst>
+      <p:par>
+        <p:cTn id="1" dur="indefinite" restart="never" nodeType="tmRoot"/>
+      </p:par>
+    </p:tnLst>
+  </p:timing>
 </p:sld>
 </file>
 
-<file path=ppt/slides/slide51.xml><?xml version="1.0" encoding="utf-8"?>
+<file path=ppt/slides/slide71.xml><?xml version="1.0" encoding="utf-8"?>
 <p:sld xmlns:a="http://schemas.openxmlformats.org/drawingml/2006/main" xmlns:r="http://schemas.openxmlformats.org/officeDocument/2006/relationships" xmlns:p="http://schemas.openxmlformats.org/presentationml/2006/main">
   <p:cSld>
     <p:spTree>
@@ -11705,7 +15475,7 @@
               <a:pPr>
                 <a:defRPr/>
               </a:pPr>
-              <a:t>51</a:t>
+              <a:t>71</a:t>
             </a:fld>
             <a:endParaRPr lang="en-US"/>
           </a:p>
@@ -11743,10 +15513,17 @@
   <p:clrMapOvr>
     <a:masterClrMapping/>
   </p:clrMapOvr>
+  <p:timing>
+    <p:tnLst>
+      <p:par>
+        <p:cTn id="1" dur="indefinite" restart="never" nodeType="tmRoot"/>
+      </p:par>
+    </p:tnLst>
+  </p:timing>
 </p:sld>
 </file>
 
-<file path=ppt/slides/slide52.xml><?xml version="1.0" encoding="utf-8"?>
+<file path=ppt/slides/slide72.xml><?xml version="1.0" encoding="utf-8"?>
 <p:sld xmlns:a="http://schemas.openxmlformats.org/drawingml/2006/main" xmlns:r="http://schemas.openxmlformats.org/officeDocument/2006/relationships" xmlns:p="http://schemas.openxmlformats.org/presentationml/2006/main">
   <p:cSld>
     <p:spTree>
@@ -11839,7 +15616,7 @@
               <a:pPr>
                 <a:defRPr/>
               </a:pPr>
-              <a:t>52</a:t>
+              <a:t>72</a:t>
             </a:fld>
             <a:endParaRPr lang="en-US"/>
           </a:p>
@@ -11885,10 +15662,17 @@
   <p:clrMapOvr>
     <a:masterClrMapping/>
   </p:clrMapOvr>
+  <p:timing>
+    <p:tnLst>
+      <p:par>
+        <p:cTn id="1" dur="indefinite" restart="never" nodeType="tmRoot"/>
+      </p:par>
+    </p:tnLst>
+  </p:timing>
 </p:sld>
 </file>
 
-<file path=ppt/slides/slide53.xml><?xml version="1.0" encoding="utf-8"?>
+<file path=ppt/slides/slide73.xml><?xml version="1.0" encoding="utf-8"?>
 <p:sld xmlns:a="http://schemas.openxmlformats.org/drawingml/2006/main" xmlns:r="http://schemas.openxmlformats.org/officeDocument/2006/relationships" xmlns:p="http://schemas.openxmlformats.org/presentationml/2006/main">
   <p:cSld>
     <p:spTree>
@@ -11981,7 +15765,7 @@
               <a:pPr>
                 <a:defRPr/>
               </a:pPr>
-              <a:t>53</a:t>
+              <a:t>73</a:t>
             </a:fld>
             <a:endParaRPr lang="en-US"/>
           </a:p>
@@ -12027,10 +15811,17 @@
   <p:clrMapOvr>
     <a:masterClrMapping/>
   </p:clrMapOvr>
+  <p:timing>
+    <p:tnLst>
+      <p:par>
+        <p:cTn id="1" dur="indefinite" restart="never" nodeType="tmRoot"/>
+      </p:par>
+    </p:tnLst>
+  </p:timing>
 </p:sld>
 </file>
 
-<file path=ppt/slides/slide54.xml><?xml version="1.0" encoding="utf-8"?>
+<file path=ppt/slides/slide74.xml><?xml version="1.0" encoding="utf-8"?>
 <p:sld xmlns:a="http://schemas.openxmlformats.org/drawingml/2006/main" xmlns:r="http://schemas.openxmlformats.org/officeDocument/2006/relationships" xmlns:p="http://schemas.openxmlformats.org/presentationml/2006/main">
   <p:cSld>
     <p:spTree>
@@ -12123,7 +15914,7 @@
               <a:pPr>
                 <a:defRPr/>
               </a:pPr>
-              <a:t>54</a:t>
+              <a:t>74</a:t>
             </a:fld>
             <a:endParaRPr lang="en-US"/>
           </a:p>
@@ -12169,10 +15960,17 @@
   <p:clrMapOvr>
     <a:masterClrMapping/>
   </p:clrMapOvr>
+  <p:timing>
+    <p:tnLst>
+      <p:par>
+        <p:cTn id="1" dur="indefinite" restart="never" nodeType="tmRoot"/>
+      </p:par>
+    </p:tnLst>
+  </p:timing>
 </p:sld>
 </file>
 
-<file path=ppt/slides/slide55.xml><?xml version="1.0" encoding="utf-8"?>
+<file path=ppt/slides/slide75.xml><?xml version="1.0" encoding="utf-8"?>
 <p:sld xmlns:a="http://schemas.openxmlformats.org/drawingml/2006/main" xmlns:r="http://schemas.openxmlformats.org/officeDocument/2006/relationships" xmlns:p="http://schemas.openxmlformats.org/presentationml/2006/main">
   <p:cSld>
     <p:spTree>
@@ -12265,7 +16063,7 @@
               <a:pPr>
                 <a:defRPr/>
               </a:pPr>
-              <a:t>55</a:t>
+              <a:t>75</a:t>
             </a:fld>
             <a:endParaRPr lang="en-US"/>
           </a:p>
@@ -12311,10 +16109,17 @@
   <p:clrMapOvr>
     <a:masterClrMapping/>
   </p:clrMapOvr>
+  <p:timing>
+    <p:tnLst>
+      <p:par>
+        <p:cTn id="1" dur="indefinite" restart="never" nodeType="tmRoot"/>
+      </p:par>
+    </p:tnLst>
+  </p:timing>
 </p:sld>
 </file>
 
-<file path=ppt/slides/slide56.xml><?xml version="1.0" encoding="utf-8"?>
+<file path=ppt/slides/slide76.xml><?xml version="1.0" encoding="utf-8"?>
 <p:sld xmlns:a="http://schemas.openxmlformats.org/drawingml/2006/main" xmlns:r="http://schemas.openxmlformats.org/officeDocument/2006/relationships" xmlns:p="http://schemas.openxmlformats.org/presentationml/2006/main">
   <p:cSld>
     <p:spTree>
@@ -12407,7 +16212,7 @@
               <a:pPr>
                 <a:defRPr/>
               </a:pPr>
-              <a:t>56</a:t>
+              <a:t>76</a:t>
             </a:fld>
             <a:endParaRPr lang="en-US"/>
           </a:p>
@@ -12453,10 +16258,17 @@
   <p:clrMapOvr>
     <a:masterClrMapping/>
   </p:clrMapOvr>
+  <p:timing>
+    <p:tnLst>
+      <p:par>
+        <p:cTn id="1" dur="indefinite" restart="never" nodeType="tmRoot"/>
+      </p:par>
+    </p:tnLst>
+  </p:timing>
 </p:sld>
 </file>
 
-<file path=ppt/slides/slide57.xml><?xml version="1.0" encoding="utf-8"?>
+<file path=ppt/slides/slide77.xml><?xml version="1.0" encoding="utf-8"?>
 <p:sld xmlns:a="http://schemas.openxmlformats.org/drawingml/2006/main" xmlns:r="http://schemas.openxmlformats.org/officeDocument/2006/relationships" xmlns:p="http://schemas.openxmlformats.org/presentationml/2006/main">
   <p:cSld>
     <p:spTree>
@@ -12549,7 +16361,7 @@
               <a:pPr>
                 <a:defRPr/>
               </a:pPr>
-              <a:t>57</a:t>
+              <a:t>77</a:t>
             </a:fld>
             <a:endParaRPr lang="en-US"/>
           </a:p>
@@ -12595,10 +16407,17 @@
   <p:clrMapOvr>
     <a:masterClrMapping/>
   </p:clrMapOvr>
+  <p:timing>
+    <p:tnLst>
+      <p:par>
+        <p:cTn id="1" dur="indefinite" restart="never" nodeType="tmRoot"/>
+      </p:par>
+    </p:tnLst>
+  </p:timing>
 </p:sld>
 </file>
 
-<file path=ppt/slides/slide58.xml><?xml version="1.0" encoding="utf-8"?>
+<file path=ppt/slides/slide78.xml><?xml version="1.0" encoding="utf-8"?>
 <p:sld xmlns:a="http://schemas.openxmlformats.org/drawingml/2006/main" xmlns:r="http://schemas.openxmlformats.org/officeDocument/2006/relationships" xmlns:p="http://schemas.openxmlformats.org/presentationml/2006/main">
   <p:cSld>
     <p:spTree>
@@ -12691,7 +16510,7 @@
               <a:pPr>
                 <a:defRPr/>
               </a:pPr>
-              <a:t>58</a:t>
+              <a:t>78</a:t>
             </a:fld>
             <a:endParaRPr lang="en-US"/>
           </a:p>
@@ -12737,10 +16556,17 @@
   <p:clrMapOvr>
     <a:masterClrMapping/>
   </p:clrMapOvr>
+  <p:timing>
+    <p:tnLst>
+      <p:par>
+        <p:cTn id="1" dur="indefinite" restart="never" nodeType="tmRoot"/>
+      </p:par>
+    </p:tnLst>
+  </p:timing>
 </p:sld>
 </file>
 
-<file path=ppt/slides/slide59.xml><?xml version="1.0" encoding="utf-8"?>
+<file path=ppt/slides/slide79.xml><?xml version="1.0" encoding="utf-8"?>
 <p:sld xmlns:a="http://schemas.openxmlformats.org/drawingml/2006/main" xmlns:r="http://schemas.openxmlformats.org/officeDocument/2006/relationships" xmlns:p="http://schemas.openxmlformats.org/presentationml/2006/main">
   <p:cSld>
     <p:spTree>
@@ -12833,7 +16659,7 @@
               <a:pPr>
                 <a:defRPr/>
               </a:pPr>
-              <a:t>59</a:t>
+              <a:t>79</a:t>
             </a:fld>
             <a:endParaRPr lang="en-US"/>
           </a:p>
@@ -12879,10 +16705,17 @@
   <p:clrMapOvr>
     <a:masterClrMapping/>
   </p:clrMapOvr>
+  <p:timing>
+    <p:tnLst>
+      <p:par>
+        <p:cTn id="1" dur="indefinite" restart="never" nodeType="tmRoot"/>
+      </p:par>
+    </p:tnLst>
+  </p:timing>
 </p:sld>
 </file>
 
-<file path=ppt/slides/slide6.xml><?xml version="1.0" encoding="utf-8"?>
+<file path=ppt/slides/slide8.xml><?xml version="1.0" encoding="utf-8"?>
 <p:sld xmlns:a="http://schemas.openxmlformats.org/drawingml/2006/main" xmlns:r="http://schemas.openxmlformats.org/officeDocument/2006/relationships" xmlns:p="http://schemas.openxmlformats.org/presentationml/2006/main">
   <p:cSld>
     <p:spTree>
@@ -12901,6 +16734,53 @@
       </p:grpSpPr>
       <p:sp>
         <p:nvSpPr>
+          <p:cNvPr id="2" name="Title 1"/>
+          <p:cNvSpPr>
+            <a:spLocks noGrp="1"/>
+          </p:cNvSpPr>
+          <p:nvPr>
+            <p:ph type="title"/>
+          </p:nvPr>
+        </p:nvSpPr>
+        <p:spPr/>
+        <p:txBody>
+          <a:bodyPr/>
+          <a:lstStyle/>
+          <a:p>
+            <a:r>
+              <a:rPr lang="en-US" dirty="0"/>
+              <a:t>Fruit fly data (round 2)</a:t>
+            </a:r>
+          </a:p>
+        </p:txBody>
+      </p:sp>
+      <p:sp>
+        <p:nvSpPr>
+          <p:cNvPr id="4" name="Footer Placeholder 3"/>
+          <p:cNvSpPr>
+            <a:spLocks noGrp="1"/>
+          </p:cNvSpPr>
+          <p:nvPr>
+            <p:ph type="ftr" sz="quarter" idx="10"/>
+          </p:nvPr>
+        </p:nvSpPr>
+        <p:spPr/>
+        <p:txBody>
+          <a:bodyPr/>
+          <a:lstStyle/>
+          <a:p>
+            <a:pPr>
+              <a:defRPr/>
+            </a:pPr>
+            <a:r>
+              <a:rPr lang="en-US" altLang="en-US" dirty="0"/>
+              <a:t>http://TheAnalysisFactor.com</a:t>
+            </a:r>
+          </a:p>
+        </p:txBody>
+      </p:sp>
+      <p:sp>
+        <p:nvSpPr>
           <p:cNvPr id="5" name="Slide Number Placeholder 4"/>
           <p:cNvSpPr>
             <a:spLocks noGrp="1"/>
@@ -12917,7 +16797,7 @@
             <a:pPr>
               <a:defRPr/>
             </a:pPr>
-            <a:endParaRPr lang="en-US" smtClean="0"/>
+            <a:endParaRPr lang="en-US"/>
           </a:p>
           <a:p>
             <a:pPr>
@@ -12928,15 +16808,37 @@
               <a:pPr>
                 <a:defRPr/>
               </a:pPr>
-              <a:t>6</a:t>
+              <a:t>8</a:t>
             </a:fld>
             <a:endParaRPr lang="en-US"/>
           </a:p>
         </p:txBody>
       </p:sp>
+      <p:sp>
+        <p:nvSpPr>
+          <p:cNvPr id="6" name="Text Placeholder 5"/>
+          <p:cNvSpPr>
+            <a:spLocks noGrp="1"/>
+          </p:cNvSpPr>
+          <p:nvPr>
+            <p:ph type="body" sz="quarter" idx="12"/>
+          </p:nvPr>
+        </p:nvSpPr>
+        <p:spPr/>
+        <p:txBody>
+          <a:bodyPr/>
+          <a:lstStyle/>
+          <a:p>
+            <a:r>
+              <a:rPr lang="en-US" dirty="0"/>
+              <a:t>Here is a graph of the survival probabilities</a:t>
+            </a:r>
+          </a:p>
+        </p:txBody>
+      </p:sp>
       <p:pic>
         <p:nvPicPr>
-          <p:cNvPr id="4" name="Picture 3"/>
+          <p:cNvPr id="3" name="Picture 2"/>
           <p:cNvPicPr>
             <a:picLocks noChangeAspect="1"/>
           </p:cNvPicPr>
@@ -12950,8 +16852,8 @@
         </p:blipFill>
         <p:spPr>
           <a:xfrm>
-            <a:off x="1743428" y="495666"/>
-            <a:ext cx="5657143" cy="5866667"/>
+            <a:off x="457200" y="2286000"/>
+            <a:ext cx="5029200" cy="3771900"/>
           </a:xfrm>
           <a:prstGeom prst="rect">
             <a:avLst/>
@@ -12961,7 +16863,7 @@
     </p:spTree>
     <p:extLst>
       <p:ext uri="{BB962C8B-B14F-4D97-AF65-F5344CB8AC3E}">
-        <p14:creationId xmlns:p14="http://schemas.microsoft.com/office/powerpoint/2010/main" val="4179388408"/>
+        <p14:creationId xmlns:p14="http://schemas.microsoft.com/office/powerpoint/2010/main" val="2472530307"/>
       </p:ext>
     </p:extLst>
   </p:cSld>
@@ -12978,7 +16880,7 @@
 </p:sld>
 </file>
 
-<file path=ppt/slides/slide60.xml><?xml version="1.0" encoding="utf-8"?>
+<file path=ppt/slides/slide80.xml><?xml version="1.0" encoding="utf-8"?>
 <p:sld xmlns:a="http://schemas.openxmlformats.org/drawingml/2006/main" xmlns:r="http://schemas.openxmlformats.org/officeDocument/2006/relationships" xmlns:p="http://schemas.openxmlformats.org/presentationml/2006/main">
   <p:cSld>
     <p:spTree>
@@ -13071,7 +16973,7 @@
               <a:pPr>
                 <a:defRPr/>
               </a:pPr>
-              <a:t>60</a:t>
+              <a:t>80</a:t>
             </a:fld>
             <a:endParaRPr lang="en-US"/>
           </a:p>
@@ -13117,10 +17019,17 @@
   <p:clrMapOvr>
     <a:masterClrMapping/>
   </p:clrMapOvr>
+  <p:timing>
+    <p:tnLst>
+      <p:par>
+        <p:cTn id="1" dur="indefinite" restart="never" nodeType="tmRoot"/>
+      </p:par>
+    </p:tnLst>
+  </p:timing>
 </p:sld>
 </file>
 
-<file path=ppt/slides/slide61.xml><?xml version="1.0" encoding="utf-8"?>
+<file path=ppt/slides/slide81.xml><?xml version="1.0" encoding="utf-8"?>
 <p:sld xmlns:a="http://schemas.openxmlformats.org/drawingml/2006/main" xmlns:r="http://schemas.openxmlformats.org/officeDocument/2006/relationships" xmlns:p="http://schemas.openxmlformats.org/presentationml/2006/main">
   <p:cSld>
     <p:spTree>
@@ -13213,7 +17122,7 @@
               <a:pPr>
                 <a:defRPr/>
               </a:pPr>
-              <a:t>61</a:t>
+              <a:t>81</a:t>
             </a:fld>
             <a:endParaRPr lang="en-US"/>
           </a:p>
@@ -13259,10 +17168,17 @@
   <p:clrMapOvr>
     <a:masterClrMapping/>
   </p:clrMapOvr>
+  <p:timing>
+    <p:tnLst>
+      <p:par>
+        <p:cTn id="1" dur="indefinite" restart="never" nodeType="tmRoot"/>
+      </p:par>
+    </p:tnLst>
+  </p:timing>
 </p:sld>
 </file>
 
-<file path=ppt/slides/slide62.xml><?xml version="1.0" encoding="utf-8"?>
+<file path=ppt/slides/slide82.xml><?xml version="1.0" encoding="utf-8"?>
 <p:sld xmlns:a="http://schemas.openxmlformats.org/drawingml/2006/main" xmlns:r="http://schemas.openxmlformats.org/officeDocument/2006/relationships" xmlns:p="http://schemas.openxmlformats.org/presentationml/2006/main">
   <p:cSld>
     <p:spTree>
@@ -13355,7 +17271,7 @@
               <a:pPr>
                 <a:defRPr/>
               </a:pPr>
-              <a:t>62</a:t>
+              <a:t>82</a:t>
             </a:fld>
             <a:endParaRPr lang="en-US"/>
           </a:p>
@@ -13401,10 +17317,17 @@
   <p:clrMapOvr>
     <a:masterClrMapping/>
   </p:clrMapOvr>
+  <p:timing>
+    <p:tnLst>
+      <p:par>
+        <p:cTn id="1" dur="indefinite" restart="never" nodeType="tmRoot"/>
+      </p:par>
+    </p:tnLst>
+  </p:timing>
 </p:sld>
 </file>
 
-<file path=ppt/slides/slide63.xml><?xml version="1.0" encoding="utf-8"?>
+<file path=ppt/slides/slide83.xml><?xml version="1.0" encoding="utf-8"?>
 <p:sld xmlns:a="http://schemas.openxmlformats.org/drawingml/2006/main" xmlns:r="http://schemas.openxmlformats.org/officeDocument/2006/relationships" xmlns:p="http://schemas.openxmlformats.org/presentationml/2006/main">
   <p:cSld>
     <p:spTree>
@@ -13497,7 +17420,7 @@
               <a:pPr>
                 <a:defRPr/>
               </a:pPr>
-              <a:t>63</a:t>
+              <a:t>83</a:t>
             </a:fld>
             <a:endParaRPr lang="en-US"/>
           </a:p>
@@ -13543,10 +17466,17 @@
   <p:clrMapOvr>
     <a:masterClrMapping/>
   </p:clrMapOvr>
+  <p:timing>
+    <p:tnLst>
+      <p:par>
+        <p:cTn id="1" dur="indefinite" restart="never" nodeType="tmRoot"/>
+      </p:par>
+    </p:tnLst>
+  </p:timing>
 </p:sld>
 </file>
 
-<file path=ppt/slides/slide64.xml><?xml version="1.0" encoding="utf-8"?>
+<file path=ppt/slides/slide84.xml><?xml version="1.0" encoding="utf-8"?>
 <p:sld xmlns:a="http://schemas.openxmlformats.org/drawingml/2006/main" xmlns:r="http://schemas.openxmlformats.org/officeDocument/2006/relationships" xmlns:p="http://schemas.openxmlformats.org/presentationml/2006/main">
   <p:cSld>
     <p:spTree>
@@ -13647,7 +17577,7 @@
               <a:pPr>
                 <a:defRPr/>
               </a:pPr>
-              <a:t>64</a:t>
+              <a:t>84</a:t>
             </a:fld>
             <a:endParaRPr lang="en-US"/>
           </a:p>
@@ -13693,10 +17623,17 @@
   <p:clrMapOvr>
     <a:masterClrMapping/>
   </p:clrMapOvr>
+  <p:timing>
+    <p:tnLst>
+      <p:par>
+        <p:cTn id="1" dur="indefinite" restart="never" nodeType="tmRoot"/>
+      </p:par>
+    </p:tnLst>
+  </p:timing>
 </p:sld>
 </file>
 
-<file path=ppt/slides/slide65.xml><?xml version="1.0" encoding="utf-8"?>
+<file path=ppt/slides/slide85.xml><?xml version="1.0" encoding="utf-8"?>
 <p:sld xmlns:a="http://schemas.openxmlformats.org/drawingml/2006/main" xmlns:r="http://schemas.openxmlformats.org/officeDocument/2006/relationships" xmlns:p="http://schemas.openxmlformats.org/presentationml/2006/main">
   <p:cSld>
     <p:spTree>
@@ -13789,7 +17726,7 @@
               <a:pPr>
                 <a:defRPr/>
               </a:pPr>
-              <a:t>65</a:t>
+              <a:t>85</a:t>
             </a:fld>
             <a:endParaRPr lang="en-US"/>
           </a:p>
@@ -13835,10 +17772,17 @@
   <p:clrMapOvr>
     <a:masterClrMapping/>
   </p:clrMapOvr>
+  <p:timing>
+    <p:tnLst>
+      <p:par>
+        <p:cTn id="1" dur="indefinite" restart="never" nodeType="tmRoot"/>
+      </p:par>
+    </p:tnLst>
+  </p:timing>
 </p:sld>
 </file>
 
-<file path=ppt/slides/slide66.xml><?xml version="1.0" encoding="utf-8"?>
+<file path=ppt/slides/slide86.xml><?xml version="1.0" encoding="utf-8"?>
 <p:sld xmlns:a="http://schemas.openxmlformats.org/drawingml/2006/main" xmlns:r="http://schemas.openxmlformats.org/officeDocument/2006/relationships" xmlns:p="http://schemas.openxmlformats.org/presentationml/2006/main">
   <p:cSld>
     <p:spTree>
@@ -13931,7 +17875,7 @@
               <a:pPr>
                 <a:defRPr/>
               </a:pPr>
-              <a:t>66</a:t>
+              <a:t>86</a:t>
             </a:fld>
             <a:endParaRPr lang="en-US"/>
           </a:p>
@@ -13977,10 +17921,17 @@
   <p:clrMapOvr>
     <a:masterClrMapping/>
   </p:clrMapOvr>
+  <p:timing>
+    <p:tnLst>
+      <p:par>
+        <p:cTn id="1" dur="indefinite" restart="never" nodeType="tmRoot"/>
+      </p:par>
+    </p:tnLst>
+  </p:timing>
 </p:sld>
 </file>
 
-<file path=ppt/slides/slide67.xml><?xml version="1.0" encoding="utf-8"?>
+<file path=ppt/slides/slide87.xml><?xml version="1.0" encoding="utf-8"?>
 <p:sld xmlns:a="http://schemas.openxmlformats.org/drawingml/2006/main" xmlns:r="http://schemas.openxmlformats.org/officeDocument/2006/relationships" xmlns:p="http://schemas.openxmlformats.org/presentationml/2006/main">
   <p:cSld>
     <p:spTree>
@@ -14073,7 +18024,7 @@
               <a:pPr>
                 <a:defRPr/>
               </a:pPr>
-              <a:t>67</a:t>
+              <a:t>87</a:t>
             </a:fld>
             <a:endParaRPr lang="en-US"/>
           </a:p>
@@ -14119,10 +18070,17 @@
   <p:clrMapOvr>
     <a:masterClrMapping/>
   </p:clrMapOvr>
+  <p:timing>
+    <p:tnLst>
+      <p:par>
+        <p:cTn id="1" dur="indefinite" restart="never" nodeType="tmRoot"/>
+      </p:par>
+    </p:tnLst>
+  </p:timing>
 </p:sld>
 </file>
 
-<file path=ppt/slides/slide68.xml><?xml version="1.0" encoding="utf-8"?>
+<file path=ppt/slides/slide88.xml><?xml version="1.0" encoding="utf-8"?>
 <p:sld xmlns:a="http://schemas.openxmlformats.org/drawingml/2006/main" xmlns:r="http://schemas.openxmlformats.org/officeDocument/2006/relationships" xmlns:p="http://schemas.openxmlformats.org/presentationml/2006/main">
   <p:cSld>
     <p:spTree>
@@ -14215,7 +18173,7 @@
               <a:pPr>
                 <a:defRPr/>
               </a:pPr>
-              <a:t>68</a:t>
+              <a:t>88</a:t>
             </a:fld>
             <a:endParaRPr lang="en-US"/>
           </a:p>
@@ -14261,10 +18219,17 @@
   <p:clrMapOvr>
     <a:masterClrMapping/>
   </p:clrMapOvr>
+  <p:timing>
+    <p:tnLst>
+      <p:par>
+        <p:cTn id="1" dur="indefinite" restart="never" nodeType="tmRoot"/>
+      </p:par>
+    </p:tnLst>
+  </p:timing>
 </p:sld>
 </file>
 
-<file path=ppt/slides/slide69.xml><?xml version="1.0" encoding="utf-8"?>
+<file path=ppt/slides/slide89.xml><?xml version="1.0" encoding="utf-8"?>
 <p:sld xmlns:a="http://schemas.openxmlformats.org/drawingml/2006/main" xmlns:r="http://schemas.openxmlformats.org/officeDocument/2006/relationships" xmlns:p="http://schemas.openxmlformats.org/presentationml/2006/main">
   <p:cSld>
     <p:spTree>
@@ -14365,7 +18330,7 @@
               <a:pPr>
                 <a:defRPr/>
               </a:pPr>
-              <a:t>69</a:t>
+              <a:t>89</a:t>
             </a:fld>
             <a:endParaRPr lang="en-US"/>
           </a:p>
@@ -14411,458 +18376,6 @@
   <p:clrMapOvr>
     <a:masterClrMapping/>
   </p:clrMapOvr>
-</p:sld>
-</file>
-
-<file path=ppt/slides/slide7.xml><?xml version="1.0" encoding="utf-8"?>
-<p:sld xmlns:a="http://schemas.openxmlformats.org/drawingml/2006/main" xmlns:r="http://schemas.openxmlformats.org/officeDocument/2006/relationships" xmlns:p="http://schemas.openxmlformats.org/presentationml/2006/main">
-  <p:cSld>
-    <p:spTree>
-      <p:nvGrpSpPr>
-        <p:cNvPr id="1" name=""/>
-        <p:cNvGrpSpPr/>
-        <p:nvPr/>
-      </p:nvGrpSpPr>
-      <p:grpSpPr>
-        <a:xfrm>
-          <a:off x="0" y="0"/>
-          <a:ext cx="0" cy="0"/>
-          <a:chOff x="0" y="0"/>
-          <a:chExt cx="0" cy="0"/>
-        </a:xfrm>
-      </p:grpSpPr>
-      <p:sp>
-        <p:nvSpPr>
-          <p:cNvPr id="5" name="Slide Number Placeholder 4"/>
-          <p:cNvSpPr>
-            <a:spLocks noGrp="1"/>
-          </p:cNvSpPr>
-          <p:nvPr>
-            <p:ph type="sldNum" sz="quarter" idx="11"/>
-          </p:nvPr>
-        </p:nvSpPr>
-        <p:spPr/>
-        <p:txBody>
-          <a:bodyPr/>
-          <a:lstStyle/>
-          <a:p>
-            <a:pPr>
-              <a:defRPr/>
-            </a:pPr>
-            <a:endParaRPr lang="en-US" smtClean="0"/>
-          </a:p>
-          <a:p>
-            <a:pPr>
-              <a:defRPr/>
-            </a:pPr>
-            <a:fld id="{E9A8CBA3-AA2B-46A6-BFA3-DCEBEAAB3F0A}" type="slidenum">
-              <a:rPr lang="en-US" smtClean="0"/>
-              <a:pPr>
-                <a:defRPr/>
-              </a:pPr>
-              <a:t>7</a:t>
-            </a:fld>
-            <a:endParaRPr lang="en-US"/>
-          </a:p>
-        </p:txBody>
-      </p:sp>
-      <p:pic>
-        <p:nvPicPr>
-          <p:cNvPr id="2" name="Picture 1"/>
-          <p:cNvPicPr>
-            <a:picLocks noChangeAspect="1"/>
-          </p:cNvPicPr>
-          <p:nvPr/>
-        </p:nvPicPr>
-        <p:blipFill>
-          <a:blip r:embed="rId2"/>
-          <a:stretch>
-            <a:fillRect/>
-          </a:stretch>
-        </p:blipFill>
-        <p:spPr>
-          <a:xfrm>
-            <a:off x="1052952" y="419476"/>
-            <a:ext cx="7038095" cy="6019048"/>
-          </a:xfrm>
-          <a:prstGeom prst="rect">
-            <a:avLst/>
-          </a:prstGeom>
-        </p:spPr>
-      </p:pic>
-    </p:spTree>
-    <p:extLst>
-      <p:ext uri="{BB962C8B-B14F-4D97-AF65-F5344CB8AC3E}">
-        <p14:creationId xmlns:p14="http://schemas.microsoft.com/office/powerpoint/2010/main" val="2855825931"/>
-      </p:ext>
-    </p:extLst>
-  </p:cSld>
-  <p:clrMapOvr>
-    <a:masterClrMapping/>
-  </p:clrMapOvr>
-  <p:timing>
-    <p:tnLst>
-      <p:par>
-        <p:cTn id="1" dur="indefinite" restart="never" nodeType="tmRoot"/>
-      </p:par>
-    </p:tnLst>
-  </p:timing>
-</p:sld>
-</file>
-
-<file path=ppt/slides/slide70.xml><?xml version="1.0" encoding="utf-8"?>
-<p:sld xmlns:a="http://schemas.openxmlformats.org/drawingml/2006/main" xmlns:r="http://schemas.openxmlformats.org/officeDocument/2006/relationships" xmlns:p="http://schemas.openxmlformats.org/presentationml/2006/main">
-  <p:cSld>
-    <p:spTree>
-      <p:nvGrpSpPr>
-        <p:cNvPr id="1" name=""/>
-        <p:cNvGrpSpPr/>
-        <p:nvPr/>
-      </p:nvGrpSpPr>
-      <p:grpSpPr>
-        <a:xfrm>
-          <a:off x="0" y="0"/>
-          <a:ext cx="0" cy="0"/>
-          <a:chOff x="0" y="0"/>
-          <a:chExt cx="0" cy="0"/>
-        </a:xfrm>
-      </p:grpSpPr>
-      <p:sp>
-        <p:nvSpPr>
-          <p:cNvPr id="2" name="Title 1"/>
-          <p:cNvSpPr>
-            <a:spLocks noGrp="1"/>
-          </p:cNvSpPr>
-          <p:nvPr>
-            <p:ph type="title"/>
-          </p:nvPr>
-        </p:nvSpPr>
-        <p:spPr/>
-        <p:txBody>
-          <a:bodyPr/>
-          <a:lstStyle/>
-          <a:p>
-            <a:r>
-              <a:rPr lang="en-US" dirty="0"/>
-              <a:t>Conclusion</a:t>
-            </a:r>
-          </a:p>
-        </p:txBody>
-      </p:sp>
-      <p:sp>
-        <p:nvSpPr>
-          <p:cNvPr id="3" name="Text Placeholder 2"/>
-          <p:cNvSpPr>
-            <a:spLocks noGrp="1"/>
-          </p:cNvSpPr>
-          <p:nvPr>
-            <p:ph type="body" idx="1"/>
-          </p:nvPr>
-        </p:nvSpPr>
-        <p:spPr/>
-        <p:txBody>
-          <a:bodyPr/>
-          <a:lstStyle/>
-          <a:p>
-            <a:pPr marL="457200" indent="-457200">
-              <a:buFont typeface="+mj-lt"/>
-              <a:buAutoNum type="arabicPeriod"/>
-            </a:pPr>
-            <a:r>
-              <a:rPr lang="en-US" dirty="0">
-                <a:latin typeface="+mj-lt"/>
-              </a:rPr>
-              <a:t>Steps in a typical survival model</a:t>
-            </a:r>
-          </a:p>
-          <a:p>
-            <a:pPr marL="914400" lvl="1" indent="-457200">
-              <a:buFont typeface="+mj-lt"/>
-              <a:buAutoNum type="alphaLcPeriod"/>
-            </a:pPr>
-            <a:r>
-              <a:rPr lang="en-US" dirty="0">
-                <a:latin typeface="+mj-lt"/>
-              </a:rPr>
-              <a:t>Descriptive statistics</a:t>
-            </a:r>
-          </a:p>
-          <a:p>
-            <a:pPr marL="914400" lvl="1" indent="-457200">
-              <a:buFont typeface="+mj-lt"/>
-              <a:buAutoNum type="alphaLcPeriod"/>
-            </a:pPr>
-            <a:r>
-              <a:rPr lang="en-US" dirty="0">
-                <a:latin typeface="+mj-lt"/>
-              </a:rPr>
-              <a:t>Counts</a:t>
-            </a:r>
-          </a:p>
-          <a:p>
-            <a:pPr marL="914400" lvl="1" indent="-457200">
-              <a:buFont typeface="+mj-lt"/>
-              <a:buAutoNum type="alphaLcPeriod"/>
-            </a:pPr>
-            <a:r>
-              <a:rPr lang="en-US" dirty="0">
-                <a:latin typeface="+mj-lt"/>
-              </a:rPr>
-              <a:t>Simple Kaplan-Meier curves</a:t>
-            </a:r>
-          </a:p>
-          <a:p>
-            <a:pPr marL="914400" lvl="1" indent="-457200">
-              <a:buFont typeface="+mj-lt"/>
-              <a:buAutoNum type="alphaLcPeriod"/>
-            </a:pPr>
-            <a:r>
-              <a:rPr lang="en-US" dirty="0">
-                <a:latin typeface="+mj-lt"/>
-              </a:rPr>
-              <a:t>Univariate Cox models</a:t>
-            </a:r>
-          </a:p>
-          <a:p>
-            <a:pPr marL="914400" lvl="1" indent="-457200">
-              <a:buFont typeface="+mj-lt"/>
-              <a:buAutoNum type="alphaLcPeriod"/>
-            </a:pPr>
-            <a:r>
-              <a:rPr lang="en-US" dirty="0">
-                <a:latin typeface="+mj-lt"/>
-              </a:rPr>
-              <a:t>Multivariate Cox models</a:t>
-            </a:r>
-          </a:p>
-          <a:p>
-            <a:pPr marL="914400" lvl="1" indent="-457200">
-              <a:buFont typeface="+mj-lt"/>
-              <a:buAutoNum type="alphaLcPeriod"/>
-            </a:pPr>
-            <a:r>
-              <a:rPr lang="en-US" dirty="0">
-                <a:latin typeface="+mj-lt"/>
-              </a:rPr>
-              <a:t>Martingale residuals</a:t>
-            </a:r>
-          </a:p>
-          <a:p>
-            <a:pPr marL="914400" lvl="1" indent="-457200">
-              <a:buFont typeface="+mj-lt"/>
-              <a:buAutoNum type="alphaLcPeriod"/>
-            </a:pPr>
-            <a:r>
-              <a:rPr lang="en-US" dirty="0">
-                <a:latin typeface="+mj-lt"/>
-              </a:rPr>
-              <a:t>Schoenfeld residuals</a:t>
-            </a:r>
-          </a:p>
-          <a:p>
-            <a:pPr marL="457200" indent="-457200">
-              <a:buFont typeface="+mj-lt"/>
-              <a:buAutoNum type="arabicPeriod"/>
-            </a:pPr>
-            <a:r>
-              <a:rPr lang="en-US" dirty="0">
-                <a:latin typeface="+mj-lt"/>
-              </a:rPr>
-              <a:t>Competing </a:t>
-            </a:r>
-            <a:r>
-              <a:rPr lang="en-US">
-                <a:latin typeface="+mj-lt"/>
-              </a:rPr>
-              <a:t>risk analysis</a:t>
-            </a:r>
-            <a:endParaRPr lang="en-US" dirty="0">
-              <a:latin typeface="+mj-lt"/>
-            </a:endParaRPr>
-          </a:p>
-        </p:txBody>
-      </p:sp>
-      <p:sp>
-        <p:nvSpPr>
-          <p:cNvPr id="4" name="Footer Placeholder 3"/>
-          <p:cNvSpPr>
-            <a:spLocks noGrp="1"/>
-          </p:cNvSpPr>
-          <p:nvPr>
-            <p:ph type="ftr" sz="quarter" idx="10"/>
-          </p:nvPr>
-        </p:nvSpPr>
-        <p:spPr/>
-        <p:txBody>
-          <a:bodyPr/>
-          <a:lstStyle/>
-          <a:p>
-            <a:pPr>
-              <a:defRPr/>
-            </a:pPr>
-            <a:r>
-              <a:rPr lang="en-US" altLang="en-US" dirty="0"/>
-              <a:t>©2018 Steve Simon    http://TheAnalysisFactor.com</a:t>
-            </a:r>
-          </a:p>
-        </p:txBody>
-      </p:sp>
-      <p:sp>
-        <p:nvSpPr>
-          <p:cNvPr id="5" name="Slide Number Placeholder 4"/>
-          <p:cNvSpPr>
-            <a:spLocks noGrp="1"/>
-          </p:cNvSpPr>
-          <p:nvPr>
-            <p:ph type="sldNum" sz="quarter" idx="11"/>
-          </p:nvPr>
-        </p:nvSpPr>
-        <p:spPr/>
-        <p:txBody>
-          <a:bodyPr/>
-          <a:lstStyle/>
-          <a:p>
-            <a:pPr>
-              <a:defRPr/>
-            </a:pPr>
-            <a:endParaRPr lang="en-US"/>
-          </a:p>
-          <a:p>
-            <a:pPr>
-              <a:defRPr/>
-            </a:pPr>
-            <a:fld id="{E9A8CBA3-AA2B-46A6-BFA3-DCEBEAAB3F0A}" type="slidenum">
-              <a:rPr lang="en-US" smtClean="0"/>
-              <a:pPr>
-                <a:defRPr/>
-              </a:pPr>
-              <a:t>70</a:t>
-            </a:fld>
-            <a:endParaRPr lang="en-US"/>
-          </a:p>
-        </p:txBody>
-      </p:sp>
-      <p:sp>
-        <p:nvSpPr>
-          <p:cNvPr id="6" name="Text Placeholder 5"/>
-          <p:cNvSpPr>
-            <a:spLocks noGrp="1"/>
-          </p:cNvSpPr>
-          <p:nvPr>
-            <p:ph type="body" sz="quarter" idx="12"/>
-          </p:nvPr>
-        </p:nvSpPr>
-        <p:spPr/>
-        <p:txBody>
-          <a:bodyPr/>
-          <a:lstStyle/>
-          <a:p>
-            <a:r>
-              <a:rPr lang="en-US" dirty="0"/>
-              <a:t>What have you learned today?</a:t>
-            </a:r>
-          </a:p>
-        </p:txBody>
-      </p:sp>
-    </p:spTree>
-    <p:extLst>
-      <p:ext uri="{BB962C8B-B14F-4D97-AF65-F5344CB8AC3E}">
-        <p14:creationId xmlns:p14="http://schemas.microsoft.com/office/powerpoint/2010/main" val="1691035053"/>
-      </p:ext>
-    </p:extLst>
-  </p:cSld>
-  <p:clrMapOvr>
-    <a:masterClrMapping/>
-  </p:clrMapOvr>
-</p:sld>
-</file>
-
-<file path=ppt/slides/slide8.xml><?xml version="1.0" encoding="utf-8"?>
-<p:sld xmlns:a="http://schemas.openxmlformats.org/drawingml/2006/main" xmlns:r="http://schemas.openxmlformats.org/officeDocument/2006/relationships" xmlns:p="http://schemas.openxmlformats.org/presentationml/2006/main">
-  <p:cSld>
-    <p:spTree>
-      <p:nvGrpSpPr>
-        <p:cNvPr id="1" name=""/>
-        <p:cNvGrpSpPr/>
-        <p:nvPr/>
-      </p:nvGrpSpPr>
-      <p:grpSpPr>
-        <a:xfrm>
-          <a:off x="0" y="0"/>
-          <a:ext cx="0" cy="0"/>
-          <a:chOff x="0" y="0"/>
-          <a:chExt cx="0" cy="0"/>
-        </a:xfrm>
-      </p:grpSpPr>
-      <p:sp>
-        <p:nvSpPr>
-          <p:cNvPr id="5" name="Slide Number Placeholder 4"/>
-          <p:cNvSpPr>
-            <a:spLocks noGrp="1"/>
-          </p:cNvSpPr>
-          <p:nvPr>
-            <p:ph type="sldNum" sz="quarter" idx="11"/>
-          </p:nvPr>
-        </p:nvSpPr>
-        <p:spPr/>
-        <p:txBody>
-          <a:bodyPr/>
-          <a:lstStyle/>
-          <a:p>
-            <a:pPr>
-              <a:defRPr/>
-            </a:pPr>
-            <a:endParaRPr lang="en-US" smtClean="0"/>
-          </a:p>
-          <a:p>
-            <a:pPr>
-              <a:defRPr/>
-            </a:pPr>
-            <a:fld id="{E9A8CBA3-AA2B-46A6-BFA3-DCEBEAAB3F0A}" type="slidenum">
-              <a:rPr lang="en-US" smtClean="0"/>
-              <a:pPr>
-                <a:defRPr/>
-              </a:pPr>
-              <a:t>8</a:t>
-            </a:fld>
-            <a:endParaRPr lang="en-US"/>
-          </a:p>
-        </p:txBody>
-      </p:sp>
-      <p:pic>
-        <p:nvPicPr>
-          <p:cNvPr id="3" name="Picture 2"/>
-          <p:cNvPicPr>
-            <a:picLocks noChangeAspect="1"/>
-          </p:cNvPicPr>
-          <p:nvPr/>
-        </p:nvPicPr>
-        <p:blipFill>
-          <a:blip r:embed="rId2"/>
-          <a:stretch>
-            <a:fillRect/>
-          </a:stretch>
-        </p:blipFill>
-        <p:spPr>
-          <a:xfrm>
-            <a:off x="1462476" y="1952809"/>
-            <a:ext cx="6219048" cy="2952381"/>
-          </a:xfrm>
-          <a:prstGeom prst="rect">
-            <a:avLst/>
-          </a:prstGeom>
-        </p:spPr>
-      </p:pic>
-    </p:spTree>
-    <p:extLst>
-      <p:ext uri="{BB962C8B-B14F-4D97-AF65-F5344CB8AC3E}">
-        <p14:creationId xmlns:p14="http://schemas.microsoft.com/office/powerpoint/2010/main" val="696612803"/>
-      </p:ext>
-    </p:extLst>
-  </p:cSld>
-  <p:clrMapOvr>
-    <a:masterClrMapping/>
-  </p:clrMapOvr>
   <p:timing>
     <p:tnLst>
       <p:par>
@@ -14892,6 +18405,84 @@
       </p:grpSpPr>
       <p:sp>
         <p:nvSpPr>
+          <p:cNvPr id="2" name="Title 1"/>
+          <p:cNvSpPr>
+            <a:spLocks noGrp="1"/>
+          </p:cNvSpPr>
+          <p:nvPr>
+            <p:ph type="title"/>
+          </p:nvPr>
+        </p:nvSpPr>
+        <p:spPr/>
+        <p:txBody>
+          <a:bodyPr/>
+          <a:lstStyle/>
+          <a:p>
+            <a:r>
+              <a:rPr lang="en-US" dirty="0"/>
+              <a:t>Fruit fly data (round 2)</a:t>
+            </a:r>
+          </a:p>
+        </p:txBody>
+      </p:sp>
+      <p:sp>
+        <p:nvSpPr>
+          <p:cNvPr id="3" name="Text Placeholder 2"/>
+          <p:cNvSpPr>
+            <a:spLocks noGrp="1"/>
+          </p:cNvSpPr>
+          <p:nvPr>
+            <p:ph type="body" idx="1"/>
+          </p:nvPr>
+        </p:nvSpPr>
+        <p:spPr/>
+        <p:txBody>
+          <a:bodyPr numCol="1"/>
+          <a:lstStyle/>
+          <a:p>
+            <a:r>
+              <a:rPr lang="en-US" dirty="0"/>
+              <a:t>We clearly have enough data to make several important statements about survival probability. For example, the median survival time is 61 days because roughly half of the flies had died before this day.</a:t>
+            </a:r>
+          </a:p>
+          <a:p>
+            <a:endParaRPr lang="en-US" dirty="0"/>
+          </a:p>
+          <a:p>
+            <a:r>
+              <a:rPr lang="en-US" dirty="0"/>
+              <a:t>By the way, you might be tempted to ignore the ten flies who escaped. But that would seriously bias your results. The median survival time, for example, of the 15 flies who did not escape, for example, is only 54 days which is much smaller than the actual median.</a:t>
+            </a:r>
+          </a:p>
+        </p:txBody>
+      </p:sp>
+      <p:sp>
+        <p:nvSpPr>
+          <p:cNvPr id="4" name="Footer Placeholder 3"/>
+          <p:cNvSpPr>
+            <a:spLocks noGrp="1"/>
+          </p:cNvSpPr>
+          <p:nvPr>
+            <p:ph type="ftr" sz="quarter" idx="10"/>
+          </p:nvPr>
+        </p:nvSpPr>
+        <p:spPr/>
+        <p:txBody>
+          <a:bodyPr/>
+          <a:lstStyle/>
+          <a:p>
+            <a:pPr>
+              <a:defRPr/>
+            </a:pPr>
+            <a:r>
+              <a:rPr lang="en-US" altLang="en-US" dirty="0"/>
+              <a:t>http://TheAnalysisFactor.com</a:t>
+            </a:r>
+          </a:p>
+        </p:txBody>
+      </p:sp>
+      <p:sp>
+        <p:nvSpPr>
           <p:cNvPr id="5" name="Slide Number Placeholder 4"/>
           <p:cNvSpPr>
             <a:spLocks noGrp="1"/>
@@ -14908,7 +18499,7 @@
             <a:pPr>
               <a:defRPr/>
             </a:pPr>
-            <a:endParaRPr lang="en-US" smtClean="0"/>
+            <a:endParaRPr lang="en-US"/>
           </a:p>
           <a:p>
             <a:pPr>
@@ -14925,34 +18516,306 @@
           </a:p>
         </p:txBody>
       </p:sp>
-      <p:pic>
-        <p:nvPicPr>
-          <p:cNvPr id="2" name="Picture 1"/>
-          <p:cNvPicPr>
-            <a:picLocks noChangeAspect="1"/>
-          </p:cNvPicPr>
-          <p:nvPr/>
-        </p:nvPicPr>
-        <p:blipFill>
-          <a:blip r:embed="rId2"/>
-          <a:stretch>
-            <a:fillRect/>
-          </a:stretch>
-        </p:blipFill>
-        <p:spPr>
-          <a:xfrm>
-            <a:off x="1557714" y="595666"/>
-            <a:ext cx="6028571" cy="5666667"/>
-          </a:xfrm>
-          <a:prstGeom prst="rect">
-            <a:avLst/>
-          </a:prstGeom>
-        </p:spPr>
-      </p:pic>
+      <p:sp>
+        <p:nvSpPr>
+          <p:cNvPr id="6" name="Text Placeholder 5"/>
+          <p:cNvSpPr>
+            <a:spLocks noGrp="1"/>
+          </p:cNvSpPr>
+          <p:nvPr>
+            <p:ph type="body" sz="quarter" idx="12"/>
+          </p:nvPr>
+        </p:nvSpPr>
+        <p:spPr/>
+        <p:txBody>
+          <a:bodyPr/>
+          <a:lstStyle/>
+          <a:p>
+            <a:r>
+              <a:rPr lang="en-US" dirty="0"/>
+              <a:t>What you can still estimate</a:t>
+            </a:r>
+          </a:p>
+        </p:txBody>
+      </p:sp>
     </p:spTree>
     <p:extLst>
       <p:ext uri="{BB962C8B-B14F-4D97-AF65-F5344CB8AC3E}">
-        <p14:creationId xmlns:p14="http://schemas.microsoft.com/office/powerpoint/2010/main" val="4115380482"/>
+        <p14:creationId xmlns:p14="http://schemas.microsoft.com/office/powerpoint/2010/main" val="186997471"/>
+      </p:ext>
+    </p:extLst>
+  </p:cSld>
+  <p:clrMapOvr>
+    <a:masterClrMapping/>
+  </p:clrMapOvr>
+  <p:timing>
+    <p:tnLst>
+      <p:par>
+        <p:cTn id="1" dur="indefinite" restart="never" nodeType="tmRoot"/>
+      </p:par>
+    </p:tnLst>
+  </p:timing>
+</p:sld>
+</file>
+
+<file path=ppt/slides/slide90.xml><?xml version="1.0" encoding="utf-8"?>
+<p:sld xmlns:a="http://schemas.openxmlformats.org/drawingml/2006/main" xmlns:r="http://schemas.openxmlformats.org/officeDocument/2006/relationships" xmlns:p="http://schemas.openxmlformats.org/presentationml/2006/main">
+  <p:cSld>
+    <p:spTree>
+      <p:nvGrpSpPr>
+        <p:cNvPr id="1" name=""/>
+        <p:cNvGrpSpPr/>
+        <p:nvPr/>
+      </p:nvGrpSpPr>
+      <p:grpSpPr>
+        <a:xfrm>
+          <a:off x="0" y="0"/>
+          <a:ext cx="0" cy="0"/>
+          <a:chOff x="0" y="0"/>
+          <a:chExt cx="0" cy="0"/>
+        </a:xfrm>
+      </p:grpSpPr>
+      <p:sp>
+        <p:nvSpPr>
+          <p:cNvPr id="2" name="Title 1"/>
+          <p:cNvSpPr>
+            <a:spLocks noGrp="1"/>
+          </p:cNvSpPr>
+          <p:nvPr>
+            <p:ph type="title"/>
+          </p:nvPr>
+        </p:nvSpPr>
+        <p:spPr/>
+        <p:txBody>
+          <a:bodyPr/>
+          <a:lstStyle/>
+          <a:p>
+            <a:r>
+              <a:rPr lang="en-US" dirty="0"/>
+              <a:t>Conclusion</a:t>
+            </a:r>
+          </a:p>
+        </p:txBody>
+      </p:sp>
+      <p:sp>
+        <p:nvSpPr>
+          <p:cNvPr id="3" name="Text Placeholder 2"/>
+          <p:cNvSpPr>
+            <a:spLocks noGrp="1"/>
+          </p:cNvSpPr>
+          <p:nvPr>
+            <p:ph type="body" idx="1"/>
+          </p:nvPr>
+        </p:nvSpPr>
+        <p:spPr/>
+        <p:txBody>
+          <a:bodyPr/>
+          <a:lstStyle/>
+          <a:p>
+            <a:pPr marL="457200" indent="-457200">
+              <a:buFont typeface="+mj-lt"/>
+              <a:buAutoNum type="arabicPeriod"/>
+            </a:pPr>
+            <a:r>
+              <a:rPr lang="en-US" dirty="0">
+                <a:latin typeface="+mj-lt"/>
+              </a:rPr>
+              <a:t>Steps in a typical survival model</a:t>
+            </a:r>
+          </a:p>
+          <a:p>
+            <a:pPr marL="914400" lvl="1" indent="-457200">
+              <a:buFont typeface="+mj-lt"/>
+              <a:buAutoNum type="alphaLcPeriod"/>
+            </a:pPr>
+            <a:r>
+              <a:rPr lang="en-US" dirty="0">
+                <a:latin typeface="+mj-lt"/>
+              </a:rPr>
+              <a:t>Descriptive statistics</a:t>
+            </a:r>
+          </a:p>
+          <a:p>
+            <a:pPr marL="914400" lvl="1" indent="-457200">
+              <a:buFont typeface="+mj-lt"/>
+              <a:buAutoNum type="alphaLcPeriod"/>
+            </a:pPr>
+            <a:r>
+              <a:rPr lang="en-US" dirty="0">
+                <a:latin typeface="+mj-lt"/>
+              </a:rPr>
+              <a:t>Counts</a:t>
+            </a:r>
+          </a:p>
+          <a:p>
+            <a:pPr marL="914400" lvl="1" indent="-457200">
+              <a:buFont typeface="+mj-lt"/>
+              <a:buAutoNum type="alphaLcPeriod"/>
+            </a:pPr>
+            <a:r>
+              <a:rPr lang="en-US" dirty="0">
+                <a:latin typeface="+mj-lt"/>
+              </a:rPr>
+              <a:t>Simple Kaplan-Meier curves</a:t>
+            </a:r>
+          </a:p>
+          <a:p>
+            <a:pPr marL="914400" lvl="1" indent="-457200">
+              <a:buFont typeface="+mj-lt"/>
+              <a:buAutoNum type="alphaLcPeriod"/>
+            </a:pPr>
+            <a:r>
+              <a:rPr lang="en-US" dirty="0">
+                <a:latin typeface="+mj-lt"/>
+              </a:rPr>
+              <a:t>Univariate Cox models</a:t>
+            </a:r>
+          </a:p>
+          <a:p>
+            <a:pPr marL="914400" lvl="1" indent="-457200">
+              <a:buFont typeface="+mj-lt"/>
+              <a:buAutoNum type="alphaLcPeriod"/>
+            </a:pPr>
+            <a:r>
+              <a:rPr lang="en-US" dirty="0">
+                <a:latin typeface="+mj-lt"/>
+              </a:rPr>
+              <a:t>Multivariate Cox models</a:t>
+            </a:r>
+          </a:p>
+          <a:p>
+            <a:pPr marL="914400" lvl="1" indent="-457200">
+              <a:buFont typeface="+mj-lt"/>
+              <a:buAutoNum type="alphaLcPeriod"/>
+            </a:pPr>
+            <a:r>
+              <a:rPr lang="en-US" dirty="0">
+                <a:latin typeface="+mj-lt"/>
+              </a:rPr>
+              <a:t>Martingale residuals</a:t>
+            </a:r>
+          </a:p>
+          <a:p>
+            <a:pPr marL="914400" lvl="1" indent="-457200">
+              <a:buFont typeface="+mj-lt"/>
+              <a:buAutoNum type="alphaLcPeriod"/>
+            </a:pPr>
+            <a:r>
+              <a:rPr lang="en-US" dirty="0">
+                <a:latin typeface="+mj-lt"/>
+              </a:rPr>
+              <a:t>Schoenfeld residuals</a:t>
+            </a:r>
+          </a:p>
+          <a:p>
+            <a:pPr marL="457200" indent="-457200">
+              <a:buFont typeface="+mj-lt"/>
+              <a:buAutoNum type="arabicPeriod"/>
+            </a:pPr>
+            <a:r>
+              <a:rPr lang="en-US" dirty="0">
+                <a:latin typeface="+mj-lt"/>
+              </a:rPr>
+              <a:t>Competing </a:t>
+            </a:r>
+            <a:r>
+              <a:rPr lang="en-US">
+                <a:latin typeface="+mj-lt"/>
+              </a:rPr>
+              <a:t>risk analysis</a:t>
+            </a:r>
+            <a:endParaRPr lang="en-US" dirty="0">
+              <a:latin typeface="+mj-lt"/>
+            </a:endParaRPr>
+          </a:p>
+        </p:txBody>
+      </p:sp>
+      <p:sp>
+        <p:nvSpPr>
+          <p:cNvPr id="4" name="Footer Placeholder 3"/>
+          <p:cNvSpPr>
+            <a:spLocks noGrp="1"/>
+          </p:cNvSpPr>
+          <p:nvPr>
+            <p:ph type="ftr" sz="quarter" idx="10"/>
+          </p:nvPr>
+        </p:nvSpPr>
+        <p:spPr/>
+        <p:txBody>
+          <a:bodyPr/>
+          <a:lstStyle/>
+          <a:p>
+            <a:pPr>
+              <a:defRPr/>
+            </a:pPr>
+            <a:r>
+              <a:rPr lang="en-US" altLang="en-US" dirty="0"/>
+              <a:t>©2018 Steve Simon    http://TheAnalysisFactor.com</a:t>
+            </a:r>
+          </a:p>
+        </p:txBody>
+      </p:sp>
+      <p:sp>
+        <p:nvSpPr>
+          <p:cNvPr id="5" name="Slide Number Placeholder 4"/>
+          <p:cNvSpPr>
+            <a:spLocks noGrp="1"/>
+          </p:cNvSpPr>
+          <p:nvPr>
+            <p:ph type="sldNum" sz="quarter" idx="11"/>
+          </p:nvPr>
+        </p:nvSpPr>
+        <p:spPr/>
+        <p:txBody>
+          <a:bodyPr/>
+          <a:lstStyle/>
+          <a:p>
+            <a:pPr>
+              <a:defRPr/>
+            </a:pPr>
+            <a:endParaRPr lang="en-US"/>
+          </a:p>
+          <a:p>
+            <a:pPr>
+              <a:defRPr/>
+            </a:pPr>
+            <a:fld id="{E9A8CBA3-AA2B-46A6-BFA3-DCEBEAAB3F0A}" type="slidenum">
+              <a:rPr lang="en-US" smtClean="0"/>
+              <a:pPr>
+                <a:defRPr/>
+              </a:pPr>
+              <a:t>90</a:t>
+            </a:fld>
+            <a:endParaRPr lang="en-US"/>
+          </a:p>
+        </p:txBody>
+      </p:sp>
+      <p:sp>
+        <p:nvSpPr>
+          <p:cNvPr id="6" name="Text Placeholder 5"/>
+          <p:cNvSpPr>
+            <a:spLocks noGrp="1"/>
+          </p:cNvSpPr>
+          <p:nvPr>
+            <p:ph type="body" sz="quarter" idx="12"/>
+          </p:nvPr>
+        </p:nvSpPr>
+        <p:spPr/>
+        <p:txBody>
+          <a:bodyPr/>
+          <a:lstStyle/>
+          <a:p>
+            <a:r>
+              <a:rPr lang="en-US" dirty="0"/>
+              <a:t>What have you learned today?</a:t>
+            </a:r>
+          </a:p>
+        </p:txBody>
+      </p:sp>
+    </p:spTree>
+    <p:extLst>
+      <p:ext uri="{BB962C8B-B14F-4D97-AF65-F5344CB8AC3E}">
+        <p14:creationId xmlns:p14="http://schemas.microsoft.com/office/powerpoint/2010/main" val="1691035053"/>
       </p:ext>
     </p:extLst>
   </p:cSld>
